--- a/out/DE2 presentation.pptx
+++ b/out/DE2 presentation.pptx
@@ -1,24 +1,25 @@
 
 <file path=ppt/presentation.xml><?xml version="1.0" encoding="utf-8"?>
-<p:presentation xmlns:a="http://schemas.openxmlformats.org/drawingml/2006/main" xmlns:r="http://schemas.openxmlformats.org/officeDocument/2006/relationships" xmlns:mc="http://schemas.openxmlformats.org/markup-compatibility/2006" xmlns:mv="urn:schemas-microsoft-com:mac:vml" xmlns:p="http://schemas.openxmlformats.org/presentationml/2006/main" xmlns:c="http://schemas.openxmlformats.org/drawingml/2006/chart" xmlns:dgm="http://schemas.openxmlformats.org/drawingml/2006/diagram" xmlns:o="urn:schemas-microsoft-com:office:office" xmlns:v="urn:schemas-microsoft-com:vml" xmlns:pvml="urn:schemas-microsoft-com:office:powerpoint" xmlns:com="http://schemas.openxmlformats.org/drawingml/2006/compatibility" xmlns:p14="http://schemas.microsoft.com/office/powerpoint/2010/main" xmlns:p15="http://schemas.microsoft.com/office/powerpoint/2012/main" xmlns:ahyp="http://schemas.microsoft.com/office/drawing/2018/hyperlinkcolor" autoCompressPictures="0" strictFirstAndLastChars="0" saveSubsetFonts="1">
+<p:presentation xmlns:a="http://schemas.openxmlformats.org/drawingml/2006/main" xmlns:r="http://schemas.openxmlformats.org/officeDocument/2006/relationships" xmlns:p="http://schemas.openxmlformats.org/presentationml/2006/main" strictFirstAndLastChars="0" saveSubsetFonts="1" autoCompressPictures="0">
   <p:sldMasterIdLst>
-    <p:sldMasterId id="2147483659" r:id="rId4"/>
+    <p:sldMasterId id="2147483659" r:id="rId1"/>
   </p:sldMasterIdLst>
   <p:notesMasterIdLst>
-    <p:notesMasterId r:id="rId5"/>
+    <p:notesMasterId r:id="rId9"/>
   </p:notesMasterIdLst>
   <p:sldIdLst>
-    <p:sldId id="256" r:id="rId6"/>
-    <p:sldId id="257" r:id="rId7"/>
-    <p:sldId id="258" r:id="rId8"/>
-    <p:sldId id="259" r:id="rId9"/>
-    <p:sldId id="260" r:id="rId10"/>
-    <p:sldId id="261" r:id="rId11"/>
+    <p:sldId id="256" r:id="rId2"/>
+    <p:sldId id="257" r:id="rId3"/>
+    <p:sldId id="259" r:id="rId4"/>
+    <p:sldId id="262" r:id="rId5"/>
+    <p:sldId id="260" r:id="rId6"/>
+    <p:sldId id="258" r:id="rId7"/>
+    <p:sldId id="261" r:id="rId8"/>
   </p:sldIdLst>
-  <p:sldSz cy="5143500" cx="9144000"/>
+  <p:sldSz cx="9144000" cy="5143500" type="screen16x9"/>
   <p:notesSz cx="6858000" cy="9144000"/>
   <p:defaultTextStyle>
-    <a:defPPr lvl="0" marR="0" rtl="0" algn="l">
+    <a:defPPr marR="0" lvl="0" algn="l" rtl="0">
       <a:lnSpc>
         <a:spcPct val="100000"/>
       </a:lnSpc>
@@ -29,7 +30,7 @@
         <a:spcPts val="0"/>
       </a:spcAft>
     </a:defPPr>
-    <a:lvl1pPr lvl="0" marR="0" rtl="0" algn="l">
+    <a:lvl1pPr marR="0" lvl="0" algn="l" rtl="0">
       <a:lnSpc>
         <a:spcPct val="100000"/>
       </a:lnSpc>
@@ -43,7 +44,7 @@
         <a:srgbClr val="000000"/>
       </a:buClr>
       <a:buFont typeface="Arial"/>
-      <a:defRPr b="0" i="0" sz="1400" u="none" cap="none" strike="noStrike">
+      <a:defRPr sz="1400" b="0" i="0" u="none" strike="noStrike" cap="none">
         <a:solidFill>
           <a:srgbClr val="000000"/>
         </a:solidFill>
@@ -53,7 +54,7 @@
         <a:sym typeface="Arial"/>
       </a:defRPr>
     </a:lvl1pPr>
-    <a:lvl2pPr lvl="1" marR="0" rtl="0" algn="l">
+    <a:lvl2pPr marR="0" lvl="1" algn="l" rtl="0">
       <a:lnSpc>
         <a:spcPct val="100000"/>
       </a:lnSpc>
@@ -67,7 +68,7 @@
         <a:srgbClr val="000000"/>
       </a:buClr>
       <a:buFont typeface="Arial"/>
-      <a:defRPr b="0" i="0" sz="1400" u="none" cap="none" strike="noStrike">
+      <a:defRPr sz="1400" b="0" i="0" u="none" strike="noStrike" cap="none">
         <a:solidFill>
           <a:srgbClr val="000000"/>
         </a:solidFill>
@@ -77,7 +78,7 @@
         <a:sym typeface="Arial"/>
       </a:defRPr>
     </a:lvl2pPr>
-    <a:lvl3pPr lvl="2" marR="0" rtl="0" algn="l">
+    <a:lvl3pPr marR="0" lvl="2" algn="l" rtl="0">
       <a:lnSpc>
         <a:spcPct val="100000"/>
       </a:lnSpc>
@@ -91,7 +92,7 @@
         <a:srgbClr val="000000"/>
       </a:buClr>
       <a:buFont typeface="Arial"/>
-      <a:defRPr b="0" i="0" sz="1400" u="none" cap="none" strike="noStrike">
+      <a:defRPr sz="1400" b="0" i="0" u="none" strike="noStrike" cap="none">
         <a:solidFill>
           <a:srgbClr val="000000"/>
         </a:solidFill>
@@ -101,7 +102,7 @@
         <a:sym typeface="Arial"/>
       </a:defRPr>
     </a:lvl3pPr>
-    <a:lvl4pPr lvl="3" marR="0" rtl="0" algn="l">
+    <a:lvl4pPr marR="0" lvl="3" algn="l" rtl="0">
       <a:lnSpc>
         <a:spcPct val="100000"/>
       </a:lnSpc>
@@ -115,7 +116,7 @@
         <a:srgbClr val="000000"/>
       </a:buClr>
       <a:buFont typeface="Arial"/>
-      <a:defRPr b="0" i="0" sz="1400" u="none" cap="none" strike="noStrike">
+      <a:defRPr sz="1400" b="0" i="0" u="none" strike="noStrike" cap="none">
         <a:solidFill>
           <a:srgbClr val="000000"/>
         </a:solidFill>
@@ -125,7 +126,7 @@
         <a:sym typeface="Arial"/>
       </a:defRPr>
     </a:lvl4pPr>
-    <a:lvl5pPr lvl="4" marR="0" rtl="0" algn="l">
+    <a:lvl5pPr marR="0" lvl="4" algn="l" rtl="0">
       <a:lnSpc>
         <a:spcPct val="100000"/>
       </a:lnSpc>
@@ -139,7 +140,7 @@
         <a:srgbClr val="000000"/>
       </a:buClr>
       <a:buFont typeface="Arial"/>
-      <a:defRPr b="0" i="0" sz="1400" u="none" cap="none" strike="noStrike">
+      <a:defRPr sz="1400" b="0" i="0" u="none" strike="noStrike" cap="none">
         <a:solidFill>
           <a:srgbClr val="000000"/>
         </a:solidFill>
@@ -149,7 +150,7 @@
         <a:sym typeface="Arial"/>
       </a:defRPr>
     </a:lvl5pPr>
-    <a:lvl6pPr lvl="5" marR="0" rtl="0" algn="l">
+    <a:lvl6pPr marR="0" lvl="5" algn="l" rtl="0">
       <a:lnSpc>
         <a:spcPct val="100000"/>
       </a:lnSpc>
@@ -163,7 +164,7 @@
         <a:srgbClr val="000000"/>
       </a:buClr>
       <a:buFont typeface="Arial"/>
-      <a:defRPr b="0" i="0" sz="1400" u="none" cap="none" strike="noStrike">
+      <a:defRPr sz="1400" b="0" i="0" u="none" strike="noStrike" cap="none">
         <a:solidFill>
           <a:srgbClr val="000000"/>
         </a:solidFill>
@@ -173,7 +174,7 @@
         <a:sym typeface="Arial"/>
       </a:defRPr>
     </a:lvl6pPr>
-    <a:lvl7pPr lvl="6" marR="0" rtl="0" algn="l">
+    <a:lvl7pPr marR="0" lvl="6" algn="l" rtl="0">
       <a:lnSpc>
         <a:spcPct val="100000"/>
       </a:lnSpc>
@@ -187,7 +188,7 @@
         <a:srgbClr val="000000"/>
       </a:buClr>
       <a:buFont typeface="Arial"/>
-      <a:defRPr b="0" i="0" sz="1400" u="none" cap="none" strike="noStrike">
+      <a:defRPr sz="1400" b="0" i="0" u="none" strike="noStrike" cap="none">
         <a:solidFill>
           <a:srgbClr val="000000"/>
         </a:solidFill>
@@ -197,7 +198,7 @@
         <a:sym typeface="Arial"/>
       </a:defRPr>
     </a:lvl7pPr>
-    <a:lvl8pPr lvl="7" marR="0" rtl="0" algn="l">
+    <a:lvl8pPr marR="0" lvl="7" algn="l" rtl="0">
       <a:lnSpc>
         <a:spcPct val="100000"/>
       </a:lnSpc>
@@ -211,7 +212,7 @@
         <a:srgbClr val="000000"/>
       </a:buClr>
       <a:buFont typeface="Arial"/>
-      <a:defRPr b="0" i="0" sz="1400" u="none" cap="none" strike="noStrike">
+      <a:defRPr sz="1400" b="0" i="0" u="none" strike="noStrike" cap="none">
         <a:solidFill>
           <a:srgbClr val="000000"/>
         </a:solidFill>
@@ -221,7 +222,7 @@
         <a:sym typeface="Arial"/>
       </a:defRPr>
     </a:lvl8pPr>
-    <a:lvl9pPr lvl="8" marR="0" rtl="0" algn="l">
+    <a:lvl9pPr marR="0" lvl="8" algn="l" rtl="0">
       <a:lnSpc>
         <a:spcPct val="100000"/>
       </a:lnSpc>
@@ -235,7 +236,7 @@
         <a:srgbClr val="000000"/>
       </a:buClr>
       <a:buFont typeface="Arial"/>
-      <a:defRPr b="0" i="0" sz="1400" u="none" cap="none" strike="noStrike">
+      <a:defRPr sz="1400" b="0" i="0" u="none" strike="noStrike" cap="none">
         <a:solidFill>
           <a:srgbClr val="000000"/>
         </a:solidFill>
@@ -248,7 +249,7 @@
   </p:defaultTextStyle>
   <p:extLst>
     <p:ext uri="{EFAFB233-063F-42B5-8137-9DF3F51BA10A}">
-      <p15:sldGuideLst>
+      <p15:sldGuideLst xmlns:p15="http://schemas.microsoft.com/office/powerpoint/2012/main">
         <p15:guide id="1" orient="horz" pos="1620">
           <p15:clr>
             <a:srgbClr val="A4A3A4"/>
@@ -266,11 +267,16 @@
 </file>
 
 <file path=ppt/notesMasters/notesMaster1.xml><?xml version="1.0" encoding="utf-8"?>
-<p:notesMaster xmlns:a="http://schemas.openxmlformats.org/drawingml/2006/main" xmlns:r="http://schemas.openxmlformats.org/officeDocument/2006/relationships" xmlns:mc="http://schemas.openxmlformats.org/markup-compatibility/2006" xmlns:mv="urn:schemas-microsoft-com:mac:vml" xmlns:p="http://schemas.openxmlformats.org/presentationml/2006/main" xmlns:c="http://schemas.openxmlformats.org/drawingml/2006/chart" xmlns:dgm="http://schemas.openxmlformats.org/drawingml/2006/diagram" xmlns:o="urn:schemas-microsoft-com:office:office" xmlns:v="urn:schemas-microsoft-com:vml" xmlns:pvml="urn:schemas-microsoft-com:office:powerpoint" xmlns:com="http://schemas.openxmlformats.org/drawingml/2006/compatibility" xmlns:p14="http://schemas.microsoft.com/office/powerpoint/2010/main" xmlns:p15="http://schemas.microsoft.com/office/powerpoint/2012/main" xmlns:ahyp="http://schemas.microsoft.com/office/drawing/2018/hyperlinkcolor">
+<p:notesMaster xmlns:a="http://schemas.openxmlformats.org/drawingml/2006/main" xmlns:r="http://schemas.openxmlformats.org/officeDocument/2006/relationships" xmlns:p="http://schemas.openxmlformats.org/presentationml/2006/main">
   <p:cSld>
+    <p:bg>
+      <p:bgRef idx="1001">
+        <a:schemeClr val="bg1"/>
+      </p:bgRef>
+    </p:bg>
     <p:spTree>
       <p:nvGrpSpPr>
-        <p:cNvPr id="2" name="Shape 2"/>
+        <p:cNvPr id="1" name="Shape 2"/>
         <p:cNvGrpSpPr/>
         <p:nvPr/>
       </p:nvGrpSpPr>
@@ -285,9 +291,11 @@
       <p:sp>
         <p:nvSpPr>
           <p:cNvPr id="3" name="Google Shape;3;n"/>
-          <p:cNvSpPr/>
+          <p:cNvSpPr>
+            <a:spLocks noGrp="1" noRot="1" noChangeAspect="1"/>
+          </p:cNvSpPr>
           <p:nvPr>
-            <p:ph idx="2" type="sldImg"/>
+            <p:ph type="sldImg" idx="2"/>
           </p:nvPr>
         </p:nvSpPr>
         <p:spPr>
@@ -296,9 +304,13 @@
             <a:ext cx="6096075" cy="3429000"/>
           </a:xfrm>
           <a:custGeom>
-            <a:rect b="b" l="l" r="r" t="t"/>
+            <a:avLst/>
+            <a:gdLst/>
+            <a:ahLst/>
+            <a:cxnLst/>
+            <a:rect l="l" t="t" r="r" b="b"/>
             <a:pathLst>
-              <a:path extrusionOk="0" h="120000" w="120000">
+              <a:path w="120000" h="120000" extrusionOk="0">
                 <a:moveTo>
                   <a:pt x="0" y="0"/>
                 </a:moveTo>
@@ -316,23 +328,25 @@
             </a:pathLst>
           </a:custGeom>
           <a:noFill/>
-          <a:ln cap="flat" cmpd="sng" w="9525">
+          <a:ln w="9525" cap="flat" cmpd="sng">
             <a:solidFill>
               <a:srgbClr val="000000"/>
             </a:solidFill>
             <a:prstDash val="solid"/>
             <a:round/>
-            <a:headEnd len="sm" w="sm" type="none"/>
-            <a:tailEnd len="sm" w="sm" type="none"/>
+            <a:headEnd type="none" w="sm" len="sm"/>
+            <a:tailEnd type="none" w="sm" len="sm"/>
           </a:ln>
         </p:spPr>
       </p:sp>
       <p:sp>
         <p:nvSpPr>
           <p:cNvPr id="4" name="Google Shape;4;n"/>
-          <p:cNvSpPr txBox="1"/>
+          <p:cNvSpPr txBox="1">
+            <a:spLocks noGrp="1"/>
+          </p:cNvSpPr>
           <p:nvPr>
-            <p:ph idx="1" type="body"/>
+            <p:ph type="body" idx="1"/>
           </p:nvPr>
         </p:nvSpPr>
         <p:spPr>
@@ -349,11 +363,11 @@
           </a:ln>
         </p:spPr>
         <p:txBody>
-          <a:bodyPr anchorCtr="0" anchor="t" bIns="91425" lIns="91425" spcFirstLastPara="1" rIns="91425" wrap="square" tIns="91425">
+          <a:bodyPr spcFirstLastPara="1" wrap="square" lIns="91425" tIns="91425" rIns="91425" bIns="91425" anchor="t" anchorCtr="0">
             <a:noAutofit/>
           </a:bodyPr>
           <a:lstStyle>
-            <a:lvl1pPr indent="-317500" lvl="0" marL="457200">
+            <a:lvl1pPr marL="457200" lvl="0" indent="-317500">
               <a:spcBef>
                 <a:spcPts val="0"/>
               </a:spcBef>
@@ -364,7 +378,7 @@
               <a:buChar char="●"/>
               <a:defRPr sz="1100"/>
             </a:lvl1pPr>
-            <a:lvl2pPr indent="-317500" lvl="1" marL="914400">
+            <a:lvl2pPr marL="914400" lvl="1" indent="-317500">
               <a:spcBef>
                 <a:spcPts val="0"/>
               </a:spcBef>
@@ -375,7 +389,7 @@
               <a:buChar char="○"/>
               <a:defRPr sz="1100"/>
             </a:lvl2pPr>
-            <a:lvl3pPr indent="-317500" lvl="2" marL="1371600">
+            <a:lvl3pPr marL="1371600" lvl="2" indent="-317500">
               <a:spcBef>
                 <a:spcPts val="0"/>
               </a:spcBef>
@@ -386,7 +400,7 @@
               <a:buChar char="■"/>
               <a:defRPr sz="1100"/>
             </a:lvl3pPr>
-            <a:lvl4pPr indent="-317500" lvl="3" marL="1828800">
+            <a:lvl4pPr marL="1828800" lvl="3" indent="-317500">
               <a:spcBef>
                 <a:spcPts val="0"/>
               </a:spcBef>
@@ -397,7 +411,7 @@
               <a:buChar char="●"/>
               <a:defRPr sz="1100"/>
             </a:lvl4pPr>
-            <a:lvl5pPr indent="-317500" lvl="4" marL="2286000">
+            <a:lvl5pPr marL="2286000" lvl="4" indent="-317500">
               <a:spcBef>
                 <a:spcPts val="0"/>
               </a:spcBef>
@@ -408,7 +422,7 @@
               <a:buChar char="○"/>
               <a:defRPr sz="1100"/>
             </a:lvl5pPr>
-            <a:lvl6pPr indent="-317500" lvl="5" marL="2743200">
+            <a:lvl6pPr marL="2743200" lvl="5" indent="-317500">
               <a:spcBef>
                 <a:spcPts val="0"/>
               </a:spcBef>
@@ -419,7 +433,7 @@
               <a:buChar char="■"/>
               <a:defRPr sz="1100"/>
             </a:lvl6pPr>
-            <a:lvl7pPr indent="-317500" lvl="6" marL="3200400">
+            <a:lvl7pPr marL="3200400" lvl="6" indent="-317500">
               <a:spcBef>
                 <a:spcPts val="0"/>
               </a:spcBef>
@@ -430,7 +444,7 @@
               <a:buChar char="●"/>
               <a:defRPr sz="1100"/>
             </a:lvl7pPr>
-            <a:lvl8pPr indent="-317500" lvl="7" marL="3657600">
+            <a:lvl8pPr marL="3657600" lvl="7" indent="-317500">
               <a:spcBef>
                 <a:spcPts val="0"/>
               </a:spcBef>
@@ -441,7 +455,7 @@
               <a:buChar char="○"/>
               <a:defRPr sz="1100"/>
             </a:lvl8pPr>
-            <a:lvl9pPr indent="-317500" lvl="8" marL="4114800">
+            <a:lvl9pPr marL="4114800" lvl="8" indent="-317500">
               <a:spcBef>
                 <a:spcPts val="0"/>
               </a:spcBef>
@@ -453,14 +467,16 @@
               <a:defRPr sz="1100"/>
             </a:lvl9pPr>
           </a:lstStyle>
-          <a:p/>
+          <a:p>
+            <a:endParaRPr/>
+          </a:p>
         </p:txBody>
       </p:sp>
     </p:spTree>
   </p:cSld>
-  <p:clrMap accent1="accent1" accent2="accent2" accent3="accent3" accent4="accent4" accent5="accent5" accent6="accent6" bg1="lt1" bg2="dk2" tx1="dk1" tx2="lt2" folHlink="folHlink" hlink="hlink"/>
+  <p:clrMap bg1="lt1" tx1="dk1" bg2="dk2" tx2="lt2" accent1="accent1" accent2="accent2" accent3="accent3" accent4="accent4" accent5="accent5" accent6="accent6" hlink="hlink" folHlink="folHlink"/>
   <p:notesStyle>
-    <a:defPPr lvl="0" marR="0" rtl="0" algn="l">
+    <a:defPPr marR="0" lvl="0" algn="l" rtl="0">
       <a:lnSpc>
         <a:spcPct val="100000"/>
       </a:lnSpc>
@@ -471,7 +487,7 @@
         <a:spcPts val="0"/>
       </a:spcAft>
     </a:defPPr>
-    <a:lvl1pPr lvl="0" marR="0" rtl="0" algn="l">
+    <a:lvl1pPr marR="0" lvl="0" algn="l" rtl="0">
       <a:lnSpc>
         <a:spcPct val="100000"/>
       </a:lnSpc>
@@ -485,7 +501,7 @@
         <a:srgbClr val="000000"/>
       </a:buClr>
       <a:buFont typeface="Arial"/>
-      <a:defRPr b="0" i="0" sz="1400" u="none" cap="none" strike="noStrike">
+      <a:defRPr sz="1400" b="0" i="0" u="none" strike="noStrike" cap="none">
         <a:solidFill>
           <a:srgbClr val="000000"/>
         </a:solidFill>
@@ -495,7 +511,7 @@
         <a:sym typeface="Arial"/>
       </a:defRPr>
     </a:lvl1pPr>
-    <a:lvl2pPr lvl="1" marR="0" rtl="0" algn="l">
+    <a:lvl2pPr marR="0" lvl="1" algn="l" rtl="0">
       <a:lnSpc>
         <a:spcPct val="100000"/>
       </a:lnSpc>
@@ -509,7 +525,7 @@
         <a:srgbClr val="000000"/>
       </a:buClr>
       <a:buFont typeface="Arial"/>
-      <a:defRPr b="0" i="0" sz="1400" u="none" cap="none" strike="noStrike">
+      <a:defRPr sz="1400" b="0" i="0" u="none" strike="noStrike" cap="none">
         <a:solidFill>
           <a:srgbClr val="000000"/>
         </a:solidFill>
@@ -519,7 +535,7 @@
         <a:sym typeface="Arial"/>
       </a:defRPr>
     </a:lvl2pPr>
-    <a:lvl3pPr lvl="2" marR="0" rtl="0" algn="l">
+    <a:lvl3pPr marR="0" lvl="2" algn="l" rtl="0">
       <a:lnSpc>
         <a:spcPct val="100000"/>
       </a:lnSpc>
@@ -533,7 +549,7 @@
         <a:srgbClr val="000000"/>
       </a:buClr>
       <a:buFont typeface="Arial"/>
-      <a:defRPr b="0" i="0" sz="1400" u="none" cap="none" strike="noStrike">
+      <a:defRPr sz="1400" b="0" i="0" u="none" strike="noStrike" cap="none">
         <a:solidFill>
           <a:srgbClr val="000000"/>
         </a:solidFill>
@@ -543,7 +559,7 @@
         <a:sym typeface="Arial"/>
       </a:defRPr>
     </a:lvl3pPr>
-    <a:lvl4pPr lvl="3" marR="0" rtl="0" algn="l">
+    <a:lvl4pPr marR="0" lvl="3" algn="l" rtl="0">
       <a:lnSpc>
         <a:spcPct val="100000"/>
       </a:lnSpc>
@@ -557,7 +573,7 @@
         <a:srgbClr val="000000"/>
       </a:buClr>
       <a:buFont typeface="Arial"/>
-      <a:defRPr b="0" i="0" sz="1400" u="none" cap="none" strike="noStrike">
+      <a:defRPr sz="1400" b="0" i="0" u="none" strike="noStrike" cap="none">
         <a:solidFill>
           <a:srgbClr val="000000"/>
         </a:solidFill>
@@ -567,7 +583,7 @@
         <a:sym typeface="Arial"/>
       </a:defRPr>
     </a:lvl4pPr>
-    <a:lvl5pPr lvl="4" marR="0" rtl="0" algn="l">
+    <a:lvl5pPr marR="0" lvl="4" algn="l" rtl="0">
       <a:lnSpc>
         <a:spcPct val="100000"/>
       </a:lnSpc>
@@ -581,7 +597,7 @@
         <a:srgbClr val="000000"/>
       </a:buClr>
       <a:buFont typeface="Arial"/>
-      <a:defRPr b="0" i="0" sz="1400" u="none" cap="none" strike="noStrike">
+      <a:defRPr sz="1400" b="0" i="0" u="none" strike="noStrike" cap="none">
         <a:solidFill>
           <a:srgbClr val="000000"/>
         </a:solidFill>
@@ -591,7 +607,7 @@
         <a:sym typeface="Arial"/>
       </a:defRPr>
     </a:lvl5pPr>
-    <a:lvl6pPr lvl="5" marR="0" rtl="0" algn="l">
+    <a:lvl6pPr marR="0" lvl="5" algn="l" rtl="0">
       <a:lnSpc>
         <a:spcPct val="100000"/>
       </a:lnSpc>
@@ -605,7 +621,7 @@
         <a:srgbClr val="000000"/>
       </a:buClr>
       <a:buFont typeface="Arial"/>
-      <a:defRPr b="0" i="0" sz="1400" u="none" cap="none" strike="noStrike">
+      <a:defRPr sz="1400" b="0" i="0" u="none" strike="noStrike" cap="none">
         <a:solidFill>
           <a:srgbClr val="000000"/>
         </a:solidFill>
@@ -615,7 +631,7 @@
         <a:sym typeface="Arial"/>
       </a:defRPr>
     </a:lvl6pPr>
-    <a:lvl7pPr lvl="6" marR="0" rtl="0" algn="l">
+    <a:lvl7pPr marR="0" lvl="6" algn="l" rtl="0">
       <a:lnSpc>
         <a:spcPct val="100000"/>
       </a:lnSpc>
@@ -629,7 +645,7 @@
         <a:srgbClr val="000000"/>
       </a:buClr>
       <a:buFont typeface="Arial"/>
-      <a:defRPr b="0" i="0" sz="1400" u="none" cap="none" strike="noStrike">
+      <a:defRPr sz="1400" b="0" i="0" u="none" strike="noStrike" cap="none">
         <a:solidFill>
           <a:srgbClr val="000000"/>
         </a:solidFill>
@@ -639,7 +655,7 @@
         <a:sym typeface="Arial"/>
       </a:defRPr>
     </a:lvl7pPr>
-    <a:lvl8pPr lvl="7" marR="0" rtl="0" algn="l">
+    <a:lvl8pPr marR="0" lvl="7" algn="l" rtl="0">
       <a:lnSpc>
         <a:spcPct val="100000"/>
       </a:lnSpc>
@@ -653,7 +669,7 @@
         <a:srgbClr val="000000"/>
       </a:buClr>
       <a:buFont typeface="Arial"/>
-      <a:defRPr b="0" i="0" sz="1400" u="none" cap="none" strike="noStrike">
+      <a:defRPr sz="1400" b="0" i="0" u="none" strike="noStrike" cap="none">
         <a:solidFill>
           <a:srgbClr val="000000"/>
         </a:solidFill>
@@ -663,7 +679,7 @@
         <a:sym typeface="Arial"/>
       </a:defRPr>
     </a:lvl8pPr>
-    <a:lvl9pPr lvl="8" marR="0" rtl="0" algn="l">
+    <a:lvl9pPr marR="0" lvl="8" algn="l" rtl="0">
       <a:lnSpc>
         <a:spcPct val="100000"/>
       </a:lnSpc>
@@ -677,7 +693,7 @@
         <a:srgbClr val="000000"/>
       </a:buClr>
       <a:buFont typeface="Arial"/>
-      <a:defRPr b="0" i="0" sz="1400" u="none" cap="none" strike="noStrike">
+      <a:defRPr sz="1400" b="0" i="0" u="none" strike="noStrike" cap="none">
         <a:solidFill>
           <a:srgbClr val="000000"/>
         </a:solidFill>
@@ -692,11 +708,11 @@
 </file>
 
 <file path=ppt/notesSlides/notesSlide1.xml><?xml version="1.0" encoding="utf-8"?>
-<p:notes xmlns:a="http://schemas.openxmlformats.org/drawingml/2006/main" xmlns:r="http://schemas.openxmlformats.org/officeDocument/2006/relationships" xmlns:mc="http://schemas.openxmlformats.org/markup-compatibility/2006" xmlns:mv="urn:schemas-microsoft-com:mac:vml" xmlns:p="http://schemas.openxmlformats.org/presentationml/2006/main" xmlns:c="http://schemas.openxmlformats.org/drawingml/2006/chart" xmlns:dgm="http://schemas.openxmlformats.org/drawingml/2006/diagram" xmlns:o="urn:schemas-microsoft-com:office:office" xmlns:v="urn:schemas-microsoft-com:vml" xmlns:pvml="urn:schemas-microsoft-com:office:powerpoint" xmlns:com="http://schemas.openxmlformats.org/drawingml/2006/compatibility" xmlns:p14="http://schemas.microsoft.com/office/powerpoint/2010/main" xmlns:p15="http://schemas.microsoft.com/office/powerpoint/2012/main" xmlns:ahyp="http://schemas.microsoft.com/office/drawing/2018/hyperlinkcolor" showMasterPhAnim="0" showMasterSp="0">
+<p:notes xmlns:a="http://schemas.openxmlformats.org/drawingml/2006/main" xmlns:r="http://schemas.openxmlformats.org/officeDocument/2006/relationships" xmlns:p="http://schemas.openxmlformats.org/presentationml/2006/main" showMasterSp="0" showMasterPhAnim="0">
   <p:cSld>
     <p:spTree>
       <p:nvGrpSpPr>
-        <p:cNvPr id="50" name="Shape 50"/>
+        <p:cNvPr id="1" name="Shape 50"/>
         <p:cNvGrpSpPr/>
         <p:nvPr/>
       </p:nvGrpSpPr>
@@ -711,20 +727,26 @@
       <p:sp>
         <p:nvSpPr>
           <p:cNvPr id="51" name="Google Shape;51;gcb9a0b074_1_0:notes"/>
-          <p:cNvSpPr/>
+          <p:cNvSpPr>
+            <a:spLocks noGrp="1" noRot="1" noChangeAspect="1"/>
+          </p:cNvSpPr>
           <p:nvPr>
-            <p:ph idx="2" type="sldImg"/>
+            <p:ph type="sldImg" idx="2"/>
           </p:nvPr>
         </p:nvSpPr>
         <p:spPr>
           <a:xfrm>
-            <a:off x="381300" y="685800"/>
+            <a:off x="381000" y="685800"/>
             <a:ext cx="6096000" cy="3429000"/>
           </a:xfrm>
           <a:custGeom>
-            <a:rect b="b" l="l" r="r" t="t"/>
+            <a:avLst/>
+            <a:gdLst/>
+            <a:ahLst/>
+            <a:cxnLst/>
+            <a:rect l="l" t="t" r="r" b="b"/>
             <a:pathLst>
-              <a:path extrusionOk="0" h="120000" w="120000">
+              <a:path w="120000" h="120000" extrusionOk="0">
                 <a:moveTo>
                   <a:pt x="0" y="0"/>
                 </a:moveTo>
@@ -746,9 +768,11 @@
       <p:sp>
         <p:nvSpPr>
           <p:cNvPr id="52" name="Google Shape;52;gcb9a0b074_1_0:notes"/>
-          <p:cNvSpPr txBox="1"/>
+          <p:cNvSpPr txBox="1">
+            <a:spLocks noGrp="1"/>
+          </p:cNvSpPr>
           <p:nvPr>
-            <p:ph idx="1" type="body"/>
+            <p:ph type="body" idx="1"/>
           </p:nvPr>
         </p:nvSpPr>
         <p:spPr>
@@ -761,12 +785,12 @@
           </a:prstGeom>
         </p:spPr>
         <p:txBody>
-          <a:bodyPr anchorCtr="0" anchor="t" bIns="91425" lIns="91425" spcFirstLastPara="1" rIns="91425" wrap="square" tIns="91425">
+          <a:bodyPr spcFirstLastPara="1" wrap="square" lIns="91425" tIns="91425" rIns="91425" bIns="91425" anchor="t" anchorCtr="0">
             <a:noAutofit/>
           </a:bodyPr>
           <a:lstStyle/>
           <a:p>
-            <a:pPr indent="0" lvl="0" marL="0" rtl="0" algn="l">
+            <a:pPr marL="0" lvl="0" indent="0" algn="l" rtl="0">
               <a:spcBef>
                 <a:spcPts val="0"/>
               </a:spcBef>
@@ -775,9 +799,6 @@
               </a:spcAft>
               <a:buNone/>
             </a:pPr>
-            <a:r>
-              <a:t/>
-            </a:r>
             <a:endParaRPr/>
           </a:p>
         </p:txBody>
@@ -791,11 +812,11 @@
 </file>
 
 <file path=ppt/notesSlides/notesSlide2.xml><?xml version="1.0" encoding="utf-8"?>
-<p:notes xmlns:a="http://schemas.openxmlformats.org/drawingml/2006/main" xmlns:r="http://schemas.openxmlformats.org/officeDocument/2006/relationships" xmlns:mc="http://schemas.openxmlformats.org/markup-compatibility/2006" xmlns:mv="urn:schemas-microsoft-com:mac:vml" xmlns:p="http://schemas.openxmlformats.org/presentationml/2006/main" xmlns:c="http://schemas.openxmlformats.org/drawingml/2006/chart" xmlns:dgm="http://schemas.openxmlformats.org/drawingml/2006/diagram" xmlns:o="urn:schemas-microsoft-com:office:office" xmlns:v="urn:schemas-microsoft-com:vml" xmlns:pvml="urn:schemas-microsoft-com:office:powerpoint" xmlns:com="http://schemas.openxmlformats.org/drawingml/2006/compatibility" xmlns:p14="http://schemas.microsoft.com/office/powerpoint/2010/main" xmlns:p15="http://schemas.microsoft.com/office/powerpoint/2012/main" xmlns:ahyp="http://schemas.microsoft.com/office/drawing/2018/hyperlinkcolor" showMasterPhAnim="0" showMasterSp="0">
+<p:notes xmlns:a="http://schemas.openxmlformats.org/drawingml/2006/main" xmlns:r="http://schemas.openxmlformats.org/officeDocument/2006/relationships" xmlns:p="http://schemas.openxmlformats.org/presentationml/2006/main" showMasterSp="0" showMasterPhAnim="0">
   <p:cSld>
     <p:spTree>
       <p:nvGrpSpPr>
-        <p:cNvPr id="57" name="Shape 57"/>
+        <p:cNvPr id="1" name="Shape 57"/>
         <p:cNvGrpSpPr/>
         <p:nvPr/>
       </p:nvGrpSpPr>
@@ -810,20 +831,26 @@
       <p:sp>
         <p:nvSpPr>
           <p:cNvPr id="58" name="Google Shape;58;ga84e3bc85f_0_167:notes"/>
-          <p:cNvSpPr/>
+          <p:cNvSpPr>
+            <a:spLocks noGrp="1" noRot="1" noChangeAspect="1"/>
+          </p:cNvSpPr>
           <p:nvPr>
-            <p:ph idx="2" type="sldImg"/>
+            <p:ph type="sldImg" idx="2"/>
           </p:nvPr>
         </p:nvSpPr>
         <p:spPr>
           <a:xfrm>
-            <a:off x="381300" y="685800"/>
+            <a:off x="381000" y="685800"/>
             <a:ext cx="6096000" cy="3429000"/>
           </a:xfrm>
           <a:custGeom>
-            <a:rect b="b" l="l" r="r" t="t"/>
+            <a:avLst/>
+            <a:gdLst/>
+            <a:ahLst/>
+            <a:cxnLst/>
+            <a:rect l="l" t="t" r="r" b="b"/>
             <a:pathLst>
-              <a:path extrusionOk="0" h="120000" w="120000">
+              <a:path w="120000" h="120000" extrusionOk="0">
                 <a:moveTo>
                   <a:pt x="0" y="0"/>
                 </a:moveTo>
@@ -845,9 +872,11 @@
       <p:sp>
         <p:nvSpPr>
           <p:cNvPr id="59" name="Google Shape;59;ga84e3bc85f_0_167:notes"/>
-          <p:cNvSpPr txBox="1"/>
+          <p:cNvSpPr txBox="1">
+            <a:spLocks noGrp="1"/>
+          </p:cNvSpPr>
           <p:nvPr>
-            <p:ph idx="1" type="body"/>
+            <p:ph type="body" idx="1"/>
           </p:nvPr>
         </p:nvSpPr>
         <p:spPr>
@@ -860,12 +889,12 @@
           </a:prstGeom>
         </p:spPr>
         <p:txBody>
-          <a:bodyPr anchorCtr="0" anchor="t" bIns="91425" lIns="91425" spcFirstLastPara="1" rIns="91425" wrap="square" tIns="91425">
+          <a:bodyPr spcFirstLastPara="1" wrap="square" lIns="91425" tIns="91425" rIns="91425" bIns="91425" anchor="t" anchorCtr="0">
             <a:noAutofit/>
           </a:bodyPr>
           <a:lstStyle/>
           <a:p>
-            <a:pPr indent="0" lvl="0" marL="0" rtl="0" algn="l">
+            <a:pPr marL="0" lvl="0" indent="0" algn="l" rtl="0">
               <a:spcBef>
                 <a:spcPts val="0"/>
               </a:spcBef>
@@ -874,9 +903,6 @@
               </a:spcAft>
               <a:buNone/>
             </a:pPr>
-            <a:r>
-              <a:t/>
-            </a:r>
             <a:endParaRPr/>
           </a:p>
         </p:txBody>
@@ -890,11 +916,328 @@
 </file>
 
 <file path=ppt/notesSlides/notesSlide3.xml><?xml version="1.0" encoding="utf-8"?>
-<p:notes xmlns:a="http://schemas.openxmlformats.org/drawingml/2006/main" xmlns:r="http://schemas.openxmlformats.org/officeDocument/2006/relationships" xmlns:mc="http://schemas.openxmlformats.org/markup-compatibility/2006" xmlns:mv="urn:schemas-microsoft-com:mac:vml" xmlns:p="http://schemas.openxmlformats.org/presentationml/2006/main" xmlns:c="http://schemas.openxmlformats.org/drawingml/2006/chart" xmlns:dgm="http://schemas.openxmlformats.org/drawingml/2006/diagram" xmlns:o="urn:schemas-microsoft-com:office:office" xmlns:v="urn:schemas-microsoft-com:vml" xmlns:pvml="urn:schemas-microsoft-com:office:powerpoint" xmlns:com="http://schemas.openxmlformats.org/drawingml/2006/compatibility" xmlns:p14="http://schemas.microsoft.com/office/powerpoint/2010/main" xmlns:p15="http://schemas.microsoft.com/office/powerpoint/2012/main" xmlns:ahyp="http://schemas.microsoft.com/office/drawing/2018/hyperlinkcolor" showMasterPhAnim="0" showMasterSp="0">
+<p:notes xmlns:a="http://schemas.openxmlformats.org/drawingml/2006/main" xmlns:r="http://schemas.openxmlformats.org/officeDocument/2006/relationships" xmlns:p="http://schemas.openxmlformats.org/presentationml/2006/main" showMasterSp="0" showMasterPhAnim="0">
   <p:cSld>
     <p:spTree>
       <p:nvGrpSpPr>
-        <p:cNvPr id="65" name="Shape 65"/>
+        <p:cNvPr id="1" name="Shape 71"/>
+        <p:cNvGrpSpPr/>
+        <p:nvPr/>
+      </p:nvGrpSpPr>
+      <p:grpSpPr>
+        <a:xfrm>
+          <a:off x="0" y="0"/>
+          <a:ext cx="0" cy="0"/>
+          <a:chOff x="0" y="0"/>
+          <a:chExt cx="0" cy="0"/>
+        </a:xfrm>
+      </p:grpSpPr>
+      <p:sp>
+        <p:nvSpPr>
+          <p:cNvPr id="72" name="Google Shape;72;ga84e3bc85f_0_181:notes"/>
+          <p:cNvSpPr>
+            <a:spLocks noGrp="1" noRot="1" noChangeAspect="1"/>
+          </p:cNvSpPr>
+          <p:nvPr>
+            <p:ph type="sldImg" idx="2"/>
+          </p:nvPr>
+        </p:nvSpPr>
+        <p:spPr>
+          <a:xfrm>
+            <a:off x="381000" y="685800"/>
+            <a:ext cx="6096000" cy="3429000"/>
+          </a:xfrm>
+          <a:custGeom>
+            <a:avLst/>
+            <a:gdLst/>
+            <a:ahLst/>
+            <a:cxnLst/>
+            <a:rect l="l" t="t" r="r" b="b"/>
+            <a:pathLst>
+              <a:path w="120000" h="120000" extrusionOk="0">
+                <a:moveTo>
+                  <a:pt x="0" y="0"/>
+                </a:moveTo>
+                <a:lnTo>
+                  <a:pt x="120000" y="0"/>
+                </a:lnTo>
+                <a:lnTo>
+                  <a:pt x="120000" y="120000"/>
+                </a:lnTo>
+                <a:lnTo>
+                  <a:pt x="0" y="120000"/>
+                </a:lnTo>
+                <a:close/>
+              </a:path>
+            </a:pathLst>
+          </a:custGeom>
+        </p:spPr>
+      </p:sp>
+      <p:sp>
+        <p:nvSpPr>
+          <p:cNvPr id="73" name="Google Shape;73;ga84e3bc85f_0_181:notes"/>
+          <p:cNvSpPr txBox="1">
+            <a:spLocks noGrp="1"/>
+          </p:cNvSpPr>
+          <p:nvPr>
+            <p:ph type="body" idx="1"/>
+          </p:nvPr>
+        </p:nvSpPr>
+        <p:spPr>
+          <a:xfrm>
+            <a:off x="685800" y="4343400"/>
+            <a:ext cx="5486400" cy="4114800"/>
+          </a:xfrm>
+          <a:prstGeom prst="rect">
+            <a:avLst/>
+          </a:prstGeom>
+        </p:spPr>
+        <p:txBody>
+          <a:bodyPr spcFirstLastPara="1" wrap="square" lIns="91425" tIns="91425" rIns="91425" bIns="91425" anchor="t" anchorCtr="0">
+            <a:noAutofit/>
+          </a:bodyPr>
+          <a:lstStyle/>
+          <a:p>
+            <a:pPr marL="0" lvl="0" indent="0" algn="l" rtl="0">
+              <a:spcBef>
+                <a:spcPts val="0"/>
+              </a:spcBef>
+              <a:spcAft>
+                <a:spcPts val="0"/>
+              </a:spcAft>
+              <a:buNone/>
+            </a:pPr>
+            <a:endParaRPr/>
+          </a:p>
+        </p:txBody>
+      </p:sp>
+    </p:spTree>
+  </p:cSld>
+  <p:clrMapOvr>
+    <a:masterClrMapping/>
+  </p:clrMapOvr>
+</p:notes>
+</file>
+
+<file path=ppt/notesSlides/notesSlide4.xml><?xml version="1.0" encoding="utf-8"?>
+<p:notes xmlns:a="http://schemas.openxmlformats.org/drawingml/2006/main" xmlns:r="http://schemas.openxmlformats.org/officeDocument/2006/relationships" xmlns:p="http://schemas.openxmlformats.org/presentationml/2006/main" showMasterSp="0" showMasterPhAnim="0">
+  <p:cSld>
+    <p:spTree>
+      <p:nvGrpSpPr>
+        <p:cNvPr id="1" name="Shape 71"/>
+        <p:cNvGrpSpPr/>
+        <p:nvPr/>
+      </p:nvGrpSpPr>
+      <p:grpSpPr>
+        <a:xfrm>
+          <a:off x="0" y="0"/>
+          <a:ext cx="0" cy="0"/>
+          <a:chOff x="0" y="0"/>
+          <a:chExt cx="0" cy="0"/>
+        </a:xfrm>
+      </p:grpSpPr>
+      <p:sp>
+        <p:nvSpPr>
+          <p:cNvPr id="72" name="Google Shape;72;ga84e3bc85f_0_181:notes"/>
+          <p:cNvSpPr>
+            <a:spLocks noGrp="1" noRot="1" noChangeAspect="1"/>
+          </p:cNvSpPr>
+          <p:nvPr>
+            <p:ph type="sldImg" idx="2"/>
+          </p:nvPr>
+        </p:nvSpPr>
+        <p:spPr>
+          <a:xfrm>
+            <a:off x="381000" y="685800"/>
+            <a:ext cx="6096000" cy="3429000"/>
+          </a:xfrm>
+          <a:custGeom>
+            <a:avLst/>
+            <a:gdLst/>
+            <a:ahLst/>
+            <a:cxnLst/>
+            <a:rect l="l" t="t" r="r" b="b"/>
+            <a:pathLst>
+              <a:path w="120000" h="120000" extrusionOk="0">
+                <a:moveTo>
+                  <a:pt x="0" y="0"/>
+                </a:moveTo>
+                <a:lnTo>
+                  <a:pt x="120000" y="0"/>
+                </a:lnTo>
+                <a:lnTo>
+                  <a:pt x="120000" y="120000"/>
+                </a:lnTo>
+                <a:lnTo>
+                  <a:pt x="0" y="120000"/>
+                </a:lnTo>
+                <a:close/>
+              </a:path>
+            </a:pathLst>
+          </a:custGeom>
+        </p:spPr>
+      </p:sp>
+      <p:sp>
+        <p:nvSpPr>
+          <p:cNvPr id="73" name="Google Shape;73;ga84e3bc85f_0_181:notes"/>
+          <p:cNvSpPr txBox="1">
+            <a:spLocks noGrp="1"/>
+          </p:cNvSpPr>
+          <p:nvPr>
+            <p:ph type="body" idx="1"/>
+          </p:nvPr>
+        </p:nvSpPr>
+        <p:spPr>
+          <a:xfrm>
+            <a:off x="685800" y="4343400"/>
+            <a:ext cx="5486400" cy="4114800"/>
+          </a:xfrm>
+          <a:prstGeom prst="rect">
+            <a:avLst/>
+          </a:prstGeom>
+        </p:spPr>
+        <p:txBody>
+          <a:bodyPr spcFirstLastPara="1" wrap="square" lIns="91425" tIns="91425" rIns="91425" bIns="91425" anchor="t" anchorCtr="0">
+            <a:noAutofit/>
+          </a:bodyPr>
+          <a:lstStyle/>
+          <a:p>
+            <a:pPr marL="0" lvl="0" indent="0" algn="l" rtl="0">
+              <a:spcBef>
+                <a:spcPts val="0"/>
+              </a:spcBef>
+              <a:spcAft>
+                <a:spcPts val="0"/>
+              </a:spcAft>
+              <a:buNone/>
+            </a:pPr>
+            <a:endParaRPr/>
+          </a:p>
+        </p:txBody>
+      </p:sp>
+    </p:spTree>
+    <p:extLst>
+      <p:ext uri="{BB962C8B-B14F-4D97-AF65-F5344CB8AC3E}">
+        <p14:creationId xmlns:p14="http://schemas.microsoft.com/office/powerpoint/2010/main" val="1086304675"/>
+      </p:ext>
+    </p:extLst>
+  </p:cSld>
+  <p:clrMapOvr>
+    <a:masterClrMapping/>
+  </p:clrMapOvr>
+</p:notes>
+</file>
+
+<file path=ppt/notesSlides/notesSlide5.xml><?xml version="1.0" encoding="utf-8"?>
+<p:notes xmlns:a="http://schemas.openxmlformats.org/drawingml/2006/main" xmlns:r="http://schemas.openxmlformats.org/officeDocument/2006/relationships" xmlns:p="http://schemas.openxmlformats.org/presentationml/2006/main" showMasterSp="0" showMasterPhAnim="0">
+  <p:cSld>
+    <p:spTree>
+      <p:nvGrpSpPr>
+        <p:cNvPr id="1" name="Shape 77"/>
+        <p:cNvGrpSpPr/>
+        <p:nvPr/>
+      </p:nvGrpSpPr>
+      <p:grpSpPr>
+        <a:xfrm>
+          <a:off x="0" y="0"/>
+          <a:ext cx="0" cy="0"/>
+          <a:chOff x="0" y="0"/>
+          <a:chExt cx="0" cy="0"/>
+        </a:xfrm>
+      </p:grpSpPr>
+      <p:sp>
+        <p:nvSpPr>
+          <p:cNvPr id="78" name="Google Shape;78;ga84e3bc85f_0_193:notes"/>
+          <p:cNvSpPr>
+            <a:spLocks noGrp="1" noRot="1" noChangeAspect="1"/>
+          </p:cNvSpPr>
+          <p:nvPr>
+            <p:ph type="sldImg" idx="2"/>
+          </p:nvPr>
+        </p:nvSpPr>
+        <p:spPr>
+          <a:xfrm>
+            <a:off x="381000" y="685800"/>
+            <a:ext cx="6096000" cy="3429000"/>
+          </a:xfrm>
+          <a:custGeom>
+            <a:avLst/>
+            <a:gdLst/>
+            <a:ahLst/>
+            <a:cxnLst/>
+            <a:rect l="l" t="t" r="r" b="b"/>
+            <a:pathLst>
+              <a:path w="120000" h="120000" extrusionOk="0">
+                <a:moveTo>
+                  <a:pt x="0" y="0"/>
+                </a:moveTo>
+                <a:lnTo>
+                  <a:pt x="120000" y="0"/>
+                </a:lnTo>
+                <a:lnTo>
+                  <a:pt x="120000" y="120000"/>
+                </a:lnTo>
+                <a:lnTo>
+                  <a:pt x="0" y="120000"/>
+                </a:lnTo>
+                <a:close/>
+              </a:path>
+            </a:pathLst>
+          </a:custGeom>
+        </p:spPr>
+      </p:sp>
+      <p:sp>
+        <p:nvSpPr>
+          <p:cNvPr id="79" name="Google Shape;79;ga84e3bc85f_0_193:notes"/>
+          <p:cNvSpPr txBox="1">
+            <a:spLocks noGrp="1"/>
+          </p:cNvSpPr>
+          <p:nvPr>
+            <p:ph type="body" idx="1"/>
+          </p:nvPr>
+        </p:nvSpPr>
+        <p:spPr>
+          <a:xfrm>
+            <a:off x="685800" y="4343400"/>
+            <a:ext cx="5486400" cy="4114800"/>
+          </a:xfrm>
+          <a:prstGeom prst="rect">
+            <a:avLst/>
+          </a:prstGeom>
+        </p:spPr>
+        <p:txBody>
+          <a:bodyPr spcFirstLastPara="1" wrap="square" lIns="91425" tIns="91425" rIns="91425" bIns="91425" anchor="t" anchorCtr="0">
+            <a:noAutofit/>
+          </a:bodyPr>
+          <a:lstStyle/>
+          <a:p>
+            <a:pPr marL="0" lvl="0" indent="0" algn="l" rtl="0">
+              <a:spcBef>
+                <a:spcPts val="0"/>
+              </a:spcBef>
+              <a:spcAft>
+                <a:spcPts val="0"/>
+              </a:spcAft>
+              <a:buNone/>
+            </a:pPr>
+            <a:endParaRPr/>
+          </a:p>
+        </p:txBody>
+      </p:sp>
+    </p:spTree>
+  </p:cSld>
+  <p:clrMapOvr>
+    <a:masterClrMapping/>
+  </p:clrMapOvr>
+</p:notes>
+</file>
+
+<file path=ppt/notesSlides/notesSlide6.xml><?xml version="1.0" encoding="utf-8"?>
+<p:notes xmlns:a="http://schemas.openxmlformats.org/drawingml/2006/main" xmlns:r="http://schemas.openxmlformats.org/officeDocument/2006/relationships" xmlns:p="http://schemas.openxmlformats.org/presentationml/2006/main" showMasterSp="0" showMasterPhAnim="0">
+  <p:cSld>
+    <p:spTree>
+      <p:nvGrpSpPr>
+        <p:cNvPr id="1" name="Shape 65"/>
         <p:cNvGrpSpPr/>
         <p:nvPr/>
       </p:nvGrpSpPr>
@@ -909,20 +1252,26 @@
       <p:sp>
         <p:nvSpPr>
           <p:cNvPr id="66" name="Google Shape;66;ga84e3bc85f_0_175:notes"/>
-          <p:cNvSpPr/>
+          <p:cNvSpPr>
+            <a:spLocks noGrp="1" noRot="1" noChangeAspect="1"/>
+          </p:cNvSpPr>
           <p:nvPr>
-            <p:ph idx="2" type="sldImg"/>
+            <p:ph type="sldImg" idx="2"/>
           </p:nvPr>
         </p:nvSpPr>
         <p:spPr>
           <a:xfrm>
-            <a:off x="381300" y="685800"/>
+            <a:off x="381000" y="685800"/>
             <a:ext cx="6096000" cy="3429000"/>
           </a:xfrm>
           <a:custGeom>
-            <a:rect b="b" l="l" r="r" t="t"/>
+            <a:avLst/>
+            <a:gdLst/>
+            <a:ahLst/>
+            <a:cxnLst/>
+            <a:rect l="l" t="t" r="r" b="b"/>
             <a:pathLst>
-              <a:path extrusionOk="0" h="120000" w="120000">
+              <a:path w="120000" h="120000" extrusionOk="0">
                 <a:moveTo>
                   <a:pt x="0" y="0"/>
                 </a:moveTo>
@@ -944,9 +1293,11 @@
       <p:sp>
         <p:nvSpPr>
           <p:cNvPr id="67" name="Google Shape;67;ga84e3bc85f_0_175:notes"/>
-          <p:cNvSpPr txBox="1"/>
+          <p:cNvSpPr txBox="1">
+            <a:spLocks noGrp="1"/>
+          </p:cNvSpPr>
           <p:nvPr>
-            <p:ph idx="1" type="body"/>
+            <p:ph type="body" idx="1"/>
           </p:nvPr>
         </p:nvSpPr>
         <p:spPr>
@@ -959,12 +1310,12 @@
           </a:prstGeom>
         </p:spPr>
         <p:txBody>
-          <a:bodyPr anchorCtr="0" anchor="t" bIns="91425" lIns="91425" spcFirstLastPara="1" rIns="91425" wrap="square" tIns="91425">
+          <a:bodyPr spcFirstLastPara="1" wrap="square" lIns="91425" tIns="91425" rIns="91425" bIns="91425" anchor="t" anchorCtr="0">
             <a:noAutofit/>
           </a:bodyPr>
           <a:lstStyle/>
           <a:p>
-            <a:pPr indent="0" lvl="0" marL="0" rtl="0" algn="l">
+            <a:pPr marL="0" lvl="0" indent="0" algn="l" rtl="0">
               <a:spcBef>
                 <a:spcPts val="0"/>
               </a:spcBef>
@@ -973,9 +1324,6 @@
               </a:spcAft>
               <a:buNone/>
             </a:pPr>
-            <a:r>
-              <a:t/>
-            </a:r>
             <a:endParaRPr/>
           </a:p>
         </p:txBody>
@@ -988,210 +1336,12 @@
 </p:notes>
 </file>
 
-<file path=ppt/notesSlides/notesSlide4.xml><?xml version="1.0" encoding="utf-8"?>
-<p:notes xmlns:a="http://schemas.openxmlformats.org/drawingml/2006/main" xmlns:r="http://schemas.openxmlformats.org/officeDocument/2006/relationships" xmlns:mc="http://schemas.openxmlformats.org/markup-compatibility/2006" xmlns:mv="urn:schemas-microsoft-com:mac:vml" xmlns:p="http://schemas.openxmlformats.org/presentationml/2006/main" xmlns:c="http://schemas.openxmlformats.org/drawingml/2006/chart" xmlns:dgm="http://schemas.openxmlformats.org/drawingml/2006/diagram" xmlns:o="urn:schemas-microsoft-com:office:office" xmlns:v="urn:schemas-microsoft-com:vml" xmlns:pvml="urn:schemas-microsoft-com:office:powerpoint" xmlns:com="http://schemas.openxmlformats.org/drawingml/2006/compatibility" xmlns:p14="http://schemas.microsoft.com/office/powerpoint/2010/main" xmlns:p15="http://schemas.microsoft.com/office/powerpoint/2012/main" xmlns:ahyp="http://schemas.microsoft.com/office/drawing/2018/hyperlinkcolor" showMasterPhAnim="0" showMasterSp="0">
+<file path=ppt/notesSlides/notesSlide7.xml><?xml version="1.0" encoding="utf-8"?>
+<p:notes xmlns:a="http://schemas.openxmlformats.org/drawingml/2006/main" xmlns:r="http://schemas.openxmlformats.org/officeDocument/2006/relationships" xmlns:p="http://schemas.openxmlformats.org/presentationml/2006/main" showMasterSp="0" showMasterPhAnim="0">
   <p:cSld>
     <p:spTree>
       <p:nvGrpSpPr>
-        <p:cNvPr id="71" name="Shape 71"/>
-        <p:cNvGrpSpPr/>
-        <p:nvPr/>
-      </p:nvGrpSpPr>
-      <p:grpSpPr>
-        <a:xfrm>
-          <a:off x="0" y="0"/>
-          <a:ext cx="0" cy="0"/>
-          <a:chOff x="0" y="0"/>
-          <a:chExt cx="0" cy="0"/>
-        </a:xfrm>
-      </p:grpSpPr>
-      <p:sp>
-        <p:nvSpPr>
-          <p:cNvPr id="72" name="Google Shape;72;ga84e3bc85f_0_181:notes"/>
-          <p:cNvSpPr/>
-          <p:nvPr>
-            <p:ph idx="2" type="sldImg"/>
-          </p:nvPr>
-        </p:nvSpPr>
-        <p:spPr>
-          <a:xfrm>
-            <a:off x="381300" y="685800"/>
-            <a:ext cx="6096000" cy="3429000"/>
-          </a:xfrm>
-          <a:custGeom>
-            <a:rect b="b" l="l" r="r" t="t"/>
-            <a:pathLst>
-              <a:path extrusionOk="0" h="120000" w="120000">
-                <a:moveTo>
-                  <a:pt x="0" y="0"/>
-                </a:moveTo>
-                <a:lnTo>
-                  <a:pt x="120000" y="0"/>
-                </a:lnTo>
-                <a:lnTo>
-                  <a:pt x="120000" y="120000"/>
-                </a:lnTo>
-                <a:lnTo>
-                  <a:pt x="0" y="120000"/>
-                </a:lnTo>
-                <a:close/>
-              </a:path>
-            </a:pathLst>
-          </a:custGeom>
-        </p:spPr>
-      </p:sp>
-      <p:sp>
-        <p:nvSpPr>
-          <p:cNvPr id="73" name="Google Shape;73;ga84e3bc85f_0_181:notes"/>
-          <p:cNvSpPr txBox="1"/>
-          <p:nvPr>
-            <p:ph idx="1" type="body"/>
-          </p:nvPr>
-        </p:nvSpPr>
-        <p:spPr>
-          <a:xfrm>
-            <a:off x="685800" y="4343400"/>
-            <a:ext cx="5486400" cy="4114800"/>
-          </a:xfrm>
-          <a:prstGeom prst="rect">
-            <a:avLst/>
-          </a:prstGeom>
-        </p:spPr>
-        <p:txBody>
-          <a:bodyPr anchorCtr="0" anchor="t" bIns="91425" lIns="91425" spcFirstLastPara="1" rIns="91425" wrap="square" tIns="91425">
-            <a:noAutofit/>
-          </a:bodyPr>
-          <a:lstStyle/>
-          <a:p>
-            <a:pPr indent="0" lvl="0" marL="0" rtl="0" algn="l">
-              <a:spcBef>
-                <a:spcPts val="0"/>
-              </a:spcBef>
-              <a:spcAft>
-                <a:spcPts val="0"/>
-              </a:spcAft>
-              <a:buNone/>
-            </a:pPr>
-            <a:r>
-              <a:t/>
-            </a:r>
-            <a:endParaRPr/>
-          </a:p>
-        </p:txBody>
-      </p:sp>
-    </p:spTree>
-  </p:cSld>
-  <p:clrMapOvr>
-    <a:masterClrMapping/>
-  </p:clrMapOvr>
-</p:notes>
-</file>
-
-<file path=ppt/notesSlides/notesSlide5.xml><?xml version="1.0" encoding="utf-8"?>
-<p:notes xmlns:a="http://schemas.openxmlformats.org/drawingml/2006/main" xmlns:r="http://schemas.openxmlformats.org/officeDocument/2006/relationships" xmlns:mc="http://schemas.openxmlformats.org/markup-compatibility/2006" xmlns:mv="urn:schemas-microsoft-com:mac:vml" xmlns:p="http://schemas.openxmlformats.org/presentationml/2006/main" xmlns:c="http://schemas.openxmlformats.org/drawingml/2006/chart" xmlns:dgm="http://schemas.openxmlformats.org/drawingml/2006/diagram" xmlns:o="urn:schemas-microsoft-com:office:office" xmlns:v="urn:schemas-microsoft-com:vml" xmlns:pvml="urn:schemas-microsoft-com:office:powerpoint" xmlns:com="http://schemas.openxmlformats.org/drawingml/2006/compatibility" xmlns:p14="http://schemas.microsoft.com/office/powerpoint/2010/main" xmlns:p15="http://schemas.microsoft.com/office/powerpoint/2012/main" xmlns:ahyp="http://schemas.microsoft.com/office/drawing/2018/hyperlinkcolor" showMasterPhAnim="0" showMasterSp="0">
-  <p:cSld>
-    <p:spTree>
-      <p:nvGrpSpPr>
-        <p:cNvPr id="77" name="Shape 77"/>
-        <p:cNvGrpSpPr/>
-        <p:nvPr/>
-      </p:nvGrpSpPr>
-      <p:grpSpPr>
-        <a:xfrm>
-          <a:off x="0" y="0"/>
-          <a:ext cx="0" cy="0"/>
-          <a:chOff x="0" y="0"/>
-          <a:chExt cx="0" cy="0"/>
-        </a:xfrm>
-      </p:grpSpPr>
-      <p:sp>
-        <p:nvSpPr>
-          <p:cNvPr id="78" name="Google Shape;78;ga84e3bc85f_0_193:notes"/>
-          <p:cNvSpPr/>
-          <p:nvPr>
-            <p:ph idx="2" type="sldImg"/>
-          </p:nvPr>
-        </p:nvSpPr>
-        <p:spPr>
-          <a:xfrm>
-            <a:off x="381300" y="685800"/>
-            <a:ext cx="6096000" cy="3429000"/>
-          </a:xfrm>
-          <a:custGeom>
-            <a:rect b="b" l="l" r="r" t="t"/>
-            <a:pathLst>
-              <a:path extrusionOk="0" h="120000" w="120000">
-                <a:moveTo>
-                  <a:pt x="0" y="0"/>
-                </a:moveTo>
-                <a:lnTo>
-                  <a:pt x="120000" y="0"/>
-                </a:lnTo>
-                <a:lnTo>
-                  <a:pt x="120000" y="120000"/>
-                </a:lnTo>
-                <a:lnTo>
-                  <a:pt x="0" y="120000"/>
-                </a:lnTo>
-                <a:close/>
-              </a:path>
-            </a:pathLst>
-          </a:custGeom>
-        </p:spPr>
-      </p:sp>
-      <p:sp>
-        <p:nvSpPr>
-          <p:cNvPr id="79" name="Google Shape;79;ga84e3bc85f_0_193:notes"/>
-          <p:cNvSpPr txBox="1"/>
-          <p:nvPr>
-            <p:ph idx="1" type="body"/>
-          </p:nvPr>
-        </p:nvSpPr>
-        <p:spPr>
-          <a:xfrm>
-            <a:off x="685800" y="4343400"/>
-            <a:ext cx="5486400" cy="4114800"/>
-          </a:xfrm>
-          <a:prstGeom prst="rect">
-            <a:avLst/>
-          </a:prstGeom>
-        </p:spPr>
-        <p:txBody>
-          <a:bodyPr anchorCtr="0" anchor="t" bIns="91425" lIns="91425" spcFirstLastPara="1" rIns="91425" wrap="square" tIns="91425">
-            <a:noAutofit/>
-          </a:bodyPr>
-          <a:lstStyle/>
-          <a:p>
-            <a:pPr indent="0" lvl="0" marL="0" rtl="0" algn="l">
-              <a:spcBef>
-                <a:spcPts val="0"/>
-              </a:spcBef>
-              <a:spcAft>
-                <a:spcPts val="0"/>
-              </a:spcAft>
-              <a:buNone/>
-            </a:pPr>
-            <a:r>
-              <a:t/>
-            </a:r>
-            <a:endParaRPr/>
-          </a:p>
-        </p:txBody>
-      </p:sp>
-    </p:spTree>
-  </p:cSld>
-  <p:clrMapOvr>
-    <a:masterClrMapping/>
-  </p:clrMapOvr>
-</p:notes>
-</file>
-
-<file path=ppt/notesSlides/notesSlide6.xml><?xml version="1.0" encoding="utf-8"?>
-<p:notes xmlns:a="http://schemas.openxmlformats.org/drawingml/2006/main" xmlns:r="http://schemas.openxmlformats.org/officeDocument/2006/relationships" xmlns:mc="http://schemas.openxmlformats.org/markup-compatibility/2006" xmlns:mv="urn:schemas-microsoft-com:mac:vml" xmlns:p="http://schemas.openxmlformats.org/presentationml/2006/main" xmlns:c="http://schemas.openxmlformats.org/drawingml/2006/chart" xmlns:dgm="http://schemas.openxmlformats.org/drawingml/2006/diagram" xmlns:o="urn:schemas-microsoft-com:office:office" xmlns:v="urn:schemas-microsoft-com:vml" xmlns:pvml="urn:schemas-microsoft-com:office:powerpoint" xmlns:com="http://schemas.openxmlformats.org/drawingml/2006/compatibility" xmlns:p14="http://schemas.microsoft.com/office/powerpoint/2010/main" xmlns:p15="http://schemas.microsoft.com/office/powerpoint/2012/main" xmlns:ahyp="http://schemas.microsoft.com/office/drawing/2018/hyperlinkcolor" showMasterPhAnim="0" showMasterSp="0">
-  <p:cSld>
-    <p:spTree>
-      <p:nvGrpSpPr>
-        <p:cNvPr id="83" name="Shape 83"/>
+        <p:cNvPr id="1" name="Shape 83"/>
         <p:cNvGrpSpPr/>
         <p:nvPr/>
       </p:nvGrpSpPr>
@@ -1206,20 +1356,26 @@
       <p:sp>
         <p:nvSpPr>
           <p:cNvPr id="84" name="Google Shape;84;ga84e3bc85f_0_187:notes"/>
-          <p:cNvSpPr/>
+          <p:cNvSpPr>
+            <a:spLocks noGrp="1" noRot="1" noChangeAspect="1"/>
+          </p:cNvSpPr>
           <p:nvPr>
-            <p:ph idx="2" type="sldImg"/>
+            <p:ph type="sldImg" idx="2"/>
           </p:nvPr>
         </p:nvSpPr>
         <p:spPr>
           <a:xfrm>
-            <a:off x="381300" y="685800"/>
+            <a:off x="381000" y="685800"/>
             <a:ext cx="6096000" cy="3429000"/>
           </a:xfrm>
           <a:custGeom>
-            <a:rect b="b" l="l" r="r" t="t"/>
+            <a:avLst/>
+            <a:gdLst/>
+            <a:ahLst/>
+            <a:cxnLst/>
+            <a:rect l="l" t="t" r="r" b="b"/>
             <a:pathLst>
-              <a:path extrusionOk="0" h="120000" w="120000">
+              <a:path w="120000" h="120000" extrusionOk="0">
                 <a:moveTo>
                   <a:pt x="0" y="0"/>
                 </a:moveTo>
@@ -1241,9 +1397,11 @@
       <p:sp>
         <p:nvSpPr>
           <p:cNvPr id="85" name="Google Shape;85;ga84e3bc85f_0_187:notes"/>
-          <p:cNvSpPr txBox="1"/>
+          <p:cNvSpPr txBox="1">
+            <a:spLocks noGrp="1"/>
+          </p:cNvSpPr>
           <p:nvPr>
-            <p:ph idx="1" type="body"/>
+            <p:ph type="body" idx="1"/>
           </p:nvPr>
         </p:nvSpPr>
         <p:spPr>
@@ -1256,12 +1414,12 @@
           </a:prstGeom>
         </p:spPr>
         <p:txBody>
-          <a:bodyPr anchorCtr="0" anchor="t" bIns="91425" lIns="91425" spcFirstLastPara="1" rIns="91425" wrap="square" tIns="91425">
+          <a:bodyPr spcFirstLastPara="1" wrap="square" lIns="91425" tIns="91425" rIns="91425" bIns="91425" anchor="t" anchorCtr="0">
             <a:noAutofit/>
           </a:bodyPr>
           <a:lstStyle/>
           <a:p>
-            <a:pPr indent="0" lvl="0" marL="0" rtl="0" algn="l">
+            <a:pPr marL="0" lvl="0" indent="0" algn="l" rtl="0">
               <a:spcBef>
                 <a:spcPts val="0"/>
               </a:spcBef>
@@ -1270,9 +1428,6 @@
               </a:spcAft>
               <a:buNone/>
             </a:pPr>
-            <a:r>
-              <a:t/>
-            </a:r>
             <a:endParaRPr/>
           </a:p>
         </p:txBody>
@@ -1286,11 +1441,11 @@
 </file>
 
 <file path=ppt/slideLayouts/slideLayout1.xml><?xml version="1.0" encoding="utf-8"?>
-<p:sldLayout xmlns:a="http://schemas.openxmlformats.org/drawingml/2006/main" xmlns:r="http://schemas.openxmlformats.org/officeDocument/2006/relationships" xmlns:mc="http://schemas.openxmlformats.org/markup-compatibility/2006" xmlns:mv="urn:schemas-microsoft-com:mac:vml" xmlns:p="http://schemas.openxmlformats.org/presentationml/2006/main" xmlns:c="http://schemas.openxmlformats.org/drawingml/2006/chart" xmlns:dgm="http://schemas.openxmlformats.org/drawingml/2006/diagram" xmlns:o="urn:schemas-microsoft-com:office:office" xmlns:v="urn:schemas-microsoft-com:vml" xmlns:pvml="urn:schemas-microsoft-com:office:powerpoint" xmlns:com="http://schemas.openxmlformats.org/drawingml/2006/compatibility" xmlns:p14="http://schemas.microsoft.com/office/powerpoint/2010/main" xmlns:p15="http://schemas.microsoft.com/office/powerpoint/2012/main" xmlns:ahyp="http://schemas.microsoft.com/office/drawing/2018/hyperlinkcolor" matchingName="Title slide" type="title">
+<p:sldLayout xmlns:a="http://schemas.openxmlformats.org/drawingml/2006/main" xmlns:r="http://schemas.openxmlformats.org/officeDocument/2006/relationships" xmlns:p="http://schemas.openxmlformats.org/presentationml/2006/main" matchingName="Title slide" type="title">
   <p:cSld name="TITLE">
     <p:spTree>
       <p:nvGrpSpPr>
-        <p:cNvPr id="9" name="Shape 9"/>
+        <p:cNvPr id="1" name="Shape 9"/>
         <p:cNvGrpSpPr/>
         <p:nvPr/>
       </p:nvGrpSpPr>
@@ -1305,7 +1460,9 @@
       <p:sp>
         <p:nvSpPr>
           <p:cNvPr id="10" name="Google Shape;10;p2"/>
-          <p:cNvSpPr txBox="1"/>
+          <p:cNvSpPr txBox="1">
+            <a:spLocks noGrp="1"/>
+          </p:cNvSpPr>
           <p:nvPr>
             <p:ph type="ctrTitle"/>
           </p:nvPr>
@@ -1320,7 +1477,7 @@
           </a:prstGeom>
         </p:spPr>
         <p:txBody>
-          <a:bodyPr anchorCtr="0" anchor="b" bIns="91425" lIns="91425" spcFirstLastPara="1" rIns="91425" wrap="square" tIns="91425">
+          <a:bodyPr spcFirstLastPara="1" wrap="square" lIns="91425" tIns="91425" rIns="91425" bIns="91425" anchor="b" anchorCtr="0">
             <a:noAutofit/>
           </a:bodyPr>
           <a:lstStyle>
@@ -1424,15 +1581,19 @@
               <a:defRPr sz="5200"/>
             </a:lvl9pPr>
           </a:lstStyle>
-          <a:p/>
+          <a:p>
+            <a:endParaRPr/>
+          </a:p>
         </p:txBody>
       </p:sp>
       <p:sp>
         <p:nvSpPr>
           <p:cNvPr id="11" name="Google Shape;11;p2"/>
-          <p:cNvSpPr txBox="1"/>
+          <p:cNvSpPr txBox="1">
+            <a:spLocks noGrp="1"/>
+          </p:cNvSpPr>
           <p:nvPr>
-            <p:ph idx="1" type="subTitle"/>
+            <p:ph type="subTitle" idx="1"/>
           </p:nvPr>
         </p:nvSpPr>
         <p:spPr>
@@ -1445,7 +1606,7 @@
           </a:prstGeom>
         </p:spPr>
         <p:txBody>
-          <a:bodyPr anchorCtr="0" anchor="t" bIns="91425" lIns="91425" spcFirstLastPara="1" rIns="91425" wrap="square" tIns="91425">
+          <a:bodyPr spcFirstLastPara="1" wrap="square" lIns="91425" tIns="91425" rIns="91425" bIns="91425" anchor="t" anchorCtr="0">
             <a:noAutofit/>
           </a:bodyPr>
           <a:lstStyle>
@@ -1576,15 +1737,19 @@
               <a:defRPr sz="2800"/>
             </a:lvl9pPr>
           </a:lstStyle>
-          <a:p/>
+          <a:p>
+            <a:endParaRPr/>
+          </a:p>
         </p:txBody>
       </p:sp>
       <p:sp>
         <p:nvSpPr>
           <p:cNvPr id="12" name="Google Shape;12;p2"/>
-          <p:cNvSpPr txBox="1"/>
+          <p:cNvSpPr txBox="1">
+            <a:spLocks noGrp="1"/>
+          </p:cNvSpPr>
           <p:nvPr>
-            <p:ph idx="12" type="sldNum"/>
+            <p:ph type="sldNum" idx="12"/>
           </p:nvPr>
         </p:nvSpPr>
         <p:spPr>
@@ -1597,7 +1762,7 @@
           </a:prstGeom>
         </p:spPr>
         <p:txBody>
-          <a:bodyPr anchorCtr="0" anchor="ctr" bIns="91425" lIns="91425" spcFirstLastPara="1" rIns="91425" wrap="square" tIns="91425">
+          <a:bodyPr spcFirstLastPara="1" wrap="square" lIns="91425" tIns="91425" rIns="91425" bIns="91425" anchor="ctr" anchorCtr="0">
             <a:noAutofit/>
           </a:bodyPr>
           <a:lstStyle>
@@ -1639,7 +1804,7 @@
             </a:lvl9pPr>
           </a:lstStyle>
           <a:p>
-            <a:pPr indent="0" lvl="0" marL="0" rtl="0" algn="r">
+            <a:pPr marL="0" lvl="0" indent="0" algn="r" rtl="0">
               <a:spcBef>
                 <a:spcPts val="0"/>
               </a:spcBef>
@@ -1665,367 +1830,11 @@
 </file>
 
 <file path=ppt/slideLayouts/slideLayout10.xml><?xml version="1.0" encoding="utf-8"?>
-<p:sldLayout xmlns:a="http://schemas.openxmlformats.org/drawingml/2006/main" xmlns:r="http://schemas.openxmlformats.org/officeDocument/2006/relationships" xmlns:mc="http://schemas.openxmlformats.org/markup-compatibility/2006" xmlns:mv="urn:schemas-microsoft-com:mac:vml" xmlns:p="http://schemas.openxmlformats.org/presentationml/2006/main" xmlns:c="http://schemas.openxmlformats.org/drawingml/2006/chart" xmlns:dgm="http://schemas.openxmlformats.org/drawingml/2006/diagram" xmlns:o="urn:schemas-microsoft-com:office:office" xmlns:v="urn:schemas-microsoft-com:vml" xmlns:pvml="urn:schemas-microsoft-com:office:powerpoint" xmlns:com="http://schemas.openxmlformats.org/drawingml/2006/compatibility" xmlns:p14="http://schemas.microsoft.com/office/powerpoint/2010/main" xmlns:p15="http://schemas.microsoft.com/office/powerpoint/2012/main" xmlns:ahyp="http://schemas.microsoft.com/office/drawing/2018/hyperlinkcolor" matchingName="Big number">
-  <p:cSld name="BIG_NUMBER">
-    <p:spTree>
-      <p:nvGrpSpPr>
-        <p:cNvPr id="44" name="Shape 44"/>
-        <p:cNvGrpSpPr/>
-        <p:nvPr/>
-      </p:nvGrpSpPr>
-      <p:grpSpPr>
-        <a:xfrm>
-          <a:off x="0" y="0"/>
-          <a:ext cx="0" cy="0"/>
-          <a:chOff x="0" y="0"/>
-          <a:chExt cx="0" cy="0"/>
-        </a:xfrm>
-      </p:grpSpPr>
-      <p:sp>
-        <p:nvSpPr>
-          <p:cNvPr id="45" name="Google Shape;45;p11"/>
-          <p:cNvSpPr txBox="1"/>
-          <p:nvPr>
-            <p:ph hasCustomPrompt="1" type="title"/>
-          </p:nvPr>
-        </p:nvSpPr>
-        <p:spPr>
-          <a:xfrm>
-            <a:off x="311700" y="1106125"/>
-            <a:ext cx="8520600" cy="1963500"/>
-          </a:xfrm>
-          <a:prstGeom prst="rect">
-            <a:avLst/>
-          </a:prstGeom>
-        </p:spPr>
-        <p:txBody>
-          <a:bodyPr anchorCtr="0" anchor="b" bIns="91425" lIns="91425" spcFirstLastPara="1" rIns="91425" wrap="square" tIns="91425">
-            <a:noAutofit/>
-          </a:bodyPr>
-          <a:lstStyle>
-            <a:lvl1pPr lvl="0" algn="ctr">
-              <a:spcBef>
-                <a:spcPts val="0"/>
-              </a:spcBef>
-              <a:spcAft>
-                <a:spcPts val="0"/>
-              </a:spcAft>
-              <a:buSzPts val="12000"/>
-              <a:buNone/>
-              <a:defRPr sz="12000"/>
-            </a:lvl1pPr>
-            <a:lvl2pPr lvl="1" algn="ctr">
-              <a:spcBef>
-                <a:spcPts val="0"/>
-              </a:spcBef>
-              <a:spcAft>
-                <a:spcPts val="0"/>
-              </a:spcAft>
-              <a:buSzPts val="12000"/>
-              <a:buNone/>
-              <a:defRPr sz="12000"/>
-            </a:lvl2pPr>
-            <a:lvl3pPr lvl="2" algn="ctr">
-              <a:spcBef>
-                <a:spcPts val="0"/>
-              </a:spcBef>
-              <a:spcAft>
-                <a:spcPts val="0"/>
-              </a:spcAft>
-              <a:buSzPts val="12000"/>
-              <a:buNone/>
-              <a:defRPr sz="12000"/>
-            </a:lvl3pPr>
-            <a:lvl4pPr lvl="3" algn="ctr">
-              <a:spcBef>
-                <a:spcPts val="0"/>
-              </a:spcBef>
-              <a:spcAft>
-                <a:spcPts val="0"/>
-              </a:spcAft>
-              <a:buSzPts val="12000"/>
-              <a:buNone/>
-              <a:defRPr sz="12000"/>
-            </a:lvl4pPr>
-            <a:lvl5pPr lvl="4" algn="ctr">
-              <a:spcBef>
-                <a:spcPts val="0"/>
-              </a:spcBef>
-              <a:spcAft>
-                <a:spcPts val="0"/>
-              </a:spcAft>
-              <a:buSzPts val="12000"/>
-              <a:buNone/>
-              <a:defRPr sz="12000"/>
-            </a:lvl5pPr>
-            <a:lvl6pPr lvl="5" algn="ctr">
-              <a:spcBef>
-                <a:spcPts val="0"/>
-              </a:spcBef>
-              <a:spcAft>
-                <a:spcPts val="0"/>
-              </a:spcAft>
-              <a:buSzPts val="12000"/>
-              <a:buNone/>
-              <a:defRPr sz="12000"/>
-            </a:lvl6pPr>
-            <a:lvl7pPr lvl="6" algn="ctr">
-              <a:spcBef>
-                <a:spcPts val="0"/>
-              </a:spcBef>
-              <a:spcAft>
-                <a:spcPts val="0"/>
-              </a:spcAft>
-              <a:buSzPts val="12000"/>
-              <a:buNone/>
-              <a:defRPr sz="12000"/>
-            </a:lvl7pPr>
-            <a:lvl8pPr lvl="7" algn="ctr">
-              <a:spcBef>
-                <a:spcPts val="0"/>
-              </a:spcBef>
-              <a:spcAft>
-                <a:spcPts val="0"/>
-              </a:spcAft>
-              <a:buSzPts val="12000"/>
-              <a:buNone/>
-              <a:defRPr sz="12000"/>
-            </a:lvl8pPr>
-            <a:lvl9pPr lvl="8" algn="ctr">
-              <a:spcBef>
-                <a:spcPts val="0"/>
-              </a:spcBef>
-              <a:spcAft>
-                <a:spcPts val="0"/>
-              </a:spcAft>
-              <a:buSzPts val="12000"/>
-              <a:buNone/>
-              <a:defRPr sz="12000"/>
-            </a:lvl9pPr>
-          </a:lstStyle>
-          <a:p>
-            <a:r>
-              <a:t>xx%</a:t>
-            </a:r>
-          </a:p>
-        </p:txBody>
-      </p:sp>
-      <p:sp>
-        <p:nvSpPr>
-          <p:cNvPr id="46" name="Google Shape;46;p11"/>
-          <p:cNvSpPr txBox="1"/>
-          <p:nvPr>
-            <p:ph idx="1" type="body"/>
-          </p:nvPr>
-        </p:nvSpPr>
-        <p:spPr>
-          <a:xfrm>
-            <a:off x="311700" y="3152225"/>
-            <a:ext cx="8520600" cy="1300800"/>
-          </a:xfrm>
-          <a:prstGeom prst="rect">
-            <a:avLst/>
-          </a:prstGeom>
-        </p:spPr>
-        <p:txBody>
-          <a:bodyPr anchorCtr="0" anchor="t" bIns="91425" lIns="91425" spcFirstLastPara="1" rIns="91425" wrap="square" tIns="91425">
-            <a:noAutofit/>
-          </a:bodyPr>
-          <a:lstStyle>
-            <a:lvl1pPr indent="-342900" lvl="0" marL="457200" algn="ctr">
-              <a:spcBef>
-                <a:spcPts val="0"/>
-              </a:spcBef>
-              <a:spcAft>
-                <a:spcPts val="0"/>
-              </a:spcAft>
-              <a:buSzPts val="1800"/>
-              <a:buChar char="●"/>
-              <a:defRPr/>
-            </a:lvl1pPr>
-            <a:lvl2pPr indent="-317500" lvl="1" marL="914400" algn="ctr">
-              <a:spcBef>
-                <a:spcPts val="1600"/>
-              </a:spcBef>
-              <a:spcAft>
-                <a:spcPts val="0"/>
-              </a:spcAft>
-              <a:buSzPts val="1400"/>
-              <a:buChar char="○"/>
-              <a:defRPr/>
-            </a:lvl2pPr>
-            <a:lvl3pPr indent="-317500" lvl="2" marL="1371600" algn="ctr">
-              <a:spcBef>
-                <a:spcPts val="1600"/>
-              </a:spcBef>
-              <a:spcAft>
-                <a:spcPts val="0"/>
-              </a:spcAft>
-              <a:buSzPts val="1400"/>
-              <a:buChar char="■"/>
-              <a:defRPr/>
-            </a:lvl3pPr>
-            <a:lvl4pPr indent="-317500" lvl="3" marL="1828800" algn="ctr">
-              <a:spcBef>
-                <a:spcPts val="1600"/>
-              </a:spcBef>
-              <a:spcAft>
-                <a:spcPts val="0"/>
-              </a:spcAft>
-              <a:buSzPts val="1400"/>
-              <a:buChar char="●"/>
-              <a:defRPr/>
-            </a:lvl4pPr>
-            <a:lvl5pPr indent="-317500" lvl="4" marL="2286000" algn="ctr">
-              <a:spcBef>
-                <a:spcPts val="1600"/>
-              </a:spcBef>
-              <a:spcAft>
-                <a:spcPts val="0"/>
-              </a:spcAft>
-              <a:buSzPts val="1400"/>
-              <a:buChar char="○"/>
-              <a:defRPr/>
-            </a:lvl5pPr>
-            <a:lvl6pPr indent="-317500" lvl="5" marL="2743200" algn="ctr">
-              <a:spcBef>
-                <a:spcPts val="1600"/>
-              </a:spcBef>
-              <a:spcAft>
-                <a:spcPts val="0"/>
-              </a:spcAft>
-              <a:buSzPts val="1400"/>
-              <a:buChar char="■"/>
-              <a:defRPr/>
-            </a:lvl6pPr>
-            <a:lvl7pPr indent="-317500" lvl="6" marL="3200400" algn="ctr">
-              <a:spcBef>
-                <a:spcPts val="1600"/>
-              </a:spcBef>
-              <a:spcAft>
-                <a:spcPts val="0"/>
-              </a:spcAft>
-              <a:buSzPts val="1400"/>
-              <a:buChar char="●"/>
-              <a:defRPr/>
-            </a:lvl7pPr>
-            <a:lvl8pPr indent="-317500" lvl="7" marL="3657600" algn="ctr">
-              <a:spcBef>
-                <a:spcPts val="1600"/>
-              </a:spcBef>
-              <a:spcAft>
-                <a:spcPts val="0"/>
-              </a:spcAft>
-              <a:buSzPts val="1400"/>
-              <a:buChar char="○"/>
-              <a:defRPr/>
-            </a:lvl8pPr>
-            <a:lvl9pPr indent="-317500" lvl="8" marL="4114800" algn="ctr">
-              <a:spcBef>
-                <a:spcPts val="1600"/>
-              </a:spcBef>
-              <a:spcAft>
-                <a:spcPts val="1600"/>
-              </a:spcAft>
-              <a:buSzPts val="1400"/>
-              <a:buChar char="■"/>
-              <a:defRPr/>
-            </a:lvl9pPr>
-          </a:lstStyle>
-          <a:p/>
-        </p:txBody>
-      </p:sp>
-      <p:sp>
-        <p:nvSpPr>
-          <p:cNvPr id="47" name="Google Shape;47;p11"/>
-          <p:cNvSpPr txBox="1"/>
-          <p:nvPr>
-            <p:ph idx="12" type="sldNum"/>
-          </p:nvPr>
-        </p:nvSpPr>
-        <p:spPr>
-          <a:xfrm>
-            <a:off x="8472458" y="4663217"/>
-            <a:ext cx="548700" cy="393600"/>
-          </a:xfrm>
-          <a:prstGeom prst="rect">
-            <a:avLst/>
-          </a:prstGeom>
-        </p:spPr>
-        <p:txBody>
-          <a:bodyPr anchorCtr="0" anchor="ctr" bIns="91425" lIns="91425" spcFirstLastPara="1" rIns="91425" wrap="square" tIns="91425">
-            <a:noAutofit/>
-          </a:bodyPr>
-          <a:lstStyle>
-            <a:lvl1pPr lvl="0">
-              <a:buNone/>
-              <a:defRPr/>
-            </a:lvl1pPr>
-            <a:lvl2pPr lvl="1">
-              <a:buNone/>
-              <a:defRPr/>
-            </a:lvl2pPr>
-            <a:lvl3pPr lvl="2">
-              <a:buNone/>
-              <a:defRPr/>
-            </a:lvl3pPr>
-            <a:lvl4pPr lvl="3">
-              <a:buNone/>
-              <a:defRPr/>
-            </a:lvl4pPr>
-            <a:lvl5pPr lvl="4">
-              <a:buNone/>
-              <a:defRPr/>
-            </a:lvl5pPr>
-            <a:lvl6pPr lvl="5">
-              <a:buNone/>
-              <a:defRPr/>
-            </a:lvl6pPr>
-            <a:lvl7pPr lvl="6">
-              <a:buNone/>
-              <a:defRPr/>
-            </a:lvl7pPr>
-            <a:lvl8pPr lvl="7">
-              <a:buNone/>
-              <a:defRPr/>
-            </a:lvl8pPr>
-            <a:lvl9pPr lvl="8">
-              <a:buNone/>
-              <a:defRPr/>
-            </a:lvl9pPr>
-          </a:lstStyle>
-          <a:p>
-            <a:pPr indent="0" lvl="0" marL="0" rtl="0" algn="r">
-              <a:spcBef>
-                <a:spcPts val="0"/>
-              </a:spcBef>
-              <a:spcAft>
-                <a:spcPts val="0"/>
-              </a:spcAft>
-              <a:buNone/>
-            </a:pPr>
-            <a:fld id="{00000000-1234-1234-1234-123412341234}" type="slidenum">
-              <a:rPr lang="en"/>
-              <a:t>‹#›</a:t>
-            </a:fld>
-            <a:endParaRPr/>
-          </a:p>
-        </p:txBody>
-      </p:sp>
-    </p:spTree>
-  </p:cSld>
-  <p:clrMapOvr>
-    <a:masterClrMapping/>
-  </p:clrMapOvr>
-</p:sldLayout>
-</file>
-
-<file path=ppt/slideLayouts/slideLayout11.xml><?xml version="1.0" encoding="utf-8"?>
-<p:sldLayout xmlns:a="http://schemas.openxmlformats.org/drawingml/2006/main" xmlns:r="http://schemas.openxmlformats.org/officeDocument/2006/relationships" xmlns:mc="http://schemas.openxmlformats.org/markup-compatibility/2006" xmlns:mv="urn:schemas-microsoft-com:mac:vml" xmlns:p="http://schemas.openxmlformats.org/presentationml/2006/main" xmlns:c="http://schemas.openxmlformats.org/drawingml/2006/chart" xmlns:dgm="http://schemas.openxmlformats.org/drawingml/2006/diagram" xmlns:o="urn:schemas-microsoft-com:office:office" xmlns:v="urn:schemas-microsoft-com:vml" xmlns:pvml="urn:schemas-microsoft-com:office:powerpoint" xmlns:com="http://schemas.openxmlformats.org/drawingml/2006/compatibility" xmlns:p14="http://schemas.microsoft.com/office/powerpoint/2010/main" xmlns:p15="http://schemas.microsoft.com/office/powerpoint/2012/main" xmlns:ahyp="http://schemas.microsoft.com/office/drawing/2018/hyperlinkcolor" matchingName="Blank" type="blank">
+<p:sldLayout xmlns:a="http://schemas.openxmlformats.org/drawingml/2006/main" xmlns:r="http://schemas.openxmlformats.org/officeDocument/2006/relationships" xmlns:p="http://schemas.openxmlformats.org/presentationml/2006/main" matchingName="Blank" type="blank">
   <p:cSld name="BLANK">
     <p:spTree>
       <p:nvGrpSpPr>
-        <p:cNvPr id="48" name="Shape 48"/>
+        <p:cNvPr id="1" name="Shape 48"/>
         <p:cNvGrpSpPr/>
         <p:nvPr/>
       </p:nvGrpSpPr>
@@ -2040,9 +1849,11 @@
       <p:sp>
         <p:nvSpPr>
           <p:cNvPr id="49" name="Google Shape;49;p12"/>
-          <p:cNvSpPr txBox="1"/>
+          <p:cNvSpPr txBox="1">
+            <a:spLocks noGrp="1"/>
+          </p:cNvSpPr>
           <p:nvPr>
-            <p:ph idx="12" type="sldNum"/>
+            <p:ph type="sldNum" idx="12"/>
           </p:nvPr>
         </p:nvSpPr>
         <p:spPr>
@@ -2055,7 +1866,7 @@
           </a:prstGeom>
         </p:spPr>
         <p:txBody>
-          <a:bodyPr anchorCtr="0" anchor="ctr" bIns="91425" lIns="91425" spcFirstLastPara="1" rIns="91425" wrap="square" tIns="91425">
+          <a:bodyPr spcFirstLastPara="1" wrap="square" lIns="91425" tIns="91425" rIns="91425" bIns="91425" anchor="ctr" anchorCtr="0">
             <a:noAutofit/>
           </a:bodyPr>
           <a:lstStyle>
@@ -2097,7 +1908,7 @@
             </a:lvl9pPr>
           </a:lstStyle>
           <a:p>
-            <a:pPr indent="0" lvl="0" marL="0" rtl="0" algn="r">
+            <a:pPr marL="0" lvl="0" indent="0" algn="r" rtl="0">
               <a:spcBef>
                 <a:spcPts val="0"/>
               </a:spcBef>
@@ -2123,11 +1934,11 @@
 </file>
 
 <file path=ppt/slideLayouts/slideLayout2.xml><?xml version="1.0" encoding="utf-8"?>
-<p:sldLayout xmlns:a="http://schemas.openxmlformats.org/drawingml/2006/main" xmlns:r="http://schemas.openxmlformats.org/officeDocument/2006/relationships" xmlns:mc="http://schemas.openxmlformats.org/markup-compatibility/2006" xmlns:mv="urn:schemas-microsoft-com:mac:vml" xmlns:p="http://schemas.openxmlformats.org/presentationml/2006/main" xmlns:c="http://schemas.openxmlformats.org/drawingml/2006/chart" xmlns:dgm="http://schemas.openxmlformats.org/drawingml/2006/diagram" xmlns:o="urn:schemas-microsoft-com:office:office" xmlns:v="urn:schemas-microsoft-com:vml" xmlns:pvml="urn:schemas-microsoft-com:office:powerpoint" xmlns:com="http://schemas.openxmlformats.org/drawingml/2006/compatibility" xmlns:p14="http://schemas.microsoft.com/office/powerpoint/2010/main" xmlns:p15="http://schemas.microsoft.com/office/powerpoint/2012/main" xmlns:ahyp="http://schemas.microsoft.com/office/drawing/2018/hyperlinkcolor" matchingName="Section header" type="secHead">
+<p:sldLayout xmlns:a="http://schemas.openxmlformats.org/drawingml/2006/main" xmlns:r="http://schemas.openxmlformats.org/officeDocument/2006/relationships" xmlns:p="http://schemas.openxmlformats.org/presentationml/2006/main" matchingName="Section header" type="secHead">
   <p:cSld name="SECTION_HEADER">
     <p:spTree>
       <p:nvGrpSpPr>
-        <p:cNvPr id="13" name="Shape 13"/>
+        <p:cNvPr id="1" name="Shape 13"/>
         <p:cNvGrpSpPr/>
         <p:nvPr/>
       </p:nvGrpSpPr>
@@ -2142,7 +1953,9 @@
       <p:sp>
         <p:nvSpPr>
           <p:cNvPr id="14" name="Google Shape;14;p3"/>
-          <p:cNvSpPr txBox="1"/>
+          <p:cNvSpPr txBox="1">
+            <a:spLocks noGrp="1"/>
+          </p:cNvSpPr>
           <p:nvPr>
             <p:ph type="title"/>
           </p:nvPr>
@@ -2157,7 +1970,7 @@
           </a:prstGeom>
         </p:spPr>
         <p:txBody>
-          <a:bodyPr anchorCtr="0" anchor="ctr" bIns="91425" lIns="91425" spcFirstLastPara="1" rIns="91425" wrap="square" tIns="91425">
+          <a:bodyPr spcFirstLastPara="1" wrap="square" lIns="91425" tIns="91425" rIns="91425" bIns="91425" anchor="ctr" anchorCtr="0">
             <a:noAutofit/>
           </a:bodyPr>
           <a:lstStyle>
@@ -2261,15 +2074,19 @@
               <a:defRPr sz="3600"/>
             </a:lvl9pPr>
           </a:lstStyle>
-          <a:p/>
+          <a:p>
+            <a:endParaRPr/>
+          </a:p>
         </p:txBody>
       </p:sp>
       <p:sp>
         <p:nvSpPr>
           <p:cNvPr id="15" name="Google Shape;15;p3"/>
-          <p:cNvSpPr txBox="1"/>
+          <p:cNvSpPr txBox="1">
+            <a:spLocks noGrp="1"/>
+          </p:cNvSpPr>
           <p:nvPr>
-            <p:ph idx="12" type="sldNum"/>
+            <p:ph type="sldNum" idx="12"/>
           </p:nvPr>
         </p:nvSpPr>
         <p:spPr>
@@ -2282,7 +2099,7 @@
           </a:prstGeom>
         </p:spPr>
         <p:txBody>
-          <a:bodyPr anchorCtr="0" anchor="ctr" bIns="91425" lIns="91425" spcFirstLastPara="1" rIns="91425" wrap="square" tIns="91425">
+          <a:bodyPr spcFirstLastPara="1" wrap="square" lIns="91425" tIns="91425" rIns="91425" bIns="91425" anchor="ctr" anchorCtr="0">
             <a:noAutofit/>
           </a:bodyPr>
           <a:lstStyle>
@@ -2324,7 +2141,7 @@
             </a:lvl9pPr>
           </a:lstStyle>
           <a:p>
-            <a:pPr indent="0" lvl="0" marL="0" rtl="0" algn="r">
+            <a:pPr marL="0" lvl="0" indent="0" algn="r" rtl="0">
               <a:spcBef>
                 <a:spcPts val="0"/>
               </a:spcBef>
@@ -2350,11 +2167,11 @@
 </file>
 
 <file path=ppt/slideLayouts/slideLayout3.xml><?xml version="1.0" encoding="utf-8"?>
-<p:sldLayout xmlns:a="http://schemas.openxmlformats.org/drawingml/2006/main" xmlns:r="http://schemas.openxmlformats.org/officeDocument/2006/relationships" xmlns:mc="http://schemas.openxmlformats.org/markup-compatibility/2006" xmlns:mv="urn:schemas-microsoft-com:mac:vml" xmlns:p="http://schemas.openxmlformats.org/presentationml/2006/main" xmlns:c="http://schemas.openxmlformats.org/drawingml/2006/chart" xmlns:dgm="http://schemas.openxmlformats.org/drawingml/2006/diagram" xmlns:o="urn:schemas-microsoft-com:office:office" xmlns:v="urn:schemas-microsoft-com:vml" xmlns:pvml="urn:schemas-microsoft-com:office:powerpoint" xmlns:com="http://schemas.openxmlformats.org/drawingml/2006/compatibility" xmlns:p14="http://schemas.microsoft.com/office/powerpoint/2010/main" xmlns:p15="http://schemas.microsoft.com/office/powerpoint/2012/main" xmlns:ahyp="http://schemas.microsoft.com/office/drawing/2018/hyperlinkcolor" matchingName="Title and body" type="tx">
+<p:sldLayout xmlns:a="http://schemas.openxmlformats.org/drawingml/2006/main" xmlns:r="http://schemas.openxmlformats.org/officeDocument/2006/relationships" xmlns:p="http://schemas.openxmlformats.org/presentationml/2006/main" matchingName="Title and body" type="tx">
   <p:cSld name="TITLE_AND_BODY">
     <p:spTree>
       <p:nvGrpSpPr>
-        <p:cNvPr id="16" name="Shape 16"/>
+        <p:cNvPr id="1" name="Shape 16"/>
         <p:cNvGrpSpPr/>
         <p:nvPr/>
       </p:nvGrpSpPr>
@@ -2369,7 +2186,9 @@
       <p:sp>
         <p:nvSpPr>
           <p:cNvPr id="17" name="Google Shape;17;p4"/>
-          <p:cNvSpPr txBox="1"/>
+          <p:cNvSpPr txBox="1">
+            <a:spLocks noGrp="1"/>
+          </p:cNvSpPr>
           <p:nvPr>
             <p:ph type="title"/>
           </p:nvPr>
@@ -2384,7 +2203,7 @@
           </a:prstGeom>
         </p:spPr>
         <p:txBody>
-          <a:bodyPr anchorCtr="0" anchor="t" bIns="91425" lIns="91425" spcFirstLastPara="1" rIns="91425" wrap="square" tIns="91425">
+          <a:bodyPr spcFirstLastPara="1" wrap="square" lIns="91425" tIns="91425" rIns="91425" bIns="91425" anchor="t" anchorCtr="0">
             <a:noAutofit/>
           </a:bodyPr>
           <a:lstStyle>
@@ -2488,15 +2307,19 @@
               <a:defRPr/>
             </a:lvl9pPr>
           </a:lstStyle>
-          <a:p/>
+          <a:p>
+            <a:endParaRPr/>
+          </a:p>
         </p:txBody>
       </p:sp>
       <p:sp>
         <p:nvSpPr>
           <p:cNvPr id="18" name="Google Shape;18;p4"/>
-          <p:cNvSpPr txBox="1"/>
+          <p:cNvSpPr txBox="1">
+            <a:spLocks noGrp="1"/>
+          </p:cNvSpPr>
           <p:nvPr>
-            <p:ph idx="1" type="body"/>
+            <p:ph type="body" idx="1"/>
           </p:nvPr>
         </p:nvSpPr>
         <p:spPr>
@@ -2509,11 +2332,11 @@
           </a:prstGeom>
         </p:spPr>
         <p:txBody>
-          <a:bodyPr anchorCtr="0" anchor="t" bIns="91425" lIns="91425" spcFirstLastPara="1" rIns="91425" wrap="square" tIns="91425">
+          <a:bodyPr spcFirstLastPara="1" wrap="square" lIns="91425" tIns="91425" rIns="91425" bIns="91425" anchor="t" anchorCtr="0">
             <a:noAutofit/>
           </a:bodyPr>
           <a:lstStyle>
-            <a:lvl1pPr indent="-342900" lvl="0" marL="457200">
+            <a:lvl1pPr marL="457200" lvl="0" indent="-342900">
               <a:spcBef>
                 <a:spcPts val="0"/>
               </a:spcBef>
@@ -2524,7 +2347,7 @@
               <a:buChar char="●"/>
               <a:defRPr/>
             </a:lvl1pPr>
-            <a:lvl2pPr indent="-317500" lvl="1" marL="914400">
+            <a:lvl2pPr marL="914400" lvl="1" indent="-317500">
               <a:spcBef>
                 <a:spcPts val="1600"/>
               </a:spcBef>
@@ -2535,7 +2358,7 @@
               <a:buChar char="○"/>
               <a:defRPr/>
             </a:lvl2pPr>
-            <a:lvl3pPr indent="-317500" lvl="2" marL="1371600">
+            <a:lvl3pPr marL="1371600" lvl="2" indent="-317500">
               <a:spcBef>
                 <a:spcPts val="1600"/>
               </a:spcBef>
@@ -2546,7 +2369,7 @@
               <a:buChar char="■"/>
               <a:defRPr/>
             </a:lvl3pPr>
-            <a:lvl4pPr indent="-317500" lvl="3" marL="1828800">
+            <a:lvl4pPr marL="1828800" lvl="3" indent="-317500">
               <a:spcBef>
                 <a:spcPts val="1600"/>
               </a:spcBef>
@@ -2557,7 +2380,7 @@
               <a:buChar char="●"/>
               <a:defRPr/>
             </a:lvl4pPr>
-            <a:lvl5pPr indent="-317500" lvl="4" marL="2286000">
+            <a:lvl5pPr marL="2286000" lvl="4" indent="-317500">
               <a:spcBef>
                 <a:spcPts val="1600"/>
               </a:spcBef>
@@ -2568,7 +2391,7 @@
               <a:buChar char="○"/>
               <a:defRPr/>
             </a:lvl5pPr>
-            <a:lvl6pPr indent="-317500" lvl="5" marL="2743200">
+            <a:lvl6pPr marL="2743200" lvl="5" indent="-317500">
               <a:spcBef>
                 <a:spcPts val="1600"/>
               </a:spcBef>
@@ -2579,7 +2402,7 @@
               <a:buChar char="■"/>
               <a:defRPr/>
             </a:lvl6pPr>
-            <a:lvl7pPr indent="-317500" lvl="6" marL="3200400">
+            <a:lvl7pPr marL="3200400" lvl="6" indent="-317500">
               <a:spcBef>
                 <a:spcPts val="1600"/>
               </a:spcBef>
@@ -2590,7 +2413,7 @@
               <a:buChar char="●"/>
               <a:defRPr/>
             </a:lvl7pPr>
-            <a:lvl8pPr indent="-317500" lvl="7" marL="3657600">
+            <a:lvl8pPr marL="3657600" lvl="7" indent="-317500">
               <a:spcBef>
                 <a:spcPts val="1600"/>
               </a:spcBef>
@@ -2601,7 +2424,7 @@
               <a:buChar char="○"/>
               <a:defRPr/>
             </a:lvl8pPr>
-            <a:lvl9pPr indent="-317500" lvl="8" marL="4114800">
+            <a:lvl9pPr marL="4114800" lvl="8" indent="-317500">
               <a:spcBef>
                 <a:spcPts val="1600"/>
               </a:spcBef>
@@ -2613,15 +2436,19 @@
               <a:defRPr/>
             </a:lvl9pPr>
           </a:lstStyle>
-          <a:p/>
+          <a:p>
+            <a:endParaRPr/>
+          </a:p>
         </p:txBody>
       </p:sp>
       <p:sp>
         <p:nvSpPr>
           <p:cNvPr id="19" name="Google Shape;19;p4"/>
-          <p:cNvSpPr txBox="1"/>
+          <p:cNvSpPr txBox="1">
+            <a:spLocks noGrp="1"/>
+          </p:cNvSpPr>
           <p:nvPr>
-            <p:ph idx="12" type="sldNum"/>
+            <p:ph type="sldNum" idx="12"/>
           </p:nvPr>
         </p:nvSpPr>
         <p:spPr>
@@ -2634,7 +2461,7 @@
           </a:prstGeom>
         </p:spPr>
         <p:txBody>
-          <a:bodyPr anchorCtr="0" anchor="ctr" bIns="91425" lIns="91425" spcFirstLastPara="1" rIns="91425" wrap="square" tIns="91425">
+          <a:bodyPr spcFirstLastPara="1" wrap="square" lIns="91425" tIns="91425" rIns="91425" bIns="91425" anchor="ctr" anchorCtr="0">
             <a:noAutofit/>
           </a:bodyPr>
           <a:lstStyle>
@@ -2676,7 +2503,7 @@
             </a:lvl9pPr>
           </a:lstStyle>
           <a:p>
-            <a:pPr indent="0" lvl="0" marL="0" rtl="0" algn="r">
+            <a:pPr marL="0" lvl="0" indent="0" algn="r" rtl="0">
               <a:spcBef>
                 <a:spcPts val="0"/>
               </a:spcBef>
@@ -2702,11 +2529,11 @@
 </file>
 
 <file path=ppt/slideLayouts/slideLayout4.xml><?xml version="1.0" encoding="utf-8"?>
-<p:sldLayout xmlns:a="http://schemas.openxmlformats.org/drawingml/2006/main" xmlns:r="http://schemas.openxmlformats.org/officeDocument/2006/relationships" xmlns:mc="http://schemas.openxmlformats.org/markup-compatibility/2006" xmlns:mv="urn:schemas-microsoft-com:mac:vml" xmlns:p="http://schemas.openxmlformats.org/presentationml/2006/main" xmlns:c="http://schemas.openxmlformats.org/drawingml/2006/chart" xmlns:dgm="http://schemas.openxmlformats.org/drawingml/2006/diagram" xmlns:o="urn:schemas-microsoft-com:office:office" xmlns:v="urn:schemas-microsoft-com:vml" xmlns:pvml="urn:schemas-microsoft-com:office:powerpoint" xmlns:com="http://schemas.openxmlformats.org/drawingml/2006/compatibility" xmlns:p14="http://schemas.microsoft.com/office/powerpoint/2010/main" xmlns:p15="http://schemas.microsoft.com/office/powerpoint/2012/main" xmlns:ahyp="http://schemas.microsoft.com/office/drawing/2018/hyperlinkcolor" matchingName="Title and two columns" type="twoColTx">
+<p:sldLayout xmlns:a="http://schemas.openxmlformats.org/drawingml/2006/main" xmlns:r="http://schemas.openxmlformats.org/officeDocument/2006/relationships" xmlns:p="http://schemas.openxmlformats.org/presentationml/2006/main" matchingName="Title and two columns" type="twoColTx">
   <p:cSld name="TITLE_AND_TWO_COLUMNS">
     <p:spTree>
       <p:nvGrpSpPr>
-        <p:cNvPr id="20" name="Shape 20"/>
+        <p:cNvPr id="1" name="Shape 20"/>
         <p:cNvGrpSpPr/>
         <p:nvPr/>
       </p:nvGrpSpPr>
@@ -2721,7 +2548,9 @@
       <p:sp>
         <p:nvSpPr>
           <p:cNvPr id="21" name="Google Shape;21;p5"/>
-          <p:cNvSpPr txBox="1"/>
+          <p:cNvSpPr txBox="1">
+            <a:spLocks noGrp="1"/>
+          </p:cNvSpPr>
           <p:nvPr>
             <p:ph type="title"/>
           </p:nvPr>
@@ -2736,7 +2565,7 @@
           </a:prstGeom>
         </p:spPr>
         <p:txBody>
-          <a:bodyPr anchorCtr="0" anchor="t" bIns="91425" lIns="91425" spcFirstLastPara="1" rIns="91425" wrap="square" tIns="91425">
+          <a:bodyPr spcFirstLastPara="1" wrap="square" lIns="91425" tIns="91425" rIns="91425" bIns="91425" anchor="t" anchorCtr="0">
             <a:noAutofit/>
           </a:bodyPr>
           <a:lstStyle>
@@ -2840,15 +2669,19 @@
               <a:defRPr/>
             </a:lvl9pPr>
           </a:lstStyle>
-          <a:p/>
+          <a:p>
+            <a:endParaRPr/>
+          </a:p>
         </p:txBody>
       </p:sp>
       <p:sp>
         <p:nvSpPr>
           <p:cNvPr id="22" name="Google Shape;22;p5"/>
-          <p:cNvSpPr txBox="1"/>
+          <p:cNvSpPr txBox="1">
+            <a:spLocks noGrp="1"/>
+          </p:cNvSpPr>
           <p:nvPr>
-            <p:ph idx="1" type="body"/>
+            <p:ph type="body" idx="1"/>
           </p:nvPr>
         </p:nvSpPr>
         <p:spPr>
@@ -2861,11 +2694,11 @@
           </a:prstGeom>
         </p:spPr>
         <p:txBody>
-          <a:bodyPr anchorCtr="0" anchor="t" bIns="91425" lIns="91425" spcFirstLastPara="1" rIns="91425" wrap="square" tIns="91425">
+          <a:bodyPr spcFirstLastPara="1" wrap="square" lIns="91425" tIns="91425" rIns="91425" bIns="91425" anchor="t" anchorCtr="0">
             <a:noAutofit/>
           </a:bodyPr>
           <a:lstStyle>
-            <a:lvl1pPr indent="-317500" lvl="0" marL="457200">
+            <a:lvl1pPr marL="457200" lvl="0" indent="-317500">
               <a:spcBef>
                 <a:spcPts val="0"/>
               </a:spcBef>
@@ -2876,7 +2709,7 @@
               <a:buChar char="●"/>
               <a:defRPr sz="1400"/>
             </a:lvl1pPr>
-            <a:lvl2pPr indent="-304800" lvl="1" marL="914400">
+            <a:lvl2pPr marL="914400" lvl="1" indent="-304800">
               <a:spcBef>
                 <a:spcPts val="1600"/>
               </a:spcBef>
@@ -2887,7 +2720,7 @@
               <a:buChar char="○"/>
               <a:defRPr sz="1200"/>
             </a:lvl2pPr>
-            <a:lvl3pPr indent="-304800" lvl="2" marL="1371600">
+            <a:lvl3pPr marL="1371600" lvl="2" indent="-304800">
               <a:spcBef>
                 <a:spcPts val="1600"/>
               </a:spcBef>
@@ -2898,7 +2731,7 @@
               <a:buChar char="■"/>
               <a:defRPr sz="1200"/>
             </a:lvl3pPr>
-            <a:lvl4pPr indent="-304800" lvl="3" marL="1828800">
+            <a:lvl4pPr marL="1828800" lvl="3" indent="-304800">
               <a:spcBef>
                 <a:spcPts val="1600"/>
               </a:spcBef>
@@ -2909,7 +2742,7 @@
               <a:buChar char="●"/>
               <a:defRPr sz="1200"/>
             </a:lvl4pPr>
-            <a:lvl5pPr indent="-304800" lvl="4" marL="2286000">
+            <a:lvl5pPr marL="2286000" lvl="4" indent="-304800">
               <a:spcBef>
                 <a:spcPts val="1600"/>
               </a:spcBef>
@@ -2920,7 +2753,7 @@
               <a:buChar char="○"/>
               <a:defRPr sz="1200"/>
             </a:lvl5pPr>
-            <a:lvl6pPr indent="-304800" lvl="5" marL="2743200">
+            <a:lvl6pPr marL="2743200" lvl="5" indent="-304800">
               <a:spcBef>
                 <a:spcPts val="1600"/>
               </a:spcBef>
@@ -2931,7 +2764,7 @@
               <a:buChar char="■"/>
               <a:defRPr sz="1200"/>
             </a:lvl6pPr>
-            <a:lvl7pPr indent="-304800" lvl="6" marL="3200400">
+            <a:lvl7pPr marL="3200400" lvl="6" indent="-304800">
               <a:spcBef>
                 <a:spcPts val="1600"/>
               </a:spcBef>
@@ -2942,7 +2775,7 @@
               <a:buChar char="●"/>
               <a:defRPr sz="1200"/>
             </a:lvl7pPr>
-            <a:lvl8pPr indent="-304800" lvl="7" marL="3657600">
+            <a:lvl8pPr marL="3657600" lvl="7" indent="-304800">
               <a:spcBef>
                 <a:spcPts val="1600"/>
               </a:spcBef>
@@ -2953,7 +2786,7 @@
               <a:buChar char="○"/>
               <a:defRPr sz="1200"/>
             </a:lvl8pPr>
-            <a:lvl9pPr indent="-304800" lvl="8" marL="4114800">
+            <a:lvl9pPr marL="4114800" lvl="8" indent="-304800">
               <a:spcBef>
                 <a:spcPts val="1600"/>
               </a:spcBef>
@@ -2965,15 +2798,19 @@
               <a:defRPr sz="1200"/>
             </a:lvl9pPr>
           </a:lstStyle>
-          <a:p/>
+          <a:p>
+            <a:endParaRPr/>
+          </a:p>
         </p:txBody>
       </p:sp>
       <p:sp>
         <p:nvSpPr>
           <p:cNvPr id="23" name="Google Shape;23;p5"/>
-          <p:cNvSpPr txBox="1"/>
+          <p:cNvSpPr txBox="1">
+            <a:spLocks noGrp="1"/>
+          </p:cNvSpPr>
           <p:nvPr>
-            <p:ph idx="2" type="body"/>
+            <p:ph type="body" idx="2"/>
           </p:nvPr>
         </p:nvSpPr>
         <p:spPr>
@@ -2986,11 +2823,11 @@
           </a:prstGeom>
         </p:spPr>
         <p:txBody>
-          <a:bodyPr anchorCtr="0" anchor="t" bIns="91425" lIns="91425" spcFirstLastPara="1" rIns="91425" wrap="square" tIns="91425">
+          <a:bodyPr spcFirstLastPara="1" wrap="square" lIns="91425" tIns="91425" rIns="91425" bIns="91425" anchor="t" anchorCtr="0">
             <a:noAutofit/>
           </a:bodyPr>
           <a:lstStyle>
-            <a:lvl1pPr indent="-317500" lvl="0" marL="457200">
+            <a:lvl1pPr marL="457200" lvl="0" indent="-317500">
               <a:spcBef>
                 <a:spcPts val="0"/>
               </a:spcBef>
@@ -3001,7 +2838,7 @@
               <a:buChar char="●"/>
               <a:defRPr sz="1400"/>
             </a:lvl1pPr>
-            <a:lvl2pPr indent="-304800" lvl="1" marL="914400">
+            <a:lvl2pPr marL="914400" lvl="1" indent="-304800">
               <a:spcBef>
                 <a:spcPts val="1600"/>
               </a:spcBef>
@@ -3012,7 +2849,7 @@
               <a:buChar char="○"/>
               <a:defRPr sz="1200"/>
             </a:lvl2pPr>
-            <a:lvl3pPr indent="-304800" lvl="2" marL="1371600">
+            <a:lvl3pPr marL="1371600" lvl="2" indent="-304800">
               <a:spcBef>
                 <a:spcPts val="1600"/>
               </a:spcBef>
@@ -3023,7 +2860,7 @@
               <a:buChar char="■"/>
               <a:defRPr sz="1200"/>
             </a:lvl3pPr>
-            <a:lvl4pPr indent="-304800" lvl="3" marL="1828800">
+            <a:lvl4pPr marL="1828800" lvl="3" indent="-304800">
               <a:spcBef>
                 <a:spcPts val="1600"/>
               </a:spcBef>
@@ -3034,7 +2871,7 @@
               <a:buChar char="●"/>
               <a:defRPr sz="1200"/>
             </a:lvl4pPr>
-            <a:lvl5pPr indent="-304800" lvl="4" marL="2286000">
+            <a:lvl5pPr marL="2286000" lvl="4" indent="-304800">
               <a:spcBef>
                 <a:spcPts val="1600"/>
               </a:spcBef>
@@ -3045,7 +2882,7 @@
               <a:buChar char="○"/>
               <a:defRPr sz="1200"/>
             </a:lvl5pPr>
-            <a:lvl6pPr indent="-304800" lvl="5" marL="2743200">
+            <a:lvl6pPr marL="2743200" lvl="5" indent="-304800">
               <a:spcBef>
                 <a:spcPts val="1600"/>
               </a:spcBef>
@@ -3056,7 +2893,7 @@
               <a:buChar char="■"/>
               <a:defRPr sz="1200"/>
             </a:lvl6pPr>
-            <a:lvl7pPr indent="-304800" lvl="6" marL="3200400">
+            <a:lvl7pPr marL="3200400" lvl="6" indent="-304800">
               <a:spcBef>
                 <a:spcPts val="1600"/>
               </a:spcBef>
@@ -3067,7 +2904,7 @@
               <a:buChar char="●"/>
               <a:defRPr sz="1200"/>
             </a:lvl7pPr>
-            <a:lvl8pPr indent="-304800" lvl="7" marL="3657600">
+            <a:lvl8pPr marL="3657600" lvl="7" indent="-304800">
               <a:spcBef>
                 <a:spcPts val="1600"/>
               </a:spcBef>
@@ -3078,7 +2915,7 @@
               <a:buChar char="○"/>
               <a:defRPr sz="1200"/>
             </a:lvl8pPr>
-            <a:lvl9pPr indent="-304800" lvl="8" marL="4114800">
+            <a:lvl9pPr marL="4114800" lvl="8" indent="-304800">
               <a:spcBef>
                 <a:spcPts val="1600"/>
               </a:spcBef>
@@ -3090,15 +2927,19 @@
               <a:defRPr sz="1200"/>
             </a:lvl9pPr>
           </a:lstStyle>
-          <a:p/>
+          <a:p>
+            <a:endParaRPr/>
+          </a:p>
         </p:txBody>
       </p:sp>
       <p:sp>
         <p:nvSpPr>
           <p:cNvPr id="24" name="Google Shape;24;p5"/>
-          <p:cNvSpPr txBox="1"/>
+          <p:cNvSpPr txBox="1">
+            <a:spLocks noGrp="1"/>
+          </p:cNvSpPr>
           <p:nvPr>
-            <p:ph idx="12" type="sldNum"/>
+            <p:ph type="sldNum" idx="12"/>
           </p:nvPr>
         </p:nvSpPr>
         <p:spPr>
@@ -3111,7 +2952,7 @@
           </a:prstGeom>
         </p:spPr>
         <p:txBody>
-          <a:bodyPr anchorCtr="0" anchor="ctr" bIns="91425" lIns="91425" spcFirstLastPara="1" rIns="91425" wrap="square" tIns="91425">
+          <a:bodyPr spcFirstLastPara="1" wrap="square" lIns="91425" tIns="91425" rIns="91425" bIns="91425" anchor="ctr" anchorCtr="0">
             <a:noAutofit/>
           </a:bodyPr>
           <a:lstStyle>
@@ -3153,7 +2994,7 @@
             </a:lvl9pPr>
           </a:lstStyle>
           <a:p>
-            <a:pPr indent="0" lvl="0" marL="0" rtl="0" algn="r">
+            <a:pPr marL="0" lvl="0" indent="0" algn="r" rtl="0">
               <a:spcBef>
                 <a:spcPts val="0"/>
               </a:spcBef>
@@ -3179,11 +3020,11 @@
 </file>
 
 <file path=ppt/slideLayouts/slideLayout5.xml><?xml version="1.0" encoding="utf-8"?>
-<p:sldLayout xmlns:a="http://schemas.openxmlformats.org/drawingml/2006/main" xmlns:r="http://schemas.openxmlformats.org/officeDocument/2006/relationships" xmlns:mc="http://schemas.openxmlformats.org/markup-compatibility/2006" xmlns:mv="urn:schemas-microsoft-com:mac:vml" xmlns:p="http://schemas.openxmlformats.org/presentationml/2006/main" xmlns:c="http://schemas.openxmlformats.org/drawingml/2006/chart" xmlns:dgm="http://schemas.openxmlformats.org/drawingml/2006/diagram" xmlns:o="urn:schemas-microsoft-com:office:office" xmlns:v="urn:schemas-microsoft-com:vml" xmlns:pvml="urn:schemas-microsoft-com:office:powerpoint" xmlns:com="http://schemas.openxmlformats.org/drawingml/2006/compatibility" xmlns:p14="http://schemas.microsoft.com/office/powerpoint/2010/main" xmlns:p15="http://schemas.microsoft.com/office/powerpoint/2012/main" xmlns:ahyp="http://schemas.microsoft.com/office/drawing/2018/hyperlinkcolor" matchingName="Title only" type="titleOnly">
-  <p:cSld name="TITLE_ONLY">
+<p:sldLayout xmlns:a="http://schemas.openxmlformats.org/drawingml/2006/main" xmlns:r="http://schemas.openxmlformats.org/officeDocument/2006/relationships" xmlns:p="http://schemas.openxmlformats.org/presentationml/2006/main" matchingName="One column text">
+  <p:cSld name="ONE_COLUMN_TEXT">
     <p:spTree>
       <p:nvGrpSpPr>
-        <p:cNvPr id="25" name="Shape 25"/>
+        <p:cNvPr id="1" name="Shape 28"/>
         <p:cNvGrpSpPr/>
         <p:nvPr/>
       </p:nvGrpSpPr>
@@ -3197,23 +3038,25 @@
       </p:grpSpPr>
       <p:sp>
         <p:nvSpPr>
-          <p:cNvPr id="26" name="Google Shape;26;p6"/>
-          <p:cNvSpPr txBox="1"/>
+          <p:cNvPr id="29" name="Google Shape;29;p7"/>
+          <p:cNvSpPr txBox="1">
+            <a:spLocks noGrp="1"/>
+          </p:cNvSpPr>
           <p:nvPr>
             <p:ph type="title"/>
           </p:nvPr>
         </p:nvSpPr>
         <p:spPr>
           <a:xfrm>
-            <a:off x="311700" y="445025"/>
-            <a:ext cx="8520600" cy="572700"/>
+            <a:off x="311700" y="555600"/>
+            <a:ext cx="2808000" cy="755700"/>
           </a:xfrm>
           <a:prstGeom prst="rect">
             <a:avLst/>
           </a:prstGeom>
         </p:spPr>
         <p:txBody>
-          <a:bodyPr anchorCtr="0" anchor="t" bIns="91425" lIns="91425" spcFirstLastPara="1" rIns="91425" wrap="square" tIns="91425">
+          <a:bodyPr spcFirstLastPara="1" wrap="square" lIns="91425" tIns="91425" rIns="91425" bIns="91425" anchor="b" anchorCtr="0">
             <a:noAutofit/>
           </a:bodyPr>
           <a:lstStyle>
@@ -3224,9 +3067,9 @@
               <a:spcAft>
                 <a:spcPts val="0"/>
               </a:spcAft>
-              <a:buSzPts val="2800"/>
-              <a:buNone/>
-              <a:defRPr/>
+              <a:buSzPts val="2400"/>
+              <a:buNone/>
+              <a:defRPr sz="2400"/>
             </a:lvl1pPr>
             <a:lvl2pPr lvl="1">
               <a:spcBef>
@@ -3235,9 +3078,9 @@
               <a:spcAft>
                 <a:spcPts val="0"/>
               </a:spcAft>
-              <a:buSzPts val="2800"/>
-              <a:buNone/>
-              <a:defRPr/>
+              <a:buSzPts val="2400"/>
+              <a:buNone/>
+              <a:defRPr sz="2400"/>
             </a:lvl2pPr>
             <a:lvl3pPr lvl="2">
               <a:spcBef>
@@ -3246,9 +3089,9 @@
               <a:spcAft>
                 <a:spcPts val="0"/>
               </a:spcAft>
-              <a:buSzPts val="2800"/>
-              <a:buNone/>
-              <a:defRPr/>
+              <a:buSzPts val="2400"/>
+              <a:buNone/>
+              <a:defRPr sz="2400"/>
             </a:lvl3pPr>
             <a:lvl4pPr lvl="3">
               <a:spcBef>
@@ -3257,9 +3100,9 @@
               <a:spcAft>
                 <a:spcPts val="0"/>
               </a:spcAft>
-              <a:buSzPts val="2800"/>
-              <a:buNone/>
-              <a:defRPr/>
+              <a:buSzPts val="2400"/>
+              <a:buNone/>
+              <a:defRPr sz="2400"/>
             </a:lvl4pPr>
             <a:lvl5pPr lvl="4">
               <a:spcBef>
@@ -3268,9 +3111,9 @@
               <a:spcAft>
                 <a:spcPts val="0"/>
               </a:spcAft>
-              <a:buSzPts val="2800"/>
-              <a:buNone/>
-              <a:defRPr/>
+              <a:buSzPts val="2400"/>
+              <a:buNone/>
+              <a:defRPr sz="2400"/>
             </a:lvl5pPr>
             <a:lvl6pPr lvl="5">
               <a:spcBef>
@@ -3279,9 +3122,9 @@
               <a:spcAft>
                 <a:spcPts val="0"/>
               </a:spcAft>
-              <a:buSzPts val="2800"/>
-              <a:buNone/>
-              <a:defRPr/>
+              <a:buSzPts val="2400"/>
+              <a:buNone/>
+              <a:defRPr sz="2400"/>
             </a:lvl6pPr>
             <a:lvl7pPr lvl="6">
               <a:spcBef>
@@ -3290,9 +3133,9 @@
               <a:spcAft>
                 <a:spcPts val="0"/>
               </a:spcAft>
-              <a:buSzPts val="2800"/>
-              <a:buNone/>
-              <a:defRPr/>
+              <a:buSzPts val="2400"/>
+              <a:buNone/>
+              <a:defRPr sz="2400"/>
             </a:lvl7pPr>
             <a:lvl8pPr lvl="7">
               <a:spcBef>
@@ -3301,9 +3144,9 @@
               <a:spcAft>
                 <a:spcPts val="0"/>
               </a:spcAft>
-              <a:buSzPts val="2800"/>
-              <a:buNone/>
-              <a:defRPr/>
+              <a:buSzPts val="2400"/>
+              <a:buNone/>
+              <a:defRPr sz="2400"/>
             </a:lvl8pPr>
             <a:lvl9pPr lvl="8">
               <a:spcBef>
@@ -3312,20 +3155,153 @@
               <a:spcAft>
                 <a:spcPts val="0"/>
               </a:spcAft>
-              <a:buSzPts val="2800"/>
-              <a:buNone/>
-              <a:defRPr/>
+              <a:buSzPts val="2400"/>
+              <a:buNone/>
+              <a:defRPr sz="2400"/>
             </a:lvl9pPr>
           </a:lstStyle>
-          <a:p/>
+          <a:p>
+            <a:endParaRPr/>
+          </a:p>
         </p:txBody>
       </p:sp>
       <p:sp>
         <p:nvSpPr>
-          <p:cNvPr id="27" name="Google Shape;27;p6"/>
-          <p:cNvSpPr txBox="1"/>
+          <p:cNvPr id="30" name="Google Shape;30;p7"/>
+          <p:cNvSpPr txBox="1">
+            <a:spLocks noGrp="1"/>
+          </p:cNvSpPr>
           <p:nvPr>
-            <p:ph idx="12" type="sldNum"/>
+            <p:ph type="body" idx="1"/>
+          </p:nvPr>
+        </p:nvSpPr>
+        <p:spPr>
+          <a:xfrm>
+            <a:off x="311700" y="1389600"/>
+            <a:ext cx="2808000" cy="3179400"/>
+          </a:xfrm>
+          <a:prstGeom prst="rect">
+            <a:avLst/>
+          </a:prstGeom>
+        </p:spPr>
+        <p:txBody>
+          <a:bodyPr spcFirstLastPara="1" wrap="square" lIns="91425" tIns="91425" rIns="91425" bIns="91425" anchor="t" anchorCtr="0">
+            <a:noAutofit/>
+          </a:bodyPr>
+          <a:lstStyle>
+            <a:lvl1pPr marL="457200" lvl="0" indent="-304800">
+              <a:spcBef>
+                <a:spcPts val="0"/>
+              </a:spcBef>
+              <a:spcAft>
+                <a:spcPts val="0"/>
+              </a:spcAft>
+              <a:buSzPts val="1200"/>
+              <a:buChar char="●"/>
+              <a:defRPr sz="1200"/>
+            </a:lvl1pPr>
+            <a:lvl2pPr marL="914400" lvl="1" indent="-304800">
+              <a:spcBef>
+                <a:spcPts val="1600"/>
+              </a:spcBef>
+              <a:spcAft>
+                <a:spcPts val="0"/>
+              </a:spcAft>
+              <a:buSzPts val="1200"/>
+              <a:buChar char="○"/>
+              <a:defRPr sz="1200"/>
+            </a:lvl2pPr>
+            <a:lvl3pPr marL="1371600" lvl="2" indent="-304800">
+              <a:spcBef>
+                <a:spcPts val="1600"/>
+              </a:spcBef>
+              <a:spcAft>
+                <a:spcPts val="0"/>
+              </a:spcAft>
+              <a:buSzPts val="1200"/>
+              <a:buChar char="■"/>
+              <a:defRPr sz="1200"/>
+            </a:lvl3pPr>
+            <a:lvl4pPr marL="1828800" lvl="3" indent="-304800">
+              <a:spcBef>
+                <a:spcPts val="1600"/>
+              </a:spcBef>
+              <a:spcAft>
+                <a:spcPts val="0"/>
+              </a:spcAft>
+              <a:buSzPts val="1200"/>
+              <a:buChar char="●"/>
+              <a:defRPr sz="1200"/>
+            </a:lvl4pPr>
+            <a:lvl5pPr marL="2286000" lvl="4" indent="-304800">
+              <a:spcBef>
+                <a:spcPts val="1600"/>
+              </a:spcBef>
+              <a:spcAft>
+                <a:spcPts val="0"/>
+              </a:spcAft>
+              <a:buSzPts val="1200"/>
+              <a:buChar char="○"/>
+              <a:defRPr sz="1200"/>
+            </a:lvl5pPr>
+            <a:lvl6pPr marL="2743200" lvl="5" indent="-304800">
+              <a:spcBef>
+                <a:spcPts val="1600"/>
+              </a:spcBef>
+              <a:spcAft>
+                <a:spcPts val="0"/>
+              </a:spcAft>
+              <a:buSzPts val="1200"/>
+              <a:buChar char="■"/>
+              <a:defRPr sz="1200"/>
+            </a:lvl6pPr>
+            <a:lvl7pPr marL="3200400" lvl="6" indent="-304800">
+              <a:spcBef>
+                <a:spcPts val="1600"/>
+              </a:spcBef>
+              <a:spcAft>
+                <a:spcPts val="0"/>
+              </a:spcAft>
+              <a:buSzPts val="1200"/>
+              <a:buChar char="●"/>
+              <a:defRPr sz="1200"/>
+            </a:lvl7pPr>
+            <a:lvl8pPr marL="3657600" lvl="7" indent="-304800">
+              <a:spcBef>
+                <a:spcPts val="1600"/>
+              </a:spcBef>
+              <a:spcAft>
+                <a:spcPts val="0"/>
+              </a:spcAft>
+              <a:buSzPts val="1200"/>
+              <a:buChar char="○"/>
+              <a:defRPr sz="1200"/>
+            </a:lvl8pPr>
+            <a:lvl9pPr marL="4114800" lvl="8" indent="-304800">
+              <a:spcBef>
+                <a:spcPts val="1600"/>
+              </a:spcBef>
+              <a:spcAft>
+                <a:spcPts val="1600"/>
+              </a:spcAft>
+              <a:buSzPts val="1200"/>
+              <a:buChar char="■"/>
+              <a:defRPr sz="1200"/>
+            </a:lvl9pPr>
+          </a:lstStyle>
+          <a:p>
+            <a:endParaRPr/>
+          </a:p>
+        </p:txBody>
+      </p:sp>
+      <p:sp>
+        <p:nvSpPr>
+          <p:cNvPr id="31" name="Google Shape;31;p7"/>
+          <p:cNvSpPr txBox="1">
+            <a:spLocks noGrp="1"/>
+          </p:cNvSpPr>
+          <p:nvPr>
+            <p:ph type="sldNum" idx="12"/>
           </p:nvPr>
         </p:nvSpPr>
         <p:spPr>
@@ -3338,7 +3314,7 @@
           </a:prstGeom>
         </p:spPr>
         <p:txBody>
-          <a:bodyPr anchorCtr="0" anchor="ctr" bIns="91425" lIns="91425" spcFirstLastPara="1" rIns="91425" wrap="square" tIns="91425">
+          <a:bodyPr spcFirstLastPara="1" wrap="square" lIns="91425" tIns="91425" rIns="91425" bIns="91425" anchor="ctr" anchorCtr="0">
             <a:noAutofit/>
           </a:bodyPr>
           <a:lstStyle>
@@ -3380,7 +3356,7 @@
             </a:lvl9pPr>
           </a:lstStyle>
           <a:p>
-            <a:pPr indent="0" lvl="0" marL="0" rtl="0" algn="r">
+            <a:pPr marL="0" lvl="0" indent="0" algn="r" rtl="0">
               <a:spcBef>
                 <a:spcPts val="0"/>
               </a:spcBef>
@@ -3406,11 +3382,11 @@
 </file>
 
 <file path=ppt/slideLayouts/slideLayout6.xml><?xml version="1.0" encoding="utf-8"?>
-<p:sldLayout xmlns:a="http://schemas.openxmlformats.org/drawingml/2006/main" xmlns:r="http://schemas.openxmlformats.org/officeDocument/2006/relationships" xmlns:mc="http://schemas.openxmlformats.org/markup-compatibility/2006" xmlns:mv="urn:schemas-microsoft-com:mac:vml" xmlns:p="http://schemas.openxmlformats.org/presentationml/2006/main" xmlns:c="http://schemas.openxmlformats.org/drawingml/2006/chart" xmlns:dgm="http://schemas.openxmlformats.org/drawingml/2006/diagram" xmlns:o="urn:schemas-microsoft-com:office:office" xmlns:v="urn:schemas-microsoft-com:vml" xmlns:pvml="urn:schemas-microsoft-com:office:powerpoint" xmlns:com="http://schemas.openxmlformats.org/drawingml/2006/compatibility" xmlns:p14="http://schemas.microsoft.com/office/powerpoint/2010/main" xmlns:p15="http://schemas.microsoft.com/office/powerpoint/2012/main" xmlns:ahyp="http://schemas.microsoft.com/office/drawing/2018/hyperlinkcolor" matchingName="One column text">
-  <p:cSld name="ONE_COLUMN_TEXT">
+<p:sldLayout xmlns:a="http://schemas.openxmlformats.org/drawingml/2006/main" xmlns:r="http://schemas.openxmlformats.org/officeDocument/2006/relationships" xmlns:p="http://schemas.openxmlformats.org/presentationml/2006/main" matchingName="Main point">
+  <p:cSld name="MAIN_POINT">
     <p:spTree>
       <p:nvGrpSpPr>
-        <p:cNvPr id="28" name="Shape 28"/>
+        <p:cNvPr id="1" name="Shape 32"/>
         <p:cNvGrpSpPr/>
         <p:nvPr/>
       </p:nvGrpSpPr>
@@ -3424,23 +3400,25 @@
       </p:grpSpPr>
       <p:sp>
         <p:nvSpPr>
-          <p:cNvPr id="29" name="Google Shape;29;p7"/>
-          <p:cNvSpPr txBox="1"/>
+          <p:cNvPr id="33" name="Google Shape;33;p8"/>
+          <p:cNvSpPr txBox="1">
+            <a:spLocks noGrp="1"/>
+          </p:cNvSpPr>
           <p:nvPr>
             <p:ph type="title"/>
           </p:nvPr>
         </p:nvSpPr>
         <p:spPr>
           <a:xfrm>
-            <a:off x="311700" y="555600"/>
-            <a:ext cx="2808000" cy="755700"/>
+            <a:off x="490250" y="450150"/>
+            <a:ext cx="6367800" cy="4090800"/>
           </a:xfrm>
           <a:prstGeom prst="rect">
             <a:avLst/>
           </a:prstGeom>
         </p:spPr>
         <p:txBody>
-          <a:bodyPr anchorCtr="0" anchor="b" bIns="91425" lIns="91425" spcFirstLastPara="1" rIns="91425" wrap="square" tIns="91425">
+          <a:bodyPr spcFirstLastPara="1" wrap="square" lIns="91425" tIns="91425" rIns="91425" bIns="91425" anchor="ctr" anchorCtr="0">
             <a:noAutofit/>
           </a:bodyPr>
           <a:lstStyle>
@@ -3451,9 +3429,9 @@
               <a:spcAft>
                 <a:spcPts val="0"/>
               </a:spcAft>
-              <a:buSzPts val="2400"/>
-              <a:buNone/>
-              <a:defRPr sz="2400"/>
+              <a:buSzPts val="4800"/>
+              <a:buNone/>
+              <a:defRPr sz="4800"/>
             </a:lvl1pPr>
             <a:lvl2pPr lvl="1">
               <a:spcBef>
@@ -3462,9 +3440,9 @@
               <a:spcAft>
                 <a:spcPts val="0"/>
               </a:spcAft>
-              <a:buSzPts val="2400"/>
-              <a:buNone/>
-              <a:defRPr sz="2400"/>
+              <a:buSzPts val="4800"/>
+              <a:buNone/>
+              <a:defRPr sz="4800"/>
             </a:lvl2pPr>
             <a:lvl3pPr lvl="2">
               <a:spcBef>
@@ -3473,9 +3451,9 @@
               <a:spcAft>
                 <a:spcPts val="0"/>
               </a:spcAft>
-              <a:buSzPts val="2400"/>
-              <a:buNone/>
-              <a:defRPr sz="2400"/>
+              <a:buSzPts val="4800"/>
+              <a:buNone/>
+              <a:defRPr sz="4800"/>
             </a:lvl3pPr>
             <a:lvl4pPr lvl="3">
               <a:spcBef>
@@ -3484,9 +3462,9 @@
               <a:spcAft>
                 <a:spcPts val="0"/>
               </a:spcAft>
-              <a:buSzPts val="2400"/>
-              <a:buNone/>
-              <a:defRPr sz="2400"/>
+              <a:buSzPts val="4800"/>
+              <a:buNone/>
+              <a:defRPr sz="4800"/>
             </a:lvl4pPr>
             <a:lvl5pPr lvl="4">
               <a:spcBef>
@@ -3495,9 +3473,9 @@
               <a:spcAft>
                 <a:spcPts val="0"/>
               </a:spcAft>
-              <a:buSzPts val="2400"/>
-              <a:buNone/>
-              <a:defRPr sz="2400"/>
+              <a:buSzPts val="4800"/>
+              <a:buNone/>
+              <a:defRPr sz="4800"/>
             </a:lvl5pPr>
             <a:lvl6pPr lvl="5">
               <a:spcBef>
@@ -3506,9 +3484,9 @@
               <a:spcAft>
                 <a:spcPts val="0"/>
               </a:spcAft>
-              <a:buSzPts val="2400"/>
-              <a:buNone/>
-              <a:defRPr sz="2400"/>
+              <a:buSzPts val="4800"/>
+              <a:buNone/>
+              <a:defRPr sz="4800"/>
             </a:lvl6pPr>
             <a:lvl7pPr lvl="6">
               <a:spcBef>
@@ -3517,9 +3495,9 @@
               <a:spcAft>
                 <a:spcPts val="0"/>
               </a:spcAft>
-              <a:buSzPts val="2400"/>
-              <a:buNone/>
-              <a:defRPr sz="2400"/>
+              <a:buSzPts val="4800"/>
+              <a:buNone/>
+              <a:defRPr sz="4800"/>
             </a:lvl7pPr>
             <a:lvl8pPr lvl="7">
               <a:spcBef>
@@ -3528,9 +3506,9 @@
               <a:spcAft>
                 <a:spcPts val="0"/>
               </a:spcAft>
-              <a:buSzPts val="2400"/>
-              <a:buNone/>
-              <a:defRPr sz="2400"/>
+              <a:buSzPts val="4800"/>
+              <a:buNone/>
+              <a:defRPr sz="4800"/>
             </a:lvl8pPr>
             <a:lvl9pPr lvl="8">
               <a:spcBef>
@@ -3539,145 +3517,24 @@
               <a:spcAft>
                 <a:spcPts val="0"/>
               </a:spcAft>
-              <a:buSzPts val="2400"/>
-              <a:buNone/>
-              <a:defRPr sz="2400"/>
+              <a:buSzPts val="4800"/>
+              <a:buNone/>
+              <a:defRPr sz="4800"/>
             </a:lvl9pPr>
           </a:lstStyle>
-          <a:p/>
+          <a:p>
+            <a:endParaRPr/>
+          </a:p>
         </p:txBody>
       </p:sp>
       <p:sp>
         <p:nvSpPr>
-          <p:cNvPr id="30" name="Google Shape;30;p7"/>
-          <p:cNvSpPr txBox="1"/>
+          <p:cNvPr id="34" name="Google Shape;34;p8"/>
+          <p:cNvSpPr txBox="1">
+            <a:spLocks noGrp="1"/>
+          </p:cNvSpPr>
           <p:nvPr>
-            <p:ph idx="1" type="body"/>
-          </p:nvPr>
-        </p:nvSpPr>
-        <p:spPr>
-          <a:xfrm>
-            <a:off x="311700" y="1389600"/>
-            <a:ext cx="2808000" cy="3179400"/>
-          </a:xfrm>
-          <a:prstGeom prst="rect">
-            <a:avLst/>
-          </a:prstGeom>
-        </p:spPr>
-        <p:txBody>
-          <a:bodyPr anchorCtr="0" anchor="t" bIns="91425" lIns="91425" spcFirstLastPara="1" rIns="91425" wrap="square" tIns="91425">
-            <a:noAutofit/>
-          </a:bodyPr>
-          <a:lstStyle>
-            <a:lvl1pPr indent="-304800" lvl="0" marL="457200">
-              <a:spcBef>
-                <a:spcPts val="0"/>
-              </a:spcBef>
-              <a:spcAft>
-                <a:spcPts val="0"/>
-              </a:spcAft>
-              <a:buSzPts val="1200"/>
-              <a:buChar char="●"/>
-              <a:defRPr sz="1200"/>
-            </a:lvl1pPr>
-            <a:lvl2pPr indent="-304800" lvl="1" marL="914400">
-              <a:spcBef>
-                <a:spcPts val="1600"/>
-              </a:spcBef>
-              <a:spcAft>
-                <a:spcPts val="0"/>
-              </a:spcAft>
-              <a:buSzPts val="1200"/>
-              <a:buChar char="○"/>
-              <a:defRPr sz="1200"/>
-            </a:lvl2pPr>
-            <a:lvl3pPr indent="-304800" lvl="2" marL="1371600">
-              <a:spcBef>
-                <a:spcPts val="1600"/>
-              </a:spcBef>
-              <a:spcAft>
-                <a:spcPts val="0"/>
-              </a:spcAft>
-              <a:buSzPts val="1200"/>
-              <a:buChar char="■"/>
-              <a:defRPr sz="1200"/>
-            </a:lvl3pPr>
-            <a:lvl4pPr indent="-304800" lvl="3" marL="1828800">
-              <a:spcBef>
-                <a:spcPts val="1600"/>
-              </a:spcBef>
-              <a:spcAft>
-                <a:spcPts val="0"/>
-              </a:spcAft>
-              <a:buSzPts val="1200"/>
-              <a:buChar char="●"/>
-              <a:defRPr sz="1200"/>
-            </a:lvl4pPr>
-            <a:lvl5pPr indent="-304800" lvl="4" marL="2286000">
-              <a:spcBef>
-                <a:spcPts val="1600"/>
-              </a:spcBef>
-              <a:spcAft>
-                <a:spcPts val="0"/>
-              </a:spcAft>
-              <a:buSzPts val="1200"/>
-              <a:buChar char="○"/>
-              <a:defRPr sz="1200"/>
-            </a:lvl5pPr>
-            <a:lvl6pPr indent="-304800" lvl="5" marL="2743200">
-              <a:spcBef>
-                <a:spcPts val="1600"/>
-              </a:spcBef>
-              <a:spcAft>
-                <a:spcPts val="0"/>
-              </a:spcAft>
-              <a:buSzPts val="1200"/>
-              <a:buChar char="■"/>
-              <a:defRPr sz="1200"/>
-            </a:lvl6pPr>
-            <a:lvl7pPr indent="-304800" lvl="6" marL="3200400">
-              <a:spcBef>
-                <a:spcPts val="1600"/>
-              </a:spcBef>
-              <a:spcAft>
-                <a:spcPts val="0"/>
-              </a:spcAft>
-              <a:buSzPts val="1200"/>
-              <a:buChar char="●"/>
-              <a:defRPr sz="1200"/>
-            </a:lvl7pPr>
-            <a:lvl8pPr indent="-304800" lvl="7" marL="3657600">
-              <a:spcBef>
-                <a:spcPts val="1600"/>
-              </a:spcBef>
-              <a:spcAft>
-                <a:spcPts val="0"/>
-              </a:spcAft>
-              <a:buSzPts val="1200"/>
-              <a:buChar char="○"/>
-              <a:defRPr sz="1200"/>
-            </a:lvl8pPr>
-            <a:lvl9pPr indent="-304800" lvl="8" marL="4114800">
-              <a:spcBef>
-                <a:spcPts val="1600"/>
-              </a:spcBef>
-              <a:spcAft>
-                <a:spcPts val="1600"/>
-              </a:spcAft>
-              <a:buSzPts val="1200"/>
-              <a:buChar char="■"/>
-              <a:defRPr sz="1200"/>
-            </a:lvl9pPr>
-          </a:lstStyle>
-          <a:p/>
-        </p:txBody>
-      </p:sp>
-      <p:sp>
-        <p:nvSpPr>
-          <p:cNvPr id="31" name="Google Shape;31;p7"/>
-          <p:cNvSpPr txBox="1"/>
-          <p:nvPr>
-            <p:ph idx="12" type="sldNum"/>
+            <p:ph type="sldNum" idx="12"/>
           </p:nvPr>
         </p:nvSpPr>
         <p:spPr>
@@ -3690,7 +3547,7 @@
           </a:prstGeom>
         </p:spPr>
         <p:txBody>
-          <a:bodyPr anchorCtr="0" anchor="ctr" bIns="91425" lIns="91425" spcFirstLastPara="1" rIns="91425" wrap="square" tIns="91425">
+          <a:bodyPr spcFirstLastPara="1" wrap="square" lIns="91425" tIns="91425" rIns="91425" bIns="91425" anchor="ctr" anchorCtr="0">
             <a:noAutofit/>
           </a:bodyPr>
           <a:lstStyle>
@@ -3732,7 +3589,7 @@
             </a:lvl9pPr>
           </a:lstStyle>
           <a:p>
-            <a:pPr indent="0" lvl="0" marL="0" rtl="0" algn="r">
+            <a:pPr marL="0" lvl="0" indent="0" algn="r" rtl="0">
               <a:spcBef>
                 <a:spcPts val="0"/>
               </a:spcBef>
@@ -3758,238 +3615,11 @@
 </file>
 
 <file path=ppt/slideLayouts/slideLayout7.xml><?xml version="1.0" encoding="utf-8"?>
-<p:sldLayout xmlns:a="http://schemas.openxmlformats.org/drawingml/2006/main" xmlns:r="http://schemas.openxmlformats.org/officeDocument/2006/relationships" xmlns:mc="http://schemas.openxmlformats.org/markup-compatibility/2006" xmlns:mv="urn:schemas-microsoft-com:mac:vml" xmlns:p="http://schemas.openxmlformats.org/presentationml/2006/main" xmlns:c="http://schemas.openxmlformats.org/drawingml/2006/chart" xmlns:dgm="http://schemas.openxmlformats.org/drawingml/2006/diagram" xmlns:o="urn:schemas-microsoft-com:office:office" xmlns:v="urn:schemas-microsoft-com:vml" xmlns:pvml="urn:schemas-microsoft-com:office:powerpoint" xmlns:com="http://schemas.openxmlformats.org/drawingml/2006/compatibility" xmlns:p14="http://schemas.microsoft.com/office/powerpoint/2010/main" xmlns:p15="http://schemas.microsoft.com/office/powerpoint/2012/main" xmlns:ahyp="http://schemas.microsoft.com/office/drawing/2018/hyperlinkcolor" matchingName="Main point">
-  <p:cSld name="MAIN_POINT">
-    <p:spTree>
-      <p:nvGrpSpPr>
-        <p:cNvPr id="32" name="Shape 32"/>
-        <p:cNvGrpSpPr/>
-        <p:nvPr/>
-      </p:nvGrpSpPr>
-      <p:grpSpPr>
-        <a:xfrm>
-          <a:off x="0" y="0"/>
-          <a:ext cx="0" cy="0"/>
-          <a:chOff x="0" y="0"/>
-          <a:chExt cx="0" cy="0"/>
-        </a:xfrm>
-      </p:grpSpPr>
-      <p:sp>
-        <p:nvSpPr>
-          <p:cNvPr id="33" name="Google Shape;33;p8"/>
-          <p:cNvSpPr txBox="1"/>
-          <p:nvPr>
-            <p:ph type="title"/>
-          </p:nvPr>
-        </p:nvSpPr>
-        <p:spPr>
-          <a:xfrm>
-            <a:off x="490250" y="450150"/>
-            <a:ext cx="6367800" cy="4090800"/>
-          </a:xfrm>
-          <a:prstGeom prst="rect">
-            <a:avLst/>
-          </a:prstGeom>
-        </p:spPr>
-        <p:txBody>
-          <a:bodyPr anchorCtr="0" anchor="ctr" bIns="91425" lIns="91425" spcFirstLastPara="1" rIns="91425" wrap="square" tIns="91425">
-            <a:noAutofit/>
-          </a:bodyPr>
-          <a:lstStyle>
-            <a:lvl1pPr lvl="0">
-              <a:spcBef>
-                <a:spcPts val="0"/>
-              </a:spcBef>
-              <a:spcAft>
-                <a:spcPts val="0"/>
-              </a:spcAft>
-              <a:buSzPts val="4800"/>
-              <a:buNone/>
-              <a:defRPr sz="4800"/>
-            </a:lvl1pPr>
-            <a:lvl2pPr lvl="1">
-              <a:spcBef>
-                <a:spcPts val="0"/>
-              </a:spcBef>
-              <a:spcAft>
-                <a:spcPts val="0"/>
-              </a:spcAft>
-              <a:buSzPts val="4800"/>
-              <a:buNone/>
-              <a:defRPr sz="4800"/>
-            </a:lvl2pPr>
-            <a:lvl3pPr lvl="2">
-              <a:spcBef>
-                <a:spcPts val="0"/>
-              </a:spcBef>
-              <a:spcAft>
-                <a:spcPts val="0"/>
-              </a:spcAft>
-              <a:buSzPts val="4800"/>
-              <a:buNone/>
-              <a:defRPr sz="4800"/>
-            </a:lvl3pPr>
-            <a:lvl4pPr lvl="3">
-              <a:spcBef>
-                <a:spcPts val="0"/>
-              </a:spcBef>
-              <a:spcAft>
-                <a:spcPts val="0"/>
-              </a:spcAft>
-              <a:buSzPts val="4800"/>
-              <a:buNone/>
-              <a:defRPr sz="4800"/>
-            </a:lvl4pPr>
-            <a:lvl5pPr lvl="4">
-              <a:spcBef>
-                <a:spcPts val="0"/>
-              </a:spcBef>
-              <a:spcAft>
-                <a:spcPts val="0"/>
-              </a:spcAft>
-              <a:buSzPts val="4800"/>
-              <a:buNone/>
-              <a:defRPr sz="4800"/>
-            </a:lvl5pPr>
-            <a:lvl6pPr lvl="5">
-              <a:spcBef>
-                <a:spcPts val="0"/>
-              </a:spcBef>
-              <a:spcAft>
-                <a:spcPts val="0"/>
-              </a:spcAft>
-              <a:buSzPts val="4800"/>
-              <a:buNone/>
-              <a:defRPr sz="4800"/>
-            </a:lvl6pPr>
-            <a:lvl7pPr lvl="6">
-              <a:spcBef>
-                <a:spcPts val="0"/>
-              </a:spcBef>
-              <a:spcAft>
-                <a:spcPts val="0"/>
-              </a:spcAft>
-              <a:buSzPts val="4800"/>
-              <a:buNone/>
-              <a:defRPr sz="4800"/>
-            </a:lvl7pPr>
-            <a:lvl8pPr lvl="7">
-              <a:spcBef>
-                <a:spcPts val="0"/>
-              </a:spcBef>
-              <a:spcAft>
-                <a:spcPts val="0"/>
-              </a:spcAft>
-              <a:buSzPts val="4800"/>
-              <a:buNone/>
-              <a:defRPr sz="4800"/>
-            </a:lvl8pPr>
-            <a:lvl9pPr lvl="8">
-              <a:spcBef>
-                <a:spcPts val="0"/>
-              </a:spcBef>
-              <a:spcAft>
-                <a:spcPts val="0"/>
-              </a:spcAft>
-              <a:buSzPts val="4800"/>
-              <a:buNone/>
-              <a:defRPr sz="4800"/>
-            </a:lvl9pPr>
-          </a:lstStyle>
-          <a:p/>
-        </p:txBody>
-      </p:sp>
-      <p:sp>
-        <p:nvSpPr>
-          <p:cNvPr id="34" name="Google Shape;34;p8"/>
-          <p:cNvSpPr txBox="1"/>
-          <p:nvPr>
-            <p:ph idx="12" type="sldNum"/>
-          </p:nvPr>
-        </p:nvSpPr>
-        <p:spPr>
-          <a:xfrm>
-            <a:off x="8472458" y="4663217"/>
-            <a:ext cx="548700" cy="393600"/>
-          </a:xfrm>
-          <a:prstGeom prst="rect">
-            <a:avLst/>
-          </a:prstGeom>
-        </p:spPr>
-        <p:txBody>
-          <a:bodyPr anchorCtr="0" anchor="ctr" bIns="91425" lIns="91425" spcFirstLastPara="1" rIns="91425" wrap="square" tIns="91425">
-            <a:noAutofit/>
-          </a:bodyPr>
-          <a:lstStyle>
-            <a:lvl1pPr lvl="0">
-              <a:buNone/>
-              <a:defRPr/>
-            </a:lvl1pPr>
-            <a:lvl2pPr lvl="1">
-              <a:buNone/>
-              <a:defRPr/>
-            </a:lvl2pPr>
-            <a:lvl3pPr lvl="2">
-              <a:buNone/>
-              <a:defRPr/>
-            </a:lvl3pPr>
-            <a:lvl4pPr lvl="3">
-              <a:buNone/>
-              <a:defRPr/>
-            </a:lvl4pPr>
-            <a:lvl5pPr lvl="4">
-              <a:buNone/>
-              <a:defRPr/>
-            </a:lvl5pPr>
-            <a:lvl6pPr lvl="5">
-              <a:buNone/>
-              <a:defRPr/>
-            </a:lvl6pPr>
-            <a:lvl7pPr lvl="6">
-              <a:buNone/>
-              <a:defRPr/>
-            </a:lvl7pPr>
-            <a:lvl8pPr lvl="7">
-              <a:buNone/>
-              <a:defRPr/>
-            </a:lvl8pPr>
-            <a:lvl9pPr lvl="8">
-              <a:buNone/>
-              <a:defRPr/>
-            </a:lvl9pPr>
-          </a:lstStyle>
-          <a:p>
-            <a:pPr indent="0" lvl="0" marL="0" rtl="0" algn="r">
-              <a:spcBef>
-                <a:spcPts val="0"/>
-              </a:spcBef>
-              <a:spcAft>
-                <a:spcPts val="0"/>
-              </a:spcAft>
-              <a:buNone/>
-            </a:pPr>
-            <a:fld id="{00000000-1234-1234-1234-123412341234}" type="slidenum">
-              <a:rPr lang="en"/>
-              <a:t>‹#›</a:t>
-            </a:fld>
-            <a:endParaRPr/>
-          </a:p>
-        </p:txBody>
-      </p:sp>
-    </p:spTree>
-  </p:cSld>
-  <p:clrMapOvr>
-    <a:masterClrMapping/>
-  </p:clrMapOvr>
-</p:sldLayout>
-</file>
-
-<file path=ppt/slideLayouts/slideLayout8.xml><?xml version="1.0" encoding="utf-8"?>
-<p:sldLayout xmlns:a="http://schemas.openxmlformats.org/drawingml/2006/main" xmlns:r="http://schemas.openxmlformats.org/officeDocument/2006/relationships" xmlns:mc="http://schemas.openxmlformats.org/markup-compatibility/2006" xmlns:mv="urn:schemas-microsoft-com:mac:vml" xmlns:p="http://schemas.openxmlformats.org/presentationml/2006/main" xmlns:c="http://schemas.openxmlformats.org/drawingml/2006/chart" xmlns:dgm="http://schemas.openxmlformats.org/drawingml/2006/diagram" xmlns:o="urn:schemas-microsoft-com:office:office" xmlns:v="urn:schemas-microsoft-com:vml" xmlns:pvml="urn:schemas-microsoft-com:office:powerpoint" xmlns:com="http://schemas.openxmlformats.org/drawingml/2006/compatibility" xmlns:p14="http://schemas.microsoft.com/office/powerpoint/2010/main" xmlns:p15="http://schemas.microsoft.com/office/powerpoint/2012/main" xmlns:ahyp="http://schemas.microsoft.com/office/drawing/2018/hyperlinkcolor" matchingName="Section title and description">
+<p:sldLayout xmlns:a="http://schemas.openxmlformats.org/drawingml/2006/main" xmlns:r="http://schemas.openxmlformats.org/officeDocument/2006/relationships" xmlns:p="http://schemas.openxmlformats.org/presentationml/2006/main" matchingName="Section title and description">
   <p:cSld name="SECTION_TITLE_AND_DESCRIPTION">
     <p:spTree>
       <p:nvGrpSpPr>
-        <p:cNvPr id="35" name="Shape 35"/>
+        <p:cNvPr id="1" name="Shape 35"/>
         <p:cNvGrpSpPr/>
         <p:nvPr/>
       </p:nvGrpSpPr>
@@ -4023,12 +3653,12 @@
           </a:ln>
         </p:spPr>
         <p:txBody>
-          <a:bodyPr anchorCtr="0" anchor="ctr" bIns="91425" lIns="91425" spcFirstLastPara="1" rIns="91425" wrap="square" tIns="91425">
+          <a:bodyPr spcFirstLastPara="1" wrap="square" lIns="91425" tIns="91425" rIns="91425" bIns="91425" anchor="ctr" anchorCtr="0">
             <a:noAutofit/>
           </a:bodyPr>
           <a:lstStyle/>
           <a:p>
-            <a:pPr indent="0" lvl="0" marL="0" rtl="0" algn="l">
+            <a:pPr marL="0" lvl="0" indent="0" algn="l" rtl="0">
               <a:spcBef>
                 <a:spcPts val="0"/>
               </a:spcBef>
@@ -4037,9 +3667,6 @@
               </a:spcAft>
               <a:buNone/>
             </a:pPr>
-            <a:r>
-              <a:t/>
-            </a:r>
             <a:endParaRPr/>
           </a:p>
         </p:txBody>
@@ -4047,7 +3674,9 @@
       <p:sp>
         <p:nvSpPr>
           <p:cNvPr id="37" name="Google Shape;37;p9"/>
-          <p:cNvSpPr txBox="1"/>
+          <p:cNvSpPr txBox="1">
+            <a:spLocks noGrp="1"/>
+          </p:cNvSpPr>
           <p:nvPr>
             <p:ph type="title"/>
           </p:nvPr>
@@ -4062,7 +3691,7 @@
           </a:prstGeom>
         </p:spPr>
         <p:txBody>
-          <a:bodyPr anchorCtr="0" anchor="b" bIns="91425" lIns="91425" spcFirstLastPara="1" rIns="91425" wrap="square" tIns="91425">
+          <a:bodyPr spcFirstLastPara="1" wrap="square" lIns="91425" tIns="91425" rIns="91425" bIns="91425" anchor="b" anchorCtr="0">
             <a:noAutofit/>
           </a:bodyPr>
           <a:lstStyle>
@@ -4166,15 +3795,19 @@
               <a:defRPr sz="4200"/>
             </a:lvl9pPr>
           </a:lstStyle>
-          <a:p/>
+          <a:p>
+            <a:endParaRPr/>
+          </a:p>
         </p:txBody>
       </p:sp>
       <p:sp>
         <p:nvSpPr>
           <p:cNvPr id="38" name="Google Shape;38;p9"/>
-          <p:cNvSpPr txBox="1"/>
+          <p:cNvSpPr txBox="1">
+            <a:spLocks noGrp="1"/>
+          </p:cNvSpPr>
           <p:nvPr>
-            <p:ph idx="1" type="subTitle"/>
+            <p:ph type="subTitle" idx="1"/>
           </p:nvPr>
         </p:nvSpPr>
         <p:spPr>
@@ -4187,7 +3820,7 @@
           </a:prstGeom>
         </p:spPr>
         <p:txBody>
-          <a:bodyPr anchorCtr="0" anchor="t" bIns="91425" lIns="91425" spcFirstLastPara="1" rIns="91425" wrap="square" tIns="91425">
+          <a:bodyPr spcFirstLastPara="1" wrap="square" lIns="91425" tIns="91425" rIns="91425" bIns="91425" anchor="t" anchorCtr="0">
             <a:noAutofit/>
           </a:bodyPr>
           <a:lstStyle>
@@ -4318,15 +3951,19 @@
               <a:defRPr sz="2100"/>
             </a:lvl9pPr>
           </a:lstStyle>
-          <a:p/>
+          <a:p>
+            <a:endParaRPr/>
+          </a:p>
         </p:txBody>
       </p:sp>
       <p:sp>
         <p:nvSpPr>
           <p:cNvPr id="39" name="Google Shape;39;p9"/>
-          <p:cNvSpPr txBox="1"/>
+          <p:cNvSpPr txBox="1">
+            <a:spLocks noGrp="1"/>
+          </p:cNvSpPr>
           <p:nvPr>
-            <p:ph idx="2" type="body"/>
+            <p:ph type="body" idx="2"/>
           </p:nvPr>
         </p:nvSpPr>
         <p:spPr>
@@ -4339,11 +3976,11 @@
           </a:prstGeom>
         </p:spPr>
         <p:txBody>
-          <a:bodyPr anchorCtr="0" anchor="ctr" bIns="91425" lIns="91425" spcFirstLastPara="1" rIns="91425" wrap="square" tIns="91425">
+          <a:bodyPr spcFirstLastPara="1" wrap="square" lIns="91425" tIns="91425" rIns="91425" bIns="91425" anchor="ctr" anchorCtr="0">
             <a:noAutofit/>
           </a:bodyPr>
           <a:lstStyle>
-            <a:lvl1pPr indent="-342900" lvl="0" marL="457200">
+            <a:lvl1pPr marL="457200" lvl="0" indent="-342900">
               <a:spcBef>
                 <a:spcPts val="0"/>
               </a:spcBef>
@@ -4354,7 +3991,7 @@
               <a:buChar char="●"/>
               <a:defRPr/>
             </a:lvl1pPr>
-            <a:lvl2pPr indent="-317500" lvl="1" marL="914400">
+            <a:lvl2pPr marL="914400" lvl="1" indent="-317500">
               <a:spcBef>
                 <a:spcPts val="1600"/>
               </a:spcBef>
@@ -4365,7 +4002,7 @@
               <a:buChar char="○"/>
               <a:defRPr/>
             </a:lvl2pPr>
-            <a:lvl3pPr indent="-317500" lvl="2" marL="1371600">
+            <a:lvl3pPr marL="1371600" lvl="2" indent="-317500">
               <a:spcBef>
                 <a:spcPts val="1600"/>
               </a:spcBef>
@@ -4376,7 +4013,7 @@
               <a:buChar char="■"/>
               <a:defRPr/>
             </a:lvl3pPr>
-            <a:lvl4pPr indent="-317500" lvl="3" marL="1828800">
+            <a:lvl4pPr marL="1828800" lvl="3" indent="-317500">
               <a:spcBef>
                 <a:spcPts val="1600"/>
               </a:spcBef>
@@ -4387,7 +4024,7 @@
               <a:buChar char="●"/>
               <a:defRPr/>
             </a:lvl4pPr>
-            <a:lvl5pPr indent="-317500" lvl="4" marL="2286000">
+            <a:lvl5pPr marL="2286000" lvl="4" indent="-317500">
               <a:spcBef>
                 <a:spcPts val="1600"/>
               </a:spcBef>
@@ -4398,7 +4035,7 @@
               <a:buChar char="○"/>
               <a:defRPr/>
             </a:lvl5pPr>
-            <a:lvl6pPr indent="-317500" lvl="5" marL="2743200">
+            <a:lvl6pPr marL="2743200" lvl="5" indent="-317500">
               <a:spcBef>
                 <a:spcPts val="1600"/>
               </a:spcBef>
@@ -4409,7 +4046,7 @@
               <a:buChar char="■"/>
               <a:defRPr/>
             </a:lvl6pPr>
-            <a:lvl7pPr indent="-317500" lvl="6" marL="3200400">
+            <a:lvl7pPr marL="3200400" lvl="6" indent="-317500">
               <a:spcBef>
                 <a:spcPts val="1600"/>
               </a:spcBef>
@@ -4420,7 +4057,7 @@
               <a:buChar char="●"/>
               <a:defRPr/>
             </a:lvl7pPr>
-            <a:lvl8pPr indent="-317500" lvl="7" marL="3657600">
+            <a:lvl8pPr marL="3657600" lvl="7" indent="-317500">
               <a:spcBef>
                 <a:spcPts val="1600"/>
               </a:spcBef>
@@ -4431,7 +4068,7 @@
               <a:buChar char="○"/>
               <a:defRPr/>
             </a:lvl8pPr>
-            <a:lvl9pPr indent="-317500" lvl="8" marL="4114800">
+            <a:lvl9pPr marL="4114800" lvl="8" indent="-317500">
               <a:spcBef>
                 <a:spcPts val="1600"/>
               </a:spcBef>
@@ -4443,15 +4080,19 @@
               <a:defRPr/>
             </a:lvl9pPr>
           </a:lstStyle>
-          <a:p/>
+          <a:p>
+            <a:endParaRPr/>
+          </a:p>
         </p:txBody>
       </p:sp>
       <p:sp>
         <p:nvSpPr>
           <p:cNvPr id="40" name="Google Shape;40;p9"/>
-          <p:cNvSpPr txBox="1"/>
+          <p:cNvSpPr txBox="1">
+            <a:spLocks noGrp="1"/>
+          </p:cNvSpPr>
           <p:nvPr>
-            <p:ph idx="12" type="sldNum"/>
+            <p:ph type="sldNum" idx="12"/>
           </p:nvPr>
         </p:nvSpPr>
         <p:spPr>
@@ -4464,7 +4105,7 @@
           </a:prstGeom>
         </p:spPr>
         <p:txBody>
-          <a:bodyPr anchorCtr="0" anchor="ctr" bIns="91425" lIns="91425" spcFirstLastPara="1" rIns="91425" wrap="square" tIns="91425">
+          <a:bodyPr spcFirstLastPara="1" wrap="square" lIns="91425" tIns="91425" rIns="91425" bIns="91425" anchor="ctr" anchorCtr="0">
             <a:noAutofit/>
           </a:bodyPr>
           <a:lstStyle>
@@ -4506,7 +4147,155 @@
             </a:lvl9pPr>
           </a:lstStyle>
           <a:p>
-            <a:pPr indent="0" lvl="0" marL="0" rtl="0" algn="r">
+            <a:pPr marL="0" lvl="0" indent="0" algn="r" rtl="0">
+              <a:spcBef>
+                <a:spcPts val="0"/>
+              </a:spcBef>
+              <a:spcAft>
+                <a:spcPts val="0"/>
+              </a:spcAft>
+              <a:buNone/>
+            </a:pPr>
+            <a:fld id="{00000000-1234-1234-1234-123412341234}" type="slidenum">
+              <a:rPr lang="en"/>
+              <a:t>‹#›</a:t>
+            </a:fld>
+            <a:endParaRPr/>
+          </a:p>
+        </p:txBody>
+      </p:sp>
+    </p:spTree>
+  </p:cSld>
+  <p:clrMapOvr>
+    <a:masterClrMapping/>
+  </p:clrMapOvr>
+</p:sldLayout>
+</file>
+
+<file path=ppt/slideLayouts/slideLayout8.xml><?xml version="1.0" encoding="utf-8"?>
+<p:sldLayout xmlns:a="http://schemas.openxmlformats.org/drawingml/2006/main" xmlns:r="http://schemas.openxmlformats.org/officeDocument/2006/relationships" xmlns:p="http://schemas.openxmlformats.org/presentationml/2006/main" matchingName="Caption">
+  <p:cSld name="CAPTION_ONLY">
+    <p:spTree>
+      <p:nvGrpSpPr>
+        <p:cNvPr id="1" name="Shape 41"/>
+        <p:cNvGrpSpPr/>
+        <p:nvPr/>
+      </p:nvGrpSpPr>
+      <p:grpSpPr>
+        <a:xfrm>
+          <a:off x="0" y="0"/>
+          <a:ext cx="0" cy="0"/>
+          <a:chOff x="0" y="0"/>
+          <a:chExt cx="0" cy="0"/>
+        </a:xfrm>
+      </p:grpSpPr>
+      <p:sp>
+        <p:nvSpPr>
+          <p:cNvPr id="42" name="Google Shape;42;p10"/>
+          <p:cNvSpPr txBox="1">
+            <a:spLocks noGrp="1"/>
+          </p:cNvSpPr>
+          <p:nvPr>
+            <p:ph type="body" idx="1"/>
+          </p:nvPr>
+        </p:nvSpPr>
+        <p:spPr>
+          <a:xfrm>
+            <a:off x="311700" y="4230575"/>
+            <a:ext cx="5998800" cy="605100"/>
+          </a:xfrm>
+          <a:prstGeom prst="rect">
+            <a:avLst/>
+          </a:prstGeom>
+        </p:spPr>
+        <p:txBody>
+          <a:bodyPr spcFirstLastPara="1" wrap="square" lIns="91425" tIns="91425" rIns="91425" bIns="91425" anchor="ctr" anchorCtr="0">
+            <a:noAutofit/>
+          </a:bodyPr>
+          <a:lstStyle>
+            <a:lvl1pPr marL="457200" lvl="0" indent="-228600">
+              <a:lnSpc>
+                <a:spcPct val="100000"/>
+              </a:lnSpc>
+              <a:spcBef>
+                <a:spcPts val="0"/>
+              </a:spcBef>
+              <a:spcAft>
+                <a:spcPts val="0"/>
+              </a:spcAft>
+              <a:buSzPts val="1800"/>
+              <a:buNone/>
+              <a:defRPr/>
+            </a:lvl1pPr>
+          </a:lstStyle>
+          <a:p>
+            <a:endParaRPr/>
+          </a:p>
+        </p:txBody>
+      </p:sp>
+      <p:sp>
+        <p:nvSpPr>
+          <p:cNvPr id="43" name="Google Shape;43;p10"/>
+          <p:cNvSpPr txBox="1">
+            <a:spLocks noGrp="1"/>
+          </p:cNvSpPr>
+          <p:nvPr>
+            <p:ph type="sldNum" idx="12"/>
+          </p:nvPr>
+        </p:nvSpPr>
+        <p:spPr>
+          <a:xfrm>
+            <a:off x="8472458" y="4663217"/>
+            <a:ext cx="548700" cy="393600"/>
+          </a:xfrm>
+          <a:prstGeom prst="rect">
+            <a:avLst/>
+          </a:prstGeom>
+        </p:spPr>
+        <p:txBody>
+          <a:bodyPr spcFirstLastPara="1" wrap="square" lIns="91425" tIns="91425" rIns="91425" bIns="91425" anchor="ctr" anchorCtr="0">
+            <a:noAutofit/>
+          </a:bodyPr>
+          <a:lstStyle>
+            <a:lvl1pPr lvl="0">
+              <a:buNone/>
+              <a:defRPr/>
+            </a:lvl1pPr>
+            <a:lvl2pPr lvl="1">
+              <a:buNone/>
+              <a:defRPr/>
+            </a:lvl2pPr>
+            <a:lvl3pPr lvl="2">
+              <a:buNone/>
+              <a:defRPr/>
+            </a:lvl3pPr>
+            <a:lvl4pPr lvl="3">
+              <a:buNone/>
+              <a:defRPr/>
+            </a:lvl4pPr>
+            <a:lvl5pPr lvl="4">
+              <a:buNone/>
+              <a:defRPr/>
+            </a:lvl5pPr>
+            <a:lvl6pPr lvl="5">
+              <a:buNone/>
+              <a:defRPr/>
+            </a:lvl6pPr>
+            <a:lvl7pPr lvl="6">
+              <a:buNone/>
+              <a:defRPr/>
+            </a:lvl7pPr>
+            <a:lvl8pPr lvl="7">
+              <a:buNone/>
+              <a:defRPr/>
+            </a:lvl8pPr>
+            <a:lvl9pPr lvl="8">
+              <a:buNone/>
+              <a:defRPr/>
+            </a:lvl9pPr>
+          </a:lstStyle>
+          <a:p>
+            <a:pPr marL="0" lvl="0" indent="0" algn="r" rtl="0">
               <a:spcBef>
                 <a:spcPts val="0"/>
               </a:spcBef>
@@ -4532,11 +4321,11 @@
 </file>
 
 <file path=ppt/slideLayouts/slideLayout9.xml><?xml version="1.0" encoding="utf-8"?>
-<p:sldLayout xmlns:a="http://schemas.openxmlformats.org/drawingml/2006/main" xmlns:r="http://schemas.openxmlformats.org/officeDocument/2006/relationships" xmlns:mc="http://schemas.openxmlformats.org/markup-compatibility/2006" xmlns:mv="urn:schemas-microsoft-com:mac:vml" xmlns:p="http://schemas.openxmlformats.org/presentationml/2006/main" xmlns:c="http://schemas.openxmlformats.org/drawingml/2006/chart" xmlns:dgm="http://schemas.openxmlformats.org/drawingml/2006/diagram" xmlns:o="urn:schemas-microsoft-com:office:office" xmlns:v="urn:schemas-microsoft-com:vml" xmlns:pvml="urn:schemas-microsoft-com:office:powerpoint" xmlns:com="http://schemas.openxmlformats.org/drawingml/2006/compatibility" xmlns:p14="http://schemas.microsoft.com/office/powerpoint/2010/main" xmlns:p15="http://schemas.microsoft.com/office/powerpoint/2012/main" xmlns:ahyp="http://schemas.microsoft.com/office/drawing/2018/hyperlinkcolor" matchingName="Caption">
-  <p:cSld name="CAPTION_ONLY">
+<p:sldLayout xmlns:a="http://schemas.openxmlformats.org/drawingml/2006/main" xmlns:r="http://schemas.openxmlformats.org/officeDocument/2006/relationships" xmlns:p="http://schemas.openxmlformats.org/presentationml/2006/main" matchingName="Big number">
+  <p:cSld name="BIG_NUMBER">
     <p:spTree>
       <p:nvGrpSpPr>
-        <p:cNvPr id="41" name="Shape 41"/>
+        <p:cNvPr id="1" name="Shape 44"/>
         <p:cNvGrpSpPr/>
         <p:nvPr/>
       </p:nvGrpSpPr>
@@ -4550,50 +4339,272 @@
       </p:grpSpPr>
       <p:sp>
         <p:nvSpPr>
-          <p:cNvPr id="42" name="Google Shape;42;p10"/>
-          <p:cNvSpPr txBox="1"/>
+          <p:cNvPr id="45" name="Google Shape;45;p11"/>
+          <p:cNvSpPr txBox="1">
+            <a:spLocks noGrp="1"/>
+          </p:cNvSpPr>
           <p:nvPr>
-            <p:ph idx="1" type="body"/>
+            <p:ph type="title" hasCustomPrompt="1"/>
           </p:nvPr>
         </p:nvSpPr>
         <p:spPr>
           <a:xfrm>
-            <a:off x="311700" y="4230575"/>
-            <a:ext cx="5998800" cy="605100"/>
+            <a:off x="311700" y="1106125"/>
+            <a:ext cx="8520600" cy="1963500"/>
           </a:xfrm>
           <a:prstGeom prst="rect">
             <a:avLst/>
           </a:prstGeom>
         </p:spPr>
         <p:txBody>
-          <a:bodyPr anchorCtr="0" anchor="ctr" bIns="91425" lIns="91425" spcFirstLastPara="1" rIns="91425" wrap="square" tIns="91425">
+          <a:bodyPr spcFirstLastPara="1" wrap="square" lIns="91425" tIns="91425" rIns="91425" bIns="91425" anchor="b" anchorCtr="0">
             <a:noAutofit/>
           </a:bodyPr>
           <a:lstStyle>
-            <a:lvl1pPr indent="-228600" lvl="0" marL="457200">
-              <a:lnSpc>
-                <a:spcPct val="100000"/>
-              </a:lnSpc>
-              <a:spcBef>
-                <a:spcPts val="0"/>
-              </a:spcBef>
-              <a:spcAft>
-                <a:spcPts val="0"/>
-              </a:spcAft>
-              <a:buSzPts val="1800"/>
-              <a:buNone/>
-              <a:defRPr/>
+            <a:lvl1pPr lvl="0" algn="ctr">
+              <a:spcBef>
+                <a:spcPts val="0"/>
+              </a:spcBef>
+              <a:spcAft>
+                <a:spcPts val="0"/>
+              </a:spcAft>
+              <a:buSzPts val="12000"/>
+              <a:buNone/>
+              <a:defRPr sz="12000"/>
             </a:lvl1pPr>
+            <a:lvl2pPr lvl="1" algn="ctr">
+              <a:spcBef>
+                <a:spcPts val="0"/>
+              </a:spcBef>
+              <a:spcAft>
+                <a:spcPts val="0"/>
+              </a:spcAft>
+              <a:buSzPts val="12000"/>
+              <a:buNone/>
+              <a:defRPr sz="12000"/>
+            </a:lvl2pPr>
+            <a:lvl3pPr lvl="2" algn="ctr">
+              <a:spcBef>
+                <a:spcPts val="0"/>
+              </a:spcBef>
+              <a:spcAft>
+                <a:spcPts val="0"/>
+              </a:spcAft>
+              <a:buSzPts val="12000"/>
+              <a:buNone/>
+              <a:defRPr sz="12000"/>
+            </a:lvl3pPr>
+            <a:lvl4pPr lvl="3" algn="ctr">
+              <a:spcBef>
+                <a:spcPts val="0"/>
+              </a:spcBef>
+              <a:spcAft>
+                <a:spcPts val="0"/>
+              </a:spcAft>
+              <a:buSzPts val="12000"/>
+              <a:buNone/>
+              <a:defRPr sz="12000"/>
+            </a:lvl4pPr>
+            <a:lvl5pPr lvl="4" algn="ctr">
+              <a:spcBef>
+                <a:spcPts val="0"/>
+              </a:spcBef>
+              <a:spcAft>
+                <a:spcPts val="0"/>
+              </a:spcAft>
+              <a:buSzPts val="12000"/>
+              <a:buNone/>
+              <a:defRPr sz="12000"/>
+            </a:lvl5pPr>
+            <a:lvl6pPr lvl="5" algn="ctr">
+              <a:spcBef>
+                <a:spcPts val="0"/>
+              </a:spcBef>
+              <a:spcAft>
+                <a:spcPts val="0"/>
+              </a:spcAft>
+              <a:buSzPts val="12000"/>
+              <a:buNone/>
+              <a:defRPr sz="12000"/>
+            </a:lvl6pPr>
+            <a:lvl7pPr lvl="6" algn="ctr">
+              <a:spcBef>
+                <a:spcPts val="0"/>
+              </a:spcBef>
+              <a:spcAft>
+                <a:spcPts val="0"/>
+              </a:spcAft>
+              <a:buSzPts val="12000"/>
+              <a:buNone/>
+              <a:defRPr sz="12000"/>
+            </a:lvl7pPr>
+            <a:lvl8pPr lvl="7" algn="ctr">
+              <a:spcBef>
+                <a:spcPts val="0"/>
+              </a:spcBef>
+              <a:spcAft>
+                <a:spcPts val="0"/>
+              </a:spcAft>
+              <a:buSzPts val="12000"/>
+              <a:buNone/>
+              <a:defRPr sz="12000"/>
+            </a:lvl8pPr>
+            <a:lvl9pPr lvl="8" algn="ctr">
+              <a:spcBef>
+                <a:spcPts val="0"/>
+              </a:spcBef>
+              <a:spcAft>
+                <a:spcPts val="0"/>
+              </a:spcAft>
+              <a:buSzPts val="12000"/>
+              <a:buNone/>
+              <a:defRPr sz="12000"/>
+            </a:lvl9pPr>
           </a:lstStyle>
-          <a:p/>
+          <a:p>
+            <a:r>
+              <a:t>xx%</a:t>
+            </a:r>
+          </a:p>
         </p:txBody>
       </p:sp>
       <p:sp>
         <p:nvSpPr>
-          <p:cNvPr id="43" name="Google Shape;43;p10"/>
-          <p:cNvSpPr txBox="1"/>
+          <p:cNvPr id="46" name="Google Shape;46;p11"/>
+          <p:cNvSpPr txBox="1">
+            <a:spLocks noGrp="1"/>
+          </p:cNvSpPr>
           <p:nvPr>
-            <p:ph idx="12" type="sldNum"/>
+            <p:ph type="body" idx="1"/>
+          </p:nvPr>
+        </p:nvSpPr>
+        <p:spPr>
+          <a:xfrm>
+            <a:off x="311700" y="3152225"/>
+            <a:ext cx="8520600" cy="1300800"/>
+          </a:xfrm>
+          <a:prstGeom prst="rect">
+            <a:avLst/>
+          </a:prstGeom>
+        </p:spPr>
+        <p:txBody>
+          <a:bodyPr spcFirstLastPara="1" wrap="square" lIns="91425" tIns="91425" rIns="91425" bIns="91425" anchor="t" anchorCtr="0">
+            <a:noAutofit/>
+          </a:bodyPr>
+          <a:lstStyle>
+            <a:lvl1pPr marL="457200" lvl="0" indent="-342900" algn="ctr">
+              <a:spcBef>
+                <a:spcPts val="0"/>
+              </a:spcBef>
+              <a:spcAft>
+                <a:spcPts val="0"/>
+              </a:spcAft>
+              <a:buSzPts val="1800"/>
+              <a:buChar char="●"/>
+              <a:defRPr/>
+            </a:lvl1pPr>
+            <a:lvl2pPr marL="914400" lvl="1" indent="-317500" algn="ctr">
+              <a:spcBef>
+                <a:spcPts val="1600"/>
+              </a:spcBef>
+              <a:spcAft>
+                <a:spcPts val="0"/>
+              </a:spcAft>
+              <a:buSzPts val="1400"/>
+              <a:buChar char="○"/>
+              <a:defRPr/>
+            </a:lvl2pPr>
+            <a:lvl3pPr marL="1371600" lvl="2" indent="-317500" algn="ctr">
+              <a:spcBef>
+                <a:spcPts val="1600"/>
+              </a:spcBef>
+              <a:spcAft>
+                <a:spcPts val="0"/>
+              </a:spcAft>
+              <a:buSzPts val="1400"/>
+              <a:buChar char="■"/>
+              <a:defRPr/>
+            </a:lvl3pPr>
+            <a:lvl4pPr marL="1828800" lvl="3" indent="-317500" algn="ctr">
+              <a:spcBef>
+                <a:spcPts val="1600"/>
+              </a:spcBef>
+              <a:spcAft>
+                <a:spcPts val="0"/>
+              </a:spcAft>
+              <a:buSzPts val="1400"/>
+              <a:buChar char="●"/>
+              <a:defRPr/>
+            </a:lvl4pPr>
+            <a:lvl5pPr marL="2286000" lvl="4" indent="-317500" algn="ctr">
+              <a:spcBef>
+                <a:spcPts val="1600"/>
+              </a:spcBef>
+              <a:spcAft>
+                <a:spcPts val="0"/>
+              </a:spcAft>
+              <a:buSzPts val="1400"/>
+              <a:buChar char="○"/>
+              <a:defRPr/>
+            </a:lvl5pPr>
+            <a:lvl6pPr marL="2743200" lvl="5" indent="-317500" algn="ctr">
+              <a:spcBef>
+                <a:spcPts val="1600"/>
+              </a:spcBef>
+              <a:spcAft>
+                <a:spcPts val="0"/>
+              </a:spcAft>
+              <a:buSzPts val="1400"/>
+              <a:buChar char="■"/>
+              <a:defRPr/>
+            </a:lvl6pPr>
+            <a:lvl7pPr marL="3200400" lvl="6" indent="-317500" algn="ctr">
+              <a:spcBef>
+                <a:spcPts val="1600"/>
+              </a:spcBef>
+              <a:spcAft>
+                <a:spcPts val="0"/>
+              </a:spcAft>
+              <a:buSzPts val="1400"/>
+              <a:buChar char="●"/>
+              <a:defRPr/>
+            </a:lvl7pPr>
+            <a:lvl8pPr marL="3657600" lvl="7" indent="-317500" algn="ctr">
+              <a:spcBef>
+                <a:spcPts val="1600"/>
+              </a:spcBef>
+              <a:spcAft>
+                <a:spcPts val="0"/>
+              </a:spcAft>
+              <a:buSzPts val="1400"/>
+              <a:buChar char="○"/>
+              <a:defRPr/>
+            </a:lvl8pPr>
+            <a:lvl9pPr marL="4114800" lvl="8" indent="-317500" algn="ctr">
+              <a:spcBef>
+                <a:spcPts val="1600"/>
+              </a:spcBef>
+              <a:spcAft>
+                <a:spcPts val="1600"/>
+              </a:spcAft>
+              <a:buSzPts val="1400"/>
+              <a:buChar char="■"/>
+              <a:defRPr/>
+            </a:lvl9pPr>
+          </a:lstStyle>
+          <a:p>
+            <a:endParaRPr/>
+          </a:p>
+        </p:txBody>
+      </p:sp>
+      <p:sp>
+        <p:nvSpPr>
+          <p:cNvPr id="47" name="Google Shape;47;p11"/>
+          <p:cNvSpPr txBox="1">
+            <a:spLocks noGrp="1"/>
+          </p:cNvSpPr>
+          <p:nvPr>
+            <p:ph type="sldNum" idx="12"/>
           </p:nvPr>
         </p:nvSpPr>
         <p:spPr>
@@ -4606,7 +4617,7 @@
           </a:prstGeom>
         </p:spPr>
         <p:txBody>
-          <a:bodyPr anchorCtr="0" anchor="ctr" bIns="91425" lIns="91425" spcFirstLastPara="1" rIns="91425" wrap="square" tIns="91425">
+          <a:bodyPr spcFirstLastPara="1" wrap="square" lIns="91425" tIns="91425" rIns="91425" bIns="91425" anchor="ctr" anchorCtr="0">
             <a:noAutofit/>
           </a:bodyPr>
           <a:lstStyle>
@@ -4648,7 +4659,7 @@
             </a:lvl9pPr>
           </a:lstStyle>
           <a:p>
-            <a:pPr indent="0" lvl="0" marL="0" rtl="0" algn="r">
+            <a:pPr marL="0" lvl="0" indent="0" algn="r" rtl="0">
               <a:spcBef>
                 <a:spcPts val="0"/>
               </a:spcBef>
@@ -4674,18 +4685,19 @@
 </file>
 
 <file path=ppt/slideMasters/slideMaster1.xml><?xml version="1.0" encoding="utf-8"?>
-<p:sldMaster xmlns:a="http://schemas.openxmlformats.org/drawingml/2006/main" xmlns:r="http://schemas.openxmlformats.org/officeDocument/2006/relationships" xmlns:mc="http://schemas.openxmlformats.org/markup-compatibility/2006" xmlns:mv="urn:schemas-microsoft-com:mac:vml" xmlns:p="http://schemas.openxmlformats.org/presentationml/2006/main" xmlns:c="http://schemas.openxmlformats.org/drawingml/2006/chart" xmlns:dgm="http://schemas.openxmlformats.org/drawingml/2006/diagram" xmlns:o="urn:schemas-microsoft-com:office:office" xmlns:v="urn:schemas-microsoft-com:vml" xmlns:pvml="urn:schemas-microsoft-com:office:powerpoint" xmlns:com="http://schemas.openxmlformats.org/drawingml/2006/compatibility" xmlns:p14="http://schemas.microsoft.com/office/powerpoint/2010/main" xmlns:p15="http://schemas.microsoft.com/office/powerpoint/2012/main" xmlns:ahyp="http://schemas.microsoft.com/office/drawing/2018/hyperlinkcolor">
+<p:sldMaster xmlns:a="http://schemas.openxmlformats.org/drawingml/2006/main" xmlns:r="http://schemas.openxmlformats.org/officeDocument/2006/relationships" xmlns:p="http://schemas.openxmlformats.org/presentationml/2006/main">
   <p:cSld name="simple-light-2">
     <p:bg>
       <p:bgPr>
         <a:solidFill>
           <a:schemeClr val="lt1"/>
         </a:solidFill>
+        <a:effectLst/>
       </p:bgPr>
     </p:bg>
     <p:spTree>
       <p:nvGrpSpPr>
-        <p:cNvPr id="5" name="Shape 5"/>
+        <p:cNvPr id="1" name="Shape 5"/>
         <p:cNvGrpSpPr/>
         <p:nvPr/>
       </p:nvGrpSpPr>
@@ -4700,7 +4712,9 @@
       <p:sp>
         <p:nvSpPr>
           <p:cNvPr id="6" name="Google Shape;6;p1"/>
-          <p:cNvSpPr txBox="1"/>
+          <p:cNvSpPr txBox="1">
+            <a:spLocks noGrp="1"/>
+          </p:cNvSpPr>
           <p:nvPr>
             <p:ph type="title"/>
           </p:nvPr>
@@ -4719,7 +4733,7 @@
           </a:ln>
         </p:spPr>
         <p:txBody>
-          <a:bodyPr anchorCtr="0" anchor="t" bIns="91425" lIns="91425" spcFirstLastPara="1" rIns="91425" wrap="square" tIns="91425">
+          <a:bodyPr spcFirstLastPara="1" wrap="square" lIns="91425" tIns="91425" rIns="91425" bIns="91425" anchor="t" anchorCtr="0">
             <a:noAutofit/>
           </a:bodyPr>
           <a:lstStyle>
@@ -4886,15 +4900,19 @@
               </a:defRPr>
             </a:lvl9pPr>
           </a:lstStyle>
-          <a:p/>
+          <a:p>
+            <a:endParaRPr/>
+          </a:p>
         </p:txBody>
       </p:sp>
       <p:sp>
         <p:nvSpPr>
           <p:cNvPr id="7" name="Google Shape;7;p1"/>
-          <p:cNvSpPr txBox="1"/>
+          <p:cNvSpPr txBox="1">
+            <a:spLocks noGrp="1"/>
+          </p:cNvSpPr>
           <p:nvPr>
-            <p:ph idx="1" type="body"/>
+            <p:ph type="body" idx="1"/>
           </p:nvPr>
         </p:nvSpPr>
         <p:spPr>
@@ -4911,11 +4929,11 @@
           </a:ln>
         </p:spPr>
         <p:txBody>
-          <a:bodyPr anchorCtr="0" anchor="t" bIns="91425" lIns="91425" spcFirstLastPara="1" rIns="91425" wrap="square" tIns="91425">
+          <a:bodyPr spcFirstLastPara="1" wrap="square" lIns="91425" tIns="91425" rIns="91425" bIns="91425" anchor="t" anchorCtr="0">
             <a:noAutofit/>
           </a:bodyPr>
           <a:lstStyle>
-            <a:lvl1pPr indent="-342900" lvl="0" marL="457200">
+            <a:lvl1pPr marL="457200" lvl="0" indent="-342900">
               <a:lnSpc>
                 <a:spcPct val="115000"/>
               </a:lnSpc>
@@ -4936,7 +4954,7 @@
                 </a:solidFill>
               </a:defRPr>
             </a:lvl1pPr>
-            <a:lvl2pPr indent="-317500" lvl="1" marL="914400">
+            <a:lvl2pPr marL="914400" lvl="1" indent="-317500">
               <a:lnSpc>
                 <a:spcPct val="115000"/>
               </a:lnSpc>
@@ -4957,7 +4975,7 @@
                 </a:solidFill>
               </a:defRPr>
             </a:lvl2pPr>
-            <a:lvl3pPr indent="-317500" lvl="2" marL="1371600">
+            <a:lvl3pPr marL="1371600" lvl="2" indent="-317500">
               <a:lnSpc>
                 <a:spcPct val="115000"/>
               </a:lnSpc>
@@ -4978,7 +4996,7 @@
                 </a:solidFill>
               </a:defRPr>
             </a:lvl3pPr>
-            <a:lvl4pPr indent="-317500" lvl="3" marL="1828800">
+            <a:lvl4pPr marL="1828800" lvl="3" indent="-317500">
               <a:lnSpc>
                 <a:spcPct val="115000"/>
               </a:lnSpc>
@@ -4999,7 +5017,7 @@
                 </a:solidFill>
               </a:defRPr>
             </a:lvl4pPr>
-            <a:lvl5pPr indent="-317500" lvl="4" marL="2286000">
+            <a:lvl5pPr marL="2286000" lvl="4" indent="-317500">
               <a:lnSpc>
                 <a:spcPct val="115000"/>
               </a:lnSpc>
@@ -5020,7 +5038,7 @@
                 </a:solidFill>
               </a:defRPr>
             </a:lvl5pPr>
-            <a:lvl6pPr indent="-317500" lvl="5" marL="2743200">
+            <a:lvl6pPr marL="2743200" lvl="5" indent="-317500">
               <a:lnSpc>
                 <a:spcPct val="115000"/>
               </a:lnSpc>
@@ -5041,7 +5059,7 @@
                 </a:solidFill>
               </a:defRPr>
             </a:lvl6pPr>
-            <a:lvl7pPr indent="-317500" lvl="6" marL="3200400">
+            <a:lvl7pPr marL="3200400" lvl="6" indent="-317500">
               <a:lnSpc>
                 <a:spcPct val="115000"/>
               </a:lnSpc>
@@ -5062,7 +5080,7 @@
                 </a:solidFill>
               </a:defRPr>
             </a:lvl7pPr>
-            <a:lvl8pPr indent="-317500" lvl="7" marL="3657600">
+            <a:lvl8pPr marL="3657600" lvl="7" indent="-317500">
               <a:lnSpc>
                 <a:spcPct val="115000"/>
               </a:lnSpc>
@@ -5083,7 +5101,7 @@
                 </a:solidFill>
               </a:defRPr>
             </a:lvl8pPr>
-            <a:lvl9pPr indent="-317500" lvl="8" marL="4114800">
+            <a:lvl9pPr marL="4114800" lvl="8" indent="-317500">
               <a:lnSpc>
                 <a:spcPct val="115000"/>
               </a:lnSpc>
@@ -5105,15 +5123,19 @@
               </a:defRPr>
             </a:lvl9pPr>
           </a:lstStyle>
-          <a:p/>
+          <a:p>
+            <a:endParaRPr/>
+          </a:p>
         </p:txBody>
       </p:sp>
       <p:sp>
         <p:nvSpPr>
           <p:cNvPr id="8" name="Google Shape;8;p1"/>
-          <p:cNvSpPr txBox="1"/>
+          <p:cNvSpPr txBox="1">
+            <a:spLocks noGrp="1"/>
+          </p:cNvSpPr>
           <p:nvPr>
-            <p:ph idx="12" type="sldNum"/>
+            <p:ph type="sldNum" idx="12"/>
           </p:nvPr>
         </p:nvSpPr>
         <p:spPr>
@@ -5130,7 +5152,7 @@
           </a:ln>
         </p:spPr>
         <p:txBody>
-          <a:bodyPr anchorCtr="0" anchor="ctr" bIns="91425" lIns="91425" spcFirstLastPara="1" rIns="91425" wrap="square" tIns="91425">
+          <a:bodyPr spcFirstLastPara="1" wrap="square" lIns="91425" tIns="91425" rIns="91425" bIns="91425" anchor="ctr" anchorCtr="0">
             <a:noAutofit/>
           </a:bodyPr>
           <a:lstStyle>
@@ -5208,7 +5230,7 @@
             </a:lvl9pPr>
           </a:lstStyle>
           <a:p>
-            <a:pPr indent="0" lvl="0" marL="0" rtl="0" algn="r">
+            <a:pPr marL="0" lvl="0" indent="0" algn="r" rtl="0">
               <a:spcBef>
                 <a:spcPts val="0"/>
               </a:spcBef>
@@ -5227,24 +5249,23 @@
       </p:sp>
     </p:spTree>
   </p:cSld>
-  <p:clrMap accent1="accent1" accent2="accent2" accent3="accent3" accent4="accent4" accent5="accent5" accent6="accent6" bg1="lt1" bg2="dk2" tx1="dk1" tx2="lt2" folHlink="folHlink" hlink="hlink"/>
+  <p:clrMap bg1="lt1" tx1="dk1" bg2="dk2" tx2="lt2" accent1="accent1" accent2="accent2" accent3="accent3" accent4="accent4" accent5="accent5" accent6="accent6" hlink="hlink" folHlink="folHlink"/>
   <p:sldLayoutIdLst>
     <p:sldLayoutId id="2147483648" r:id="rId1"/>
     <p:sldLayoutId id="2147483649" r:id="rId2"/>
     <p:sldLayoutId id="2147483650" r:id="rId3"/>
     <p:sldLayoutId id="2147483651" r:id="rId4"/>
-    <p:sldLayoutId id="2147483652" r:id="rId5"/>
-    <p:sldLayoutId id="2147483653" r:id="rId6"/>
-    <p:sldLayoutId id="2147483654" r:id="rId7"/>
-    <p:sldLayoutId id="2147483655" r:id="rId8"/>
-    <p:sldLayoutId id="2147483656" r:id="rId9"/>
-    <p:sldLayoutId id="2147483657" r:id="rId10"/>
-    <p:sldLayoutId id="2147483658" r:id="rId11"/>
+    <p:sldLayoutId id="2147483653" r:id="rId5"/>
+    <p:sldLayoutId id="2147483654" r:id="rId6"/>
+    <p:sldLayoutId id="2147483655" r:id="rId7"/>
+    <p:sldLayoutId id="2147483656" r:id="rId8"/>
+    <p:sldLayoutId id="2147483657" r:id="rId9"/>
+    <p:sldLayoutId id="2147483658" r:id="rId10"/>
   </p:sldLayoutIdLst>
-  <p:hf dt="0" ftr="0" hdr="0" sldNum="0"/>
+  <p:hf sldNum="0" hdr="0" ftr="0" dt="0"/>
   <p:txStyles>
     <p:titleStyle>
-      <a:defPPr lvl="0" marR="0" rtl="0" algn="l">
+      <a:defPPr marR="0" lvl="0" algn="l" rtl="0">
         <a:lnSpc>
           <a:spcPct val="100000"/>
         </a:lnSpc>
@@ -5255,7 +5276,7 @@
           <a:spcPts val="0"/>
         </a:spcAft>
       </a:defPPr>
-      <a:lvl1pPr lvl="0" marR="0" rtl="0" algn="l">
+      <a:lvl1pPr marR="0" lvl="0" algn="l" rtl="0">
         <a:lnSpc>
           <a:spcPct val="100000"/>
         </a:lnSpc>
@@ -5269,7 +5290,7 @@
           <a:srgbClr val="000000"/>
         </a:buClr>
         <a:buFont typeface="Arial"/>
-        <a:defRPr b="0" i="0" sz="1400" u="none" cap="none" strike="noStrike">
+        <a:defRPr sz="1400" b="0" i="0" u="none" strike="noStrike" cap="none">
           <a:solidFill>
             <a:srgbClr val="000000"/>
           </a:solidFill>
@@ -5279,7 +5300,7 @@
           <a:sym typeface="Arial"/>
         </a:defRPr>
       </a:lvl1pPr>
-      <a:lvl2pPr lvl="1" marR="0" rtl="0" algn="l">
+      <a:lvl2pPr marR="0" lvl="1" algn="l" rtl="0">
         <a:lnSpc>
           <a:spcPct val="100000"/>
         </a:lnSpc>
@@ -5293,7 +5314,7 @@
           <a:srgbClr val="000000"/>
         </a:buClr>
         <a:buFont typeface="Arial"/>
-        <a:defRPr b="0" i="0" sz="1400" u="none" cap="none" strike="noStrike">
+        <a:defRPr sz="1400" b="0" i="0" u="none" strike="noStrike" cap="none">
           <a:solidFill>
             <a:srgbClr val="000000"/>
           </a:solidFill>
@@ -5303,7 +5324,7 @@
           <a:sym typeface="Arial"/>
         </a:defRPr>
       </a:lvl2pPr>
-      <a:lvl3pPr lvl="2" marR="0" rtl="0" algn="l">
+      <a:lvl3pPr marR="0" lvl="2" algn="l" rtl="0">
         <a:lnSpc>
           <a:spcPct val="100000"/>
         </a:lnSpc>
@@ -5317,7 +5338,7 @@
           <a:srgbClr val="000000"/>
         </a:buClr>
         <a:buFont typeface="Arial"/>
-        <a:defRPr b="0" i="0" sz="1400" u="none" cap="none" strike="noStrike">
+        <a:defRPr sz="1400" b="0" i="0" u="none" strike="noStrike" cap="none">
           <a:solidFill>
             <a:srgbClr val="000000"/>
           </a:solidFill>
@@ -5327,7 +5348,7 @@
           <a:sym typeface="Arial"/>
         </a:defRPr>
       </a:lvl3pPr>
-      <a:lvl4pPr lvl="3" marR="0" rtl="0" algn="l">
+      <a:lvl4pPr marR="0" lvl="3" algn="l" rtl="0">
         <a:lnSpc>
           <a:spcPct val="100000"/>
         </a:lnSpc>
@@ -5341,7 +5362,7 @@
           <a:srgbClr val="000000"/>
         </a:buClr>
         <a:buFont typeface="Arial"/>
-        <a:defRPr b="0" i="0" sz="1400" u="none" cap="none" strike="noStrike">
+        <a:defRPr sz="1400" b="0" i="0" u="none" strike="noStrike" cap="none">
           <a:solidFill>
             <a:srgbClr val="000000"/>
           </a:solidFill>
@@ -5351,7 +5372,7 @@
           <a:sym typeface="Arial"/>
         </a:defRPr>
       </a:lvl4pPr>
-      <a:lvl5pPr lvl="4" marR="0" rtl="0" algn="l">
+      <a:lvl5pPr marR="0" lvl="4" algn="l" rtl="0">
         <a:lnSpc>
           <a:spcPct val="100000"/>
         </a:lnSpc>
@@ -5365,7 +5386,7 @@
           <a:srgbClr val="000000"/>
         </a:buClr>
         <a:buFont typeface="Arial"/>
-        <a:defRPr b="0" i="0" sz="1400" u="none" cap="none" strike="noStrike">
+        <a:defRPr sz="1400" b="0" i="0" u="none" strike="noStrike" cap="none">
           <a:solidFill>
             <a:srgbClr val="000000"/>
           </a:solidFill>
@@ -5375,7 +5396,7 @@
           <a:sym typeface="Arial"/>
         </a:defRPr>
       </a:lvl5pPr>
-      <a:lvl6pPr lvl="5" marR="0" rtl="0" algn="l">
+      <a:lvl6pPr marR="0" lvl="5" algn="l" rtl="0">
         <a:lnSpc>
           <a:spcPct val="100000"/>
         </a:lnSpc>
@@ -5389,7 +5410,7 @@
           <a:srgbClr val="000000"/>
         </a:buClr>
         <a:buFont typeface="Arial"/>
-        <a:defRPr b="0" i="0" sz="1400" u="none" cap="none" strike="noStrike">
+        <a:defRPr sz="1400" b="0" i="0" u="none" strike="noStrike" cap="none">
           <a:solidFill>
             <a:srgbClr val="000000"/>
           </a:solidFill>
@@ -5399,7 +5420,7 @@
           <a:sym typeface="Arial"/>
         </a:defRPr>
       </a:lvl6pPr>
-      <a:lvl7pPr lvl="6" marR="0" rtl="0" algn="l">
+      <a:lvl7pPr marR="0" lvl="6" algn="l" rtl="0">
         <a:lnSpc>
           <a:spcPct val="100000"/>
         </a:lnSpc>
@@ -5413,7 +5434,7 @@
           <a:srgbClr val="000000"/>
         </a:buClr>
         <a:buFont typeface="Arial"/>
-        <a:defRPr b="0" i="0" sz="1400" u="none" cap="none" strike="noStrike">
+        <a:defRPr sz="1400" b="0" i="0" u="none" strike="noStrike" cap="none">
           <a:solidFill>
             <a:srgbClr val="000000"/>
           </a:solidFill>
@@ -5423,7 +5444,7 @@
           <a:sym typeface="Arial"/>
         </a:defRPr>
       </a:lvl7pPr>
-      <a:lvl8pPr lvl="7" marR="0" rtl="0" algn="l">
+      <a:lvl8pPr marR="0" lvl="7" algn="l" rtl="0">
         <a:lnSpc>
           <a:spcPct val="100000"/>
         </a:lnSpc>
@@ -5437,7 +5458,7 @@
           <a:srgbClr val="000000"/>
         </a:buClr>
         <a:buFont typeface="Arial"/>
-        <a:defRPr b="0" i="0" sz="1400" u="none" cap="none" strike="noStrike">
+        <a:defRPr sz="1400" b="0" i="0" u="none" strike="noStrike" cap="none">
           <a:solidFill>
             <a:srgbClr val="000000"/>
           </a:solidFill>
@@ -5447,7 +5468,7 @@
           <a:sym typeface="Arial"/>
         </a:defRPr>
       </a:lvl8pPr>
-      <a:lvl9pPr lvl="8" marR="0" rtl="0" algn="l">
+      <a:lvl9pPr marR="0" lvl="8" algn="l" rtl="0">
         <a:lnSpc>
           <a:spcPct val="100000"/>
         </a:lnSpc>
@@ -5461,7 +5482,7 @@
           <a:srgbClr val="000000"/>
         </a:buClr>
         <a:buFont typeface="Arial"/>
-        <a:defRPr b="0" i="0" sz="1400" u="none" cap="none" strike="noStrike">
+        <a:defRPr sz="1400" b="0" i="0" u="none" strike="noStrike" cap="none">
           <a:solidFill>
             <a:srgbClr val="000000"/>
           </a:solidFill>
@@ -5473,7 +5494,7 @@
       </a:lvl9pPr>
     </p:titleStyle>
     <p:bodyStyle>
-      <a:defPPr lvl="0" marR="0" rtl="0" algn="l">
+      <a:defPPr marR="0" lvl="0" algn="l" rtl="0">
         <a:lnSpc>
           <a:spcPct val="100000"/>
         </a:lnSpc>
@@ -5484,7 +5505,7 @@
           <a:spcPts val="0"/>
         </a:spcAft>
       </a:defPPr>
-      <a:lvl1pPr lvl="0" marR="0" rtl="0" algn="l">
+      <a:lvl1pPr marR="0" lvl="0" algn="l" rtl="0">
         <a:lnSpc>
           <a:spcPct val="100000"/>
         </a:lnSpc>
@@ -5498,7 +5519,7 @@
           <a:srgbClr val="000000"/>
         </a:buClr>
         <a:buFont typeface="Arial"/>
-        <a:defRPr b="0" i="0" sz="1400" u="none" cap="none" strike="noStrike">
+        <a:defRPr sz="1400" b="0" i="0" u="none" strike="noStrike" cap="none">
           <a:solidFill>
             <a:srgbClr val="000000"/>
           </a:solidFill>
@@ -5508,7 +5529,7 @@
           <a:sym typeface="Arial"/>
         </a:defRPr>
       </a:lvl1pPr>
-      <a:lvl2pPr lvl="1" marR="0" rtl="0" algn="l">
+      <a:lvl2pPr marR="0" lvl="1" algn="l" rtl="0">
         <a:lnSpc>
           <a:spcPct val="100000"/>
         </a:lnSpc>
@@ -5522,7 +5543,7 @@
           <a:srgbClr val="000000"/>
         </a:buClr>
         <a:buFont typeface="Arial"/>
-        <a:defRPr b="0" i="0" sz="1400" u="none" cap="none" strike="noStrike">
+        <a:defRPr sz="1400" b="0" i="0" u="none" strike="noStrike" cap="none">
           <a:solidFill>
             <a:srgbClr val="000000"/>
           </a:solidFill>
@@ -5532,7 +5553,7 @@
           <a:sym typeface="Arial"/>
         </a:defRPr>
       </a:lvl2pPr>
-      <a:lvl3pPr lvl="2" marR="0" rtl="0" algn="l">
+      <a:lvl3pPr marR="0" lvl="2" algn="l" rtl="0">
         <a:lnSpc>
           <a:spcPct val="100000"/>
         </a:lnSpc>
@@ -5546,7 +5567,7 @@
           <a:srgbClr val="000000"/>
         </a:buClr>
         <a:buFont typeface="Arial"/>
-        <a:defRPr b="0" i="0" sz="1400" u="none" cap="none" strike="noStrike">
+        <a:defRPr sz="1400" b="0" i="0" u="none" strike="noStrike" cap="none">
           <a:solidFill>
             <a:srgbClr val="000000"/>
           </a:solidFill>
@@ -5556,7 +5577,7 @@
           <a:sym typeface="Arial"/>
         </a:defRPr>
       </a:lvl3pPr>
-      <a:lvl4pPr lvl="3" marR="0" rtl="0" algn="l">
+      <a:lvl4pPr marR="0" lvl="3" algn="l" rtl="0">
         <a:lnSpc>
           <a:spcPct val="100000"/>
         </a:lnSpc>
@@ -5570,7 +5591,7 @@
           <a:srgbClr val="000000"/>
         </a:buClr>
         <a:buFont typeface="Arial"/>
-        <a:defRPr b="0" i="0" sz="1400" u="none" cap="none" strike="noStrike">
+        <a:defRPr sz="1400" b="0" i="0" u="none" strike="noStrike" cap="none">
           <a:solidFill>
             <a:srgbClr val="000000"/>
           </a:solidFill>
@@ -5580,7 +5601,7 @@
           <a:sym typeface="Arial"/>
         </a:defRPr>
       </a:lvl4pPr>
-      <a:lvl5pPr lvl="4" marR="0" rtl="0" algn="l">
+      <a:lvl5pPr marR="0" lvl="4" algn="l" rtl="0">
         <a:lnSpc>
           <a:spcPct val="100000"/>
         </a:lnSpc>
@@ -5594,7 +5615,7 @@
           <a:srgbClr val="000000"/>
         </a:buClr>
         <a:buFont typeface="Arial"/>
-        <a:defRPr b="0" i="0" sz="1400" u="none" cap="none" strike="noStrike">
+        <a:defRPr sz="1400" b="0" i="0" u="none" strike="noStrike" cap="none">
           <a:solidFill>
             <a:srgbClr val="000000"/>
           </a:solidFill>
@@ -5604,7 +5625,7 @@
           <a:sym typeface="Arial"/>
         </a:defRPr>
       </a:lvl5pPr>
-      <a:lvl6pPr lvl="5" marR="0" rtl="0" algn="l">
+      <a:lvl6pPr marR="0" lvl="5" algn="l" rtl="0">
         <a:lnSpc>
           <a:spcPct val="100000"/>
         </a:lnSpc>
@@ -5618,7 +5639,7 @@
           <a:srgbClr val="000000"/>
         </a:buClr>
         <a:buFont typeface="Arial"/>
-        <a:defRPr b="0" i="0" sz="1400" u="none" cap="none" strike="noStrike">
+        <a:defRPr sz="1400" b="0" i="0" u="none" strike="noStrike" cap="none">
           <a:solidFill>
             <a:srgbClr val="000000"/>
           </a:solidFill>
@@ -5628,7 +5649,7 @@
           <a:sym typeface="Arial"/>
         </a:defRPr>
       </a:lvl6pPr>
-      <a:lvl7pPr lvl="6" marR="0" rtl="0" algn="l">
+      <a:lvl7pPr marR="0" lvl="6" algn="l" rtl="0">
         <a:lnSpc>
           <a:spcPct val="100000"/>
         </a:lnSpc>
@@ -5642,7 +5663,7 @@
           <a:srgbClr val="000000"/>
         </a:buClr>
         <a:buFont typeface="Arial"/>
-        <a:defRPr b="0" i="0" sz="1400" u="none" cap="none" strike="noStrike">
+        <a:defRPr sz="1400" b="0" i="0" u="none" strike="noStrike" cap="none">
           <a:solidFill>
             <a:srgbClr val="000000"/>
           </a:solidFill>
@@ -5652,7 +5673,7 @@
           <a:sym typeface="Arial"/>
         </a:defRPr>
       </a:lvl7pPr>
-      <a:lvl8pPr lvl="7" marR="0" rtl="0" algn="l">
+      <a:lvl8pPr marR="0" lvl="7" algn="l" rtl="0">
         <a:lnSpc>
           <a:spcPct val="100000"/>
         </a:lnSpc>
@@ -5666,7 +5687,7 @@
           <a:srgbClr val="000000"/>
         </a:buClr>
         <a:buFont typeface="Arial"/>
-        <a:defRPr b="0" i="0" sz="1400" u="none" cap="none" strike="noStrike">
+        <a:defRPr sz="1400" b="0" i="0" u="none" strike="noStrike" cap="none">
           <a:solidFill>
             <a:srgbClr val="000000"/>
           </a:solidFill>
@@ -5676,7 +5697,7 @@
           <a:sym typeface="Arial"/>
         </a:defRPr>
       </a:lvl8pPr>
-      <a:lvl9pPr lvl="8" marR="0" rtl="0" algn="l">
+      <a:lvl9pPr marR="0" lvl="8" algn="l" rtl="0">
         <a:lnSpc>
           <a:spcPct val="100000"/>
         </a:lnSpc>
@@ -5690,7 +5711,7 @@
           <a:srgbClr val="000000"/>
         </a:buClr>
         <a:buFont typeface="Arial"/>
-        <a:defRPr b="0" i="0" sz="1400" u="none" cap="none" strike="noStrike">
+        <a:defRPr sz="1400" b="0" i="0" u="none" strike="noStrike" cap="none">
           <a:solidFill>
             <a:srgbClr val="000000"/>
           </a:solidFill>
@@ -5702,7 +5723,7 @@
       </a:lvl9pPr>
     </p:bodyStyle>
     <p:otherStyle>
-      <a:defPPr lvl="0" marR="0" rtl="0" algn="l">
+      <a:defPPr marR="0" lvl="0" algn="l" rtl="0">
         <a:lnSpc>
           <a:spcPct val="100000"/>
         </a:lnSpc>
@@ -5713,7 +5734,7 @@
           <a:spcPts val="0"/>
         </a:spcAft>
       </a:defPPr>
-      <a:lvl1pPr lvl="0" marR="0" rtl="0" algn="l">
+      <a:lvl1pPr marR="0" lvl="0" algn="l" rtl="0">
         <a:lnSpc>
           <a:spcPct val="100000"/>
         </a:lnSpc>
@@ -5727,7 +5748,7 @@
           <a:srgbClr val="000000"/>
         </a:buClr>
         <a:buFont typeface="Arial"/>
-        <a:defRPr b="0" i="0" sz="1400" u="none" cap="none" strike="noStrike">
+        <a:defRPr sz="1400" b="0" i="0" u="none" strike="noStrike" cap="none">
           <a:solidFill>
             <a:srgbClr val="000000"/>
           </a:solidFill>
@@ -5737,7 +5758,7 @@
           <a:sym typeface="Arial"/>
         </a:defRPr>
       </a:lvl1pPr>
-      <a:lvl2pPr lvl="1" marR="0" rtl="0" algn="l">
+      <a:lvl2pPr marR="0" lvl="1" algn="l" rtl="0">
         <a:lnSpc>
           <a:spcPct val="100000"/>
         </a:lnSpc>
@@ -5751,7 +5772,7 @@
           <a:srgbClr val="000000"/>
         </a:buClr>
         <a:buFont typeface="Arial"/>
-        <a:defRPr b="0" i="0" sz="1400" u="none" cap="none" strike="noStrike">
+        <a:defRPr sz="1400" b="0" i="0" u="none" strike="noStrike" cap="none">
           <a:solidFill>
             <a:srgbClr val="000000"/>
           </a:solidFill>
@@ -5761,7 +5782,7 @@
           <a:sym typeface="Arial"/>
         </a:defRPr>
       </a:lvl2pPr>
-      <a:lvl3pPr lvl="2" marR="0" rtl="0" algn="l">
+      <a:lvl3pPr marR="0" lvl="2" algn="l" rtl="0">
         <a:lnSpc>
           <a:spcPct val="100000"/>
         </a:lnSpc>
@@ -5775,7 +5796,7 @@
           <a:srgbClr val="000000"/>
         </a:buClr>
         <a:buFont typeface="Arial"/>
-        <a:defRPr b="0" i="0" sz="1400" u="none" cap="none" strike="noStrike">
+        <a:defRPr sz="1400" b="0" i="0" u="none" strike="noStrike" cap="none">
           <a:solidFill>
             <a:srgbClr val="000000"/>
           </a:solidFill>
@@ -5785,7 +5806,7 @@
           <a:sym typeface="Arial"/>
         </a:defRPr>
       </a:lvl3pPr>
-      <a:lvl4pPr lvl="3" marR="0" rtl="0" algn="l">
+      <a:lvl4pPr marR="0" lvl="3" algn="l" rtl="0">
         <a:lnSpc>
           <a:spcPct val="100000"/>
         </a:lnSpc>
@@ -5799,7 +5820,7 @@
           <a:srgbClr val="000000"/>
         </a:buClr>
         <a:buFont typeface="Arial"/>
-        <a:defRPr b="0" i="0" sz="1400" u="none" cap="none" strike="noStrike">
+        <a:defRPr sz="1400" b="0" i="0" u="none" strike="noStrike" cap="none">
           <a:solidFill>
             <a:srgbClr val="000000"/>
           </a:solidFill>
@@ -5809,7 +5830,7 @@
           <a:sym typeface="Arial"/>
         </a:defRPr>
       </a:lvl4pPr>
-      <a:lvl5pPr lvl="4" marR="0" rtl="0" algn="l">
+      <a:lvl5pPr marR="0" lvl="4" algn="l" rtl="0">
         <a:lnSpc>
           <a:spcPct val="100000"/>
         </a:lnSpc>
@@ -5823,7 +5844,7 @@
           <a:srgbClr val="000000"/>
         </a:buClr>
         <a:buFont typeface="Arial"/>
-        <a:defRPr b="0" i="0" sz="1400" u="none" cap="none" strike="noStrike">
+        <a:defRPr sz="1400" b="0" i="0" u="none" strike="noStrike" cap="none">
           <a:solidFill>
             <a:srgbClr val="000000"/>
           </a:solidFill>
@@ -5833,7 +5854,7 @@
           <a:sym typeface="Arial"/>
         </a:defRPr>
       </a:lvl5pPr>
-      <a:lvl6pPr lvl="5" marR="0" rtl="0" algn="l">
+      <a:lvl6pPr marR="0" lvl="5" algn="l" rtl="0">
         <a:lnSpc>
           <a:spcPct val="100000"/>
         </a:lnSpc>
@@ -5847,7 +5868,7 @@
           <a:srgbClr val="000000"/>
         </a:buClr>
         <a:buFont typeface="Arial"/>
-        <a:defRPr b="0" i="0" sz="1400" u="none" cap="none" strike="noStrike">
+        <a:defRPr sz="1400" b="0" i="0" u="none" strike="noStrike" cap="none">
           <a:solidFill>
             <a:srgbClr val="000000"/>
           </a:solidFill>
@@ -5857,7 +5878,7 @@
           <a:sym typeface="Arial"/>
         </a:defRPr>
       </a:lvl6pPr>
-      <a:lvl7pPr lvl="6" marR="0" rtl="0" algn="l">
+      <a:lvl7pPr marR="0" lvl="6" algn="l" rtl="0">
         <a:lnSpc>
           <a:spcPct val="100000"/>
         </a:lnSpc>
@@ -5871,7 +5892,7 @@
           <a:srgbClr val="000000"/>
         </a:buClr>
         <a:buFont typeface="Arial"/>
-        <a:defRPr b="0" i="0" sz="1400" u="none" cap="none" strike="noStrike">
+        <a:defRPr sz="1400" b="0" i="0" u="none" strike="noStrike" cap="none">
           <a:solidFill>
             <a:srgbClr val="000000"/>
           </a:solidFill>
@@ -5881,7 +5902,7 @@
           <a:sym typeface="Arial"/>
         </a:defRPr>
       </a:lvl7pPr>
-      <a:lvl8pPr lvl="7" marR="0" rtl="0" algn="l">
+      <a:lvl8pPr marR="0" lvl="7" algn="l" rtl="0">
         <a:lnSpc>
           <a:spcPct val="100000"/>
         </a:lnSpc>
@@ -5895,7 +5916,7 @@
           <a:srgbClr val="000000"/>
         </a:buClr>
         <a:buFont typeface="Arial"/>
-        <a:defRPr b="0" i="0" sz="1400" u="none" cap="none" strike="noStrike">
+        <a:defRPr sz="1400" b="0" i="0" u="none" strike="noStrike" cap="none">
           <a:solidFill>
             <a:srgbClr val="000000"/>
           </a:solidFill>
@@ -5905,7 +5926,7 @@
           <a:sym typeface="Arial"/>
         </a:defRPr>
       </a:lvl8pPr>
-      <a:lvl9pPr lvl="8" marR="0" rtl="0" algn="l">
+      <a:lvl9pPr marR="0" lvl="8" algn="l" rtl="0">
         <a:lnSpc>
           <a:spcPct val="100000"/>
         </a:lnSpc>
@@ -5919,7 +5940,7 @@
           <a:srgbClr val="000000"/>
         </a:buClr>
         <a:buFont typeface="Arial"/>
-        <a:defRPr b="0" i="0" sz="1400" u="none" cap="none" strike="noStrike">
+        <a:defRPr sz="1400" b="0" i="0" u="none" strike="noStrike" cap="none">
           <a:solidFill>
             <a:srgbClr val="000000"/>
           </a:solidFill>
@@ -5935,11 +5956,11 @@
 </file>
 
 <file path=ppt/slides/slide1.xml><?xml version="1.0" encoding="utf-8"?>
-<p:sld xmlns:a="http://schemas.openxmlformats.org/drawingml/2006/main" xmlns:r="http://schemas.openxmlformats.org/officeDocument/2006/relationships" xmlns:mc="http://schemas.openxmlformats.org/markup-compatibility/2006" xmlns:mv="urn:schemas-microsoft-com:mac:vml" xmlns:p="http://schemas.openxmlformats.org/presentationml/2006/main" xmlns:c="http://schemas.openxmlformats.org/drawingml/2006/chart" xmlns:dgm="http://schemas.openxmlformats.org/drawingml/2006/diagram" xmlns:o="urn:schemas-microsoft-com:office:office" xmlns:v="urn:schemas-microsoft-com:vml" xmlns:pvml="urn:schemas-microsoft-com:office:powerpoint" xmlns:com="http://schemas.openxmlformats.org/drawingml/2006/compatibility" xmlns:p14="http://schemas.microsoft.com/office/powerpoint/2010/main" xmlns:p15="http://schemas.microsoft.com/office/powerpoint/2012/main" xmlns:ahyp="http://schemas.microsoft.com/office/drawing/2018/hyperlinkcolor">
+<p:sld xmlns:a="http://schemas.openxmlformats.org/drawingml/2006/main" xmlns:r="http://schemas.openxmlformats.org/officeDocument/2006/relationships" xmlns:p="http://schemas.openxmlformats.org/presentationml/2006/main">
   <p:cSld>
     <p:spTree>
       <p:nvGrpSpPr>
-        <p:cNvPr id="53" name="Shape 53"/>
+        <p:cNvPr id="1" name="Shape 53"/>
         <p:cNvGrpSpPr/>
         <p:nvPr/>
       </p:nvGrpSpPr>
@@ -5954,7 +5975,9 @@
       <p:sp>
         <p:nvSpPr>
           <p:cNvPr id="54" name="Google Shape;54;p13"/>
-          <p:cNvSpPr txBox="1"/>
+          <p:cNvSpPr txBox="1">
+            <a:spLocks noGrp="1"/>
+          </p:cNvSpPr>
           <p:nvPr>
             <p:ph type="ctrTitle"/>
           </p:nvPr>
@@ -5969,12 +5992,12 @@
           </a:prstGeom>
         </p:spPr>
         <p:txBody>
-          <a:bodyPr anchorCtr="0" anchor="b" bIns="91425" lIns="91425" spcFirstLastPara="1" rIns="91425" wrap="square" tIns="91425">
+          <a:bodyPr spcFirstLastPara="1" wrap="square" lIns="91425" tIns="91425" rIns="91425" bIns="91425" anchor="b" anchorCtr="0">
             <a:noAutofit/>
           </a:bodyPr>
           <a:lstStyle/>
           <a:p>
-            <a:pPr indent="0" lvl="0" marL="0" rtl="0" algn="ctr">
+            <a:pPr marL="0" lvl="0" indent="0" algn="ctr" rtl="0">
               <a:lnSpc>
                 <a:spcPct val="115000"/>
               </a:lnSpc>
@@ -5992,7 +6015,7 @@
               <a:buNone/>
             </a:pPr>
             <a:r>
-              <a:rPr b="1" lang="en" sz="2800"/>
+              <a:rPr lang="en" sz="2800" b="1"/>
               <a:t>Relationship between homicide deaths and opioid drug overdoses in the US between 1999-2014</a:t>
             </a:r>
             <a:endParaRPr sz="6900"/>
@@ -6002,9 +6025,11 @@
       <p:sp>
         <p:nvSpPr>
           <p:cNvPr id="55" name="Google Shape;55;p13"/>
-          <p:cNvSpPr txBox="1"/>
+          <p:cNvSpPr txBox="1">
+            <a:spLocks noGrp="1"/>
+          </p:cNvSpPr>
           <p:nvPr>
-            <p:ph idx="1" type="subTitle"/>
+            <p:ph type="subTitle" idx="1"/>
           </p:nvPr>
         </p:nvSpPr>
         <p:spPr>
@@ -6017,12 +6042,12 @@
           </a:prstGeom>
         </p:spPr>
         <p:txBody>
-          <a:bodyPr anchorCtr="0" anchor="t" bIns="91425" lIns="91425" spcFirstLastPara="1" rIns="91425" wrap="square" tIns="91425">
+          <a:bodyPr spcFirstLastPara="1" wrap="square" lIns="91425" tIns="91425" rIns="91425" bIns="91425" anchor="t" anchorCtr="0">
             <a:noAutofit/>
           </a:bodyPr>
           <a:lstStyle/>
           <a:p>
-            <a:pPr indent="0" lvl="0" marL="0" rtl="0" algn="ctr">
+            <a:pPr marL="0" lvl="0" indent="0" algn="ctr" rtl="0">
               <a:spcBef>
                 <a:spcPts val="0"/>
               </a:spcBef>
@@ -6035,7 +6060,7 @@
               <a:rPr lang="en" sz="2400"/>
               <a:t>Attila Szuts, Tymur Antonovskyi, Ansar Kokbayev</a:t>
             </a:r>
-            <a:endParaRPr b="1" sz="2400"/>
+            <a:endParaRPr sz="2400" b="1"/>
           </a:p>
         </p:txBody>
       </p:sp>
@@ -6061,12 +6086,12 @@
           </a:ln>
         </p:spPr>
         <p:txBody>
-          <a:bodyPr anchorCtr="0" anchor="ctr" bIns="91425" lIns="91425" spcFirstLastPara="1" rIns="91425" wrap="square" tIns="91425">
+          <a:bodyPr spcFirstLastPara="1" wrap="square" lIns="91425" tIns="91425" rIns="91425" bIns="91425" anchor="ctr" anchorCtr="0">
             <a:noAutofit/>
           </a:bodyPr>
           <a:lstStyle/>
           <a:p>
-            <a:pPr indent="0" lvl="0" marL="0" rtl="0" algn="l">
+            <a:pPr marL="0" lvl="0" indent="0" algn="l" rtl="0">
               <a:spcBef>
                 <a:spcPts val="0"/>
               </a:spcBef>
@@ -6075,9 +6100,6 @@
               </a:spcAft>
               <a:buNone/>
             </a:pPr>
-            <a:r>
-              <a:t/>
-            </a:r>
             <a:endParaRPr/>
           </a:p>
         </p:txBody>
@@ -6091,11 +6113,11 @@
 </file>
 
 <file path=ppt/slides/slide2.xml><?xml version="1.0" encoding="utf-8"?>
-<p:sld xmlns:a="http://schemas.openxmlformats.org/drawingml/2006/main" xmlns:r="http://schemas.openxmlformats.org/officeDocument/2006/relationships" xmlns:mc="http://schemas.openxmlformats.org/markup-compatibility/2006" xmlns:mv="urn:schemas-microsoft-com:mac:vml" xmlns:p="http://schemas.openxmlformats.org/presentationml/2006/main" xmlns:c="http://schemas.openxmlformats.org/drawingml/2006/chart" xmlns:dgm="http://schemas.openxmlformats.org/drawingml/2006/diagram" xmlns:o="urn:schemas-microsoft-com:office:office" xmlns:v="urn:schemas-microsoft-com:vml" xmlns:pvml="urn:schemas-microsoft-com:office:powerpoint" xmlns:com="http://schemas.openxmlformats.org/drawingml/2006/compatibility" xmlns:p14="http://schemas.microsoft.com/office/powerpoint/2010/main" xmlns:p15="http://schemas.microsoft.com/office/powerpoint/2012/main" xmlns:ahyp="http://schemas.microsoft.com/office/drawing/2018/hyperlinkcolor">
+<p:sld xmlns:a="http://schemas.openxmlformats.org/drawingml/2006/main" xmlns:r="http://schemas.openxmlformats.org/officeDocument/2006/relationships" xmlns:p="http://schemas.openxmlformats.org/presentationml/2006/main">
   <p:cSld>
     <p:spTree>
       <p:nvGrpSpPr>
-        <p:cNvPr id="60" name="Shape 60"/>
+        <p:cNvPr id="1" name="Shape 60"/>
         <p:cNvGrpSpPr/>
         <p:nvPr/>
       </p:nvGrpSpPr>
@@ -6117,7 +6139,7 @@
           <a:blip r:embed="rId3">
             <a:alphaModFix/>
           </a:blip>
-          <a:srcRect b="6056" l="0" r="2742" t="9825"/>
+          <a:srcRect t="9825" r="2742" b="6056"/>
           <a:stretch/>
         </p:blipFill>
         <p:spPr>
@@ -6144,7 +6166,7 @@
           <a:blip r:embed="rId4">
             <a:alphaModFix/>
           </a:blip>
-          <a:srcRect b="4730" l="1610" r="3684" t="7179"/>
+          <a:srcRect l="1610" t="7179" r="3684" b="4730"/>
           <a:stretch/>
         </p:blipFill>
         <p:spPr>
@@ -6171,7 +6193,7 @@
           <a:blip r:embed="rId5">
             <a:alphaModFix/>
           </a:blip>
-          <a:srcRect b="0" l="491" r="8400" t="8256"/>
+          <a:srcRect l="491" t="8256" r="8400"/>
           <a:stretch/>
         </p:blipFill>
         <p:spPr>
@@ -6210,12 +6232,12 @@
           </a:ln>
         </p:spPr>
         <p:txBody>
-          <a:bodyPr anchorCtr="0" anchor="ctr" bIns="91425" lIns="91425" spcFirstLastPara="1" rIns="91425" wrap="square" tIns="91425">
+          <a:bodyPr spcFirstLastPara="1" wrap="square" lIns="91425" tIns="91425" rIns="91425" bIns="91425" anchor="ctr" anchorCtr="0">
             <a:noAutofit/>
           </a:bodyPr>
           <a:lstStyle/>
           <a:p>
-            <a:pPr indent="0" lvl="0" marL="0" rtl="0" algn="l">
+            <a:pPr marL="0" lvl="0" indent="0" algn="l" rtl="0">
               <a:spcBef>
                 <a:spcPts val="0"/>
               </a:spcBef>
@@ -6224,9 +6246,6 @@
               </a:spcAft>
               <a:buNone/>
             </a:pPr>
-            <a:r>
-              <a:t/>
-            </a:r>
             <a:endParaRPr/>
           </a:p>
         </p:txBody>
@@ -6240,11 +6259,343 @@
 </file>
 
 <file path=ppt/slides/slide3.xml><?xml version="1.0" encoding="utf-8"?>
-<p:sld xmlns:a="http://schemas.openxmlformats.org/drawingml/2006/main" xmlns:r="http://schemas.openxmlformats.org/officeDocument/2006/relationships" xmlns:mc="http://schemas.openxmlformats.org/markup-compatibility/2006" xmlns:mv="urn:schemas-microsoft-com:mac:vml" xmlns:p="http://schemas.openxmlformats.org/presentationml/2006/main" xmlns:c="http://schemas.openxmlformats.org/drawingml/2006/chart" xmlns:dgm="http://schemas.openxmlformats.org/drawingml/2006/diagram" xmlns:o="urn:schemas-microsoft-com:office:office" xmlns:v="urn:schemas-microsoft-com:vml" xmlns:pvml="urn:schemas-microsoft-com:office:powerpoint" xmlns:com="http://schemas.openxmlformats.org/drawingml/2006/compatibility" xmlns:p14="http://schemas.microsoft.com/office/powerpoint/2010/main" xmlns:p15="http://schemas.microsoft.com/office/powerpoint/2012/main" xmlns:ahyp="http://schemas.microsoft.com/office/drawing/2018/hyperlinkcolor">
+<p:sld xmlns:a="http://schemas.openxmlformats.org/drawingml/2006/main" xmlns:r="http://schemas.openxmlformats.org/officeDocument/2006/relationships" xmlns:p="http://schemas.openxmlformats.org/presentationml/2006/main">
   <p:cSld>
     <p:spTree>
       <p:nvGrpSpPr>
-        <p:cNvPr id="68" name="Shape 68"/>
+        <p:cNvPr id="1" name="Shape 74"/>
+        <p:cNvGrpSpPr/>
+        <p:nvPr/>
+      </p:nvGrpSpPr>
+      <p:grpSpPr>
+        <a:xfrm>
+          <a:off x="0" y="0"/>
+          <a:ext cx="0" cy="0"/>
+          <a:chOff x="0" y="0"/>
+          <a:chExt cx="0" cy="0"/>
+        </a:xfrm>
+      </p:grpSpPr>
+      <p:sp>
+        <p:nvSpPr>
+          <p:cNvPr id="76" name="Google Shape;76;p16"/>
+          <p:cNvSpPr/>
+          <p:nvPr/>
+        </p:nvSpPr>
+        <p:spPr>
+          <a:xfrm>
+            <a:off x="0" y="-12"/>
+            <a:ext cx="1016400" cy="5143500"/>
+          </a:xfrm>
+          <a:prstGeom prst="rect">
+            <a:avLst/>
+          </a:prstGeom>
+          <a:solidFill>
+            <a:srgbClr val="CFE2F3"/>
+          </a:solidFill>
+          <a:ln>
+            <a:noFill/>
+          </a:ln>
+        </p:spPr>
+        <p:txBody>
+          <a:bodyPr spcFirstLastPara="1" wrap="square" lIns="91425" tIns="91425" rIns="91425" bIns="91425" anchor="ctr" anchorCtr="0">
+            <a:noAutofit/>
+          </a:bodyPr>
+          <a:lstStyle/>
+          <a:p>
+            <a:pPr marL="0" marR="0" lvl="0" indent="0" algn="l" rtl="0">
+              <a:lnSpc>
+                <a:spcPct val="100000"/>
+              </a:lnSpc>
+              <a:spcBef>
+                <a:spcPts val="0"/>
+              </a:spcBef>
+              <a:spcAft>
+                <a:spcPts val="0"/>
+              </a:spcAft>
+              <a:buNone/>
+            </a:pPr>
+            <a:endParaRPr/>
+          </a:p>
+        </p:txBody>
+      </p:sp>
+      <p:pic>
+        <p:nvPicPr>
+          <p:cNvPr id="5" name="Picture 4">
+            <a:extLst>
+              <a:ext uri="{FF2B5EF4-FFF2-40B4-BE49-F238E27FC236}">
+                <a16:creationId xmlns:a16="http://schemas.microsoft.com/office/drawing/2014/main" id="{3023305E-AC6F-4A48-AB6C-6FCE0FC17EF7}"/>
+              </a:ext>
+            </a:extLst>
+          </p:cNvPr>
+          <p:cNvPicPr>
+            <a:picLocks noChangeAspect="1"/>
+          </p:cNvPicPr>
+          <p:nvPr/>
+        </p:nvPicPr>
+        <p:blipFill>
+          <a:blip r:embed="rId3"/>
+          <a:stretch>
+            <a:fillRect/>
+          </a:stretch>
+        </p:blipFill>
+        <p:spPr>
+          <a:xfrm>
+            <a:off x="0" y="719621"/>
+            <a:ext cx="9144000" cy="4423879"/>
+          </a:xfrm>
+          <a:prstGeom prst="rect">
+            <a:avLst/>
+          </a:prstGeom>
+        </p:spPr>
+      </p:pic>
+      <p:sp>
+        <p:nvSpPr>
+          <p:cNvPr id="8" name="Title 1">
+            <a:extLst>
+              <a:ext uri="{FF2B5EF4-FFF2-40B4-BE49-F238E27FC236}">
+                <a16:creationId xmlns:a16="http://schemas.microsoft.com/office/drawing/2014/main" id="{01516314-8759-4DB7-B525-388CC3E71E18}"/>
+              </a:ext>
+            </a:extLst>
+          </p:cNvPr>
+          <p:cNvSpPr>
+            <a:spLocks noGrp="1"/>
+          </p:cNvSpPr>
+          <p:nvPr>
+            <p:ph type="title"/>
+          </p:nvPr>
+        </p:nvSpPr>
+        <p:spPr>
+          <a:xfrm>
+            <a:off x="1087582" y="73455"/>
+            <a:ext cx="7800136" cy="572700"/>
+          </a:xfrm>
+        </p:spPr>
+        <p:txBody>
+          <a:bodyPr/>
+          <a:lstStyle/>
+          <a:p>
+            <a:r>
+              <a:rPr lang="en-GB" dirty="0"/>
+              <a:t>KNIME Workflow</a:t>
+            </a:r>
+          </a:p>
+        </p:txBody>
+      </p:sp>
+    </p:spTree>
+  </p:cSld>
+  <p:clrMapOvr>
+    <a:masterClrMapping/>
+  </p:clrMapOvr>
+</p:sld>
+</file>
+
+<file path=ppt/slides/slide4.xml><?xml version="1.0" encoding="utf-8"?>
+<p:sld xmlns:a="http://schemas.openxmlformats.org/drawingml/2006/main" xmlns:r="http://schemas.openxmlformats.org/officeDocument/2006/relationships" xmlns:p="http://schemas.openxmlformats.org/presentationml/2006/main">
+  <p:cSld>
+    <p:spTree>
+      <p:nvGrpSpPr>
+        <p:cNvPr id="1" name="Shape 74"/>
+        <p:cNvGrpSpPr/>
+        <p:nvPr/>
+      </p:nvGrpSpPr>
+      <p:grpSpPr>
+        <a:xfrm>
+          <a:off x="0" y="0"/>
+          <a:ext cx="0" cy="0"/>
+          <a:chOff x="0" y="0"/>
+          <a:chExt cx="0" cy="0"/>
+        </a:xfrm>
+      </p:grpSpPr>
+      <p:sp>
+        <p:nvSpPr>
+          <p:cNvPr id="76" name="Google Shape;76;p16"/>
+          <p:cNvSpPr/>
+          <p:nvPr/>
+        </p:nvSpPr>
+        <p:spPr>
+          <a:xfrm>
+            <a:off x="0" y="-12"/>
+            <a:ext cx="1016400" cy="5143500"/>
+          </a:xfrm>
+          <a:prstGeom prst="rect">
+            <a:avLst/>
+          </a:prstGeom>
+          <a:solidFill>
+            <a:srgbClr val="CFE2F3"/>
+          </a:solidFill>
+          <a:ln>
+            <a:noFill/>
+          </a:ln>
+        </p:spPr>
+        <p:txBody>
+          <a:bodyPr spcFirstLastPara="1" wrap="square" lIns="91425" tIns="91425" rIns="91425" bIns="91425" anchor="ctr" anchorCtr="0">
+            <a:noAutofit/>
+          </a:bodyPr>
+          <a:lstStyle/>
+          <a:p>
+            <a:pPr marL="0" marR="0" lvl="0" indent="0" algn="l" rtl="0">
+              <a:lnSpc>
+                <a:spcPct val="100000"/>
+              </a:lnSpc>
+              <a:spcBef>
+                <a:spcPts val="0"/>
+              </a:spcBef>
+              <a:spcAft>
+                <a:spcPts val="0"/>
+              </a:spcAft>
+              <a:buNone/>
+            </a:pPr>
+            <a:endParaRPr/>
+          </a:p>
+        </p:txBody>
+      </p:sp>
+      <p:pic>
+        <p:nvPicPr>
+          <p:cNvPr id="3" name="Picture 2" descr="Chart, scatter chart&#10;&#10;Description automatically generated">
+            <a:extLst>
+              <a:ext uri="{FF2B5EF4-FFF2-40B4-BE49-F238E27FC236}">
+                <a16:creationId xmlns:a16="http://schemas.microsoft.com/office/drawing/2014/main" id="{4221D38E-4517-414C-9046-E93BBB34C533}"/>
+              </a:ext>
+            </a:extLst>
+          </p:cNvPr>
+          <p:cNvPicPr>
+            <a:picLocks noChangeAspect="1"/>
+          </p:cNvPicPr>
+          <p:nvPr/>
+        </p:nvPicPr>
+        <p:blipFill>
+          <a:blip r:embed="rId3"/>
+          <a:stretch>
+            <a:fillRect/>
+          </a:stretch>
+        </p:blipFill>
+        <p:spPr>
+          <a:xfrm>
+            <a:off x="1022141" y="0"/>
+            <a:ext cx="7099717" cy="5143500"/>
+          </a:xfrm>
+          <a:prstGeom prst="rect">
+            <a:avLst/>
+          </a:prstGeom>
+        </p:spPr>
+      </p:pic>
+    </p:spTree>
+    <p:extLst>
+      <p:ext uri="{BB962C8B-B14F-4D97-AF65-F5344CB8AC3E}">
+        <p14:creationId xmlns:p14="http://schemas.microsoft.com/office/powerpoint/2010/main" val="1769311830"/>
+      </p:ext>
+    </p:extLst>
+  </p:cSld>
+  <p:clrMapOvr>
+    <a:masterClrMapping/>
+  </p:clrMapOvr>
+</p:sld>
+</file>
+
+<file path=ppt/slides/slide5.xml><?xml version="1.0" encoding="utf-8"?>
+<p:sld xmlns:a="http://schemas.openxmlformats.org/drawingml/2006/main" xmlns:r="http://schemas.openxmlformats.org/officeDocument/2006/relationships" xmlns:p="http://schemas.openxmlformats.org/presentationml/2006/main">
+  <p:cSld>
+    <p:spTree>
+      <p:nvGrpSpPr>
+        <p:cNvPr id="1" name="Shape 80"/>
+        <p:cNvGrpSpPr/>
+        <p:nvPr/>
+      </p:nvGrpSpPr>
+      <p:grpSpPr>
+        <a:xfrm>
+          <a:off x="0" y="0"/>
+          <a:ext cx="0" cy="0"/>
+          <a:chOff x="0" y="0"/>
+          <a:chExt cx="0" cy="0"/>
+        </a:xfrm>
+      </p:grpSpPr>
+      <p:sp>
+        <p:nvSpPr>
+          <p:cNvPr id="82" name="Google Shape;82;p17"/>
+          <p:cNvSpPr/>
+          <p:nvPr/>
+        </p:nvSpPr>
+        <p:spPr>
+          <a:xfrm>
+            <a:off x="0" y="2975"/>
+            <a:ext cx="1016400" cy="5149200"/>
+          </a:xfrm>
+          <a:prstGeom prst="rect">
+            <a:avLst/>
+          </a:prstGeom>
+          <a:solidFill>
+            <a:srgbClr val="CFE2F3"/>
+          </a:solidFill>
+          <a:ln>
+            <a:noFill/>
+          </a:ln>
+        </p:spPr>
+        <p:txBody>
+          <a:bodyPr spcFirstLastPara="1" wrap="square" lIns="91425" tIns="91425" rIns="91425" bIns="91425" anchor="ctr" anchorCtr="0">
+            <a:noAutofit/>
+          </a:bodyPr>
+          <a:lstStyle/>
+          <a:p>
+            <a:pPr marL="0" marR="0" lvl="0" indent="0" algn="l" rtl="0">
+              <a:lnSpc>
+                <a:spcPct val="100000"/>
+              </a:lnSpc>
+              <a:spcBef>
+                <a:spcPts val="0"/>
+              </a:spcBef>
+              <a:spcAft>
+                <a:spcPts val="0"/>
+              </a:spcAft>
+              <a:buNone/>
+            </a:pPr>
+            <a:endParaRPr/>
+          </a:p>
+        </p:txBody>
+      </p:sp>
+      <p:pic>
+        <p:nvPicPr>
+          <p:cNvPr id="3" name="Picture 2" descr="Chart, scatter chart&#10;&#10;Description automatically generated">
+            <a:extLst>
+              <a:ext uri="{FF2B5EF4-FFF2-40B4-BE49-F238E27FC236}">
+                <a16:creationId xmlns:a16="http://schemas.microsoft.com/office/drawing/2014/main" id="{DABC2D7B-A446-4242-83BB-A2F3206A85EF}"/>
+              </a:ext>
+            </a:extLst>
+          </p:cNvPr>
+          <p:cNvPicPr>
+            <a:picLocks noChangeAspect="1"/>
+          </p:cNvPicPr>
+          <p:nvPr/>
+        </p:nvPicPr>
+        <p:blipFill>
+          <a:blip r:embed="rId3"/>
+          <a:stretch>
+            <a:fillRect/>
+          </a:stretch>
+        </p:blipFill>
+        <p:spPr>
+          <a:xfrm>
+            <a:off x="1016000" y="0"/>
+            <a:ext cx="7112000" cy="5143500"/>
+          </a:xfrm>
+          <a:prstGeom prst="rect">
+            <a:avLst/>
+          </a:prstGeom>
+        </p:spPr>
+      </p:pic>
+    </p:spTree>
+  </p:cSld>
+  <p:clrMapOvr>
+    <a:masterClrMapping/>
+  </p:clrMapOvr>
+</p:sld>
+</file>
+
+<file path=ppt/slides/slide6.xml><?xml version="1.0" encoding="utf-8"?>
+<p:sld xmlns:a="http://schemas.openxmlformats.org/drawingml/2006/main" xmlns:r="http://schemas.openxmlformats.org/officeDocument/2006/relationships" xmlns:p="http://schemas.openxmlformats.org/presentationml/2006/main">
+  <p:cSld>
+    <p:spTree>
+      <p:nvGrpSpPr>
+        <p:cNvPr id="1" name="Shape 68"/>
         <p:cNvGrpSpPr/>
         <p:nvPr/>
       </p:nvGrpSpPr>
@@ -6266,7 +6617,7 @@
           <a:blip r:embed="rId3">
             <a:alphaModFix/>
           </a:blip>
-          <a:srcRect b="7936" l="5835" r="3968" t="211"/>
+          <a:srcRect l="5835" t="211" r="3968" b="7936"/>
           <a:stretch/>
         </p:blipFill>
         <p:spPr>
@@ -6305,12 +6656,12 @@
           </a:ln>
         </p:spPr>
         <p:txBody>
-          <a:bodyPr anchorCtr="0" anchor="ctr" bIns="91425" lIns="91425" spcFirstLastPara="1" rIns="91425" wrap="square" tIns="91425">
+          <a:bodyPr spcFirstLastPara="1" wrap="square" lIns="91425" tIns="91425" rIns="91425" bIns="91425" anchor="ctr" anchorCtr="0">
             <a:noAutofit/>
           </a:bodyPr>
           <a:lstStyle/>
           <a:p>
-            <a:pPr indent="0" lvl="0" marL="0" marR="0" rtl="0" algn="l">
+            <a:pPr marL="0" marR="0" lvl="0" indent="0" algn="l" rtl="0">
               <a:lnSpc>
                 <a:spcPct val="100000"/>
               </a:lnSpc>
@@ -6322,9 +6673,6 @@
               </a:spcAft>
               <a:buNone/>
             </a:pPr>
-            <a:r>
-              <a:t/>
-            </a:r>
             <a:endParaRPr/>
           </a:p>
         </p:txBody>
@@ -6337,12 +6685,12 @@
 </p:sld>
 </file>
 
-<file path=ppt/slides/slide4.xml><?xml version="1.0" encoding="utf-8"?>
-<p:sld xmlns:a="http://schemas.openxmlformats.org/drawingml/2006/main" xmlns:r="http://schemas.openxmlformats.org/officeDocument/2006/relationships" xmlns:mc="http://schemas.openxmlformats.org/markup-compatibility/2006" xmlns:mv="urn:schemas-microsoft-com:mac:vml" xmlns:p="http://schemas.openxmlformats.org/presentationml/2006/main" xmlns:c="http://schemas.openxmlformats.org/drawingml/2006/chart" xmlns:dgm="http://schemas.openxmlformats.org/drawingml/2006/diagram" xmlns:o="urn:schemas-microsoft-com:office:office" xmlns:v="urn:schemas-microsoft-com:vml" xmlns:pvml="urn:schemas-microsoft-com:office:powerpoint" xmlns:com="http://schemas.openxmlformats.org/drawingml/2006/compatibility" xmlns:p14="http://schemas.microsoft.com/office/powerpoint/2010/main" xmlns:p15="http://schemas.microsoft.com/office/powerpoint/2012/main" xmlns:ahyp="http://schemas.microsoft.com/office/drawing/2018/hyperlinkcolor">
+<file path=ppt/slides/slide7.xml><?xml version="1.0" encoding="utf-8"?>
+<p:sld xmlns:a="http://schemas.openxmlformats.org/drawingml/2006/main" xmlns:r="http://schemas.openxmlformats.org/officeDocument/2006/relationships" xmlns:p="http://schemas.openxmlformats.org/presentationml/2006/main">
   <p:cSld>
     <p:spTree>
       <p:nvGrpSpPr>
-        <p:cNvPr id="74" name="Shape 74"/>
+        <p:cNvPr id="1" name="Shape 86"/>
         <p:cNvGrpSpPr/>
         <p:nvPr/>
       </p:nvGrpSpPr>
@@ -6354,229 +6702,6 @@
           <a:chExt cx="0" cy="0"/>
         </a:xfrm>
       </p:grpSpPr>
-      <p:pic>
-        <p:nvPicPr>
-          <p:cNvPr id="75" name="Google Shape;75;p16"/>
-          <p:cNvPicPr preferRelativeResize="0"/>
-          <p:nvPr/>
-        </p:nvPicPr>
-        <p:blipFill rotWithShape="1">
-          <a:blip r:embed="rId3">
-            <a:alphaModFix/>
-          </a:blip>
-          <a:srcRect b="7425" l="5897" r="1527" t="212"/>
-          <a:stretch/>
-        </p:blipFill>
-        <p:spPr>
-          <a:xfrm>
-            <a:off x="1022225" y="11675"/>
-            <a:ext cx="8121775" cy="5131825"/>
-          </a:xfrm>
-          <a:prstGeom prst="rect">
-            <a:avLst/>
-          </a:prstGeom>
-          <a:noFill/>
-          <a:ln>
-            <a:noFill/>
-          </a:ln>
-        </p:spPr>
-      </p:pic>
-      <p:sp>
-        <p:nvSpPr>
-          <p:cNvPr id="76" name="Google Shape;76;p16"/>
-          <p:cNvSpPr/>
-          <p:nvPr/>
-        </p:nvSpPr>
-        <p:spPr>
-          <a:xfrm>
-            <a:off x="0" y="-12"/>
-            <a:ext cx="1016400" cy="5143500"/>
-          </a:xfrm>
-          <a:prstGeom prst="rect">
-            <a:avLst/>
-          </a:prstGeom>
-          <a:solidFill>
-            <a:srgbClr val="CFE2F3"/>
-          </a:solidFill>
-          <a:ln>
-            <a:noFill/>
-          </a:ln>
-        </p:spPr>
-        <p:txBody>
-          <a:bodyPr anchorCtr="0" anchor="ctr" bIns="91425" lIns="91425" spcFirstLastPara="1" rIns="91425" wrap="square" tIns="91425">
-            <a:noAutofit/>
-          </a:bodyPr>
-          <a:lstStyle/>
-          <a:p>
-            <a:pPr indent="0" lvl="0" marL="0" marR="0" rtl="0" algn="l">
-              <a:lnSpc>
-                <a:spcPct val="100000"/>
-              </a:lnSpc>
-              <a:spcBef>
-                <a:spcPts val="0"/>
-              </a:spcBef>
-              <a:spcAft>
-                <a:spcPts val="0"/>
-              </a:spcAft>
-              <a:buNone/>
-            </a:pPr>
-            <a:r>
-              <a:t/>
-            </a:r>
-            <a:endParaRPr/>
-          </a:p>
-        </p:txBody>
-      </p:sp>
-    </p:spTree>
-  </p:cSld>
-  <p:clrMapOvr>
-    <a:masterClrMapping/>
-  </p:clrMapOvr>
-</p:sld>
-</file>
-
-<file path=ppt/slides/slide5.xml><?xml version="1.0" encoding="utf-8"?>
-<p:sld xmlns:a="http://schemas.openxmlformats.org/drawingml/2006/main" xmlns:r="http://schemas.openxmlformats.org/officeDocument/2006/relationships" xmlns:mc="http://schemas.openxmlformats.org/markup-compatibility/2006" xmlns:mv="urn:schemas-microsoft-com:mac:vml" xmlns:p="http://schemas.openxmlformats.org/presentationml/2006/main" xmlns:c="http://schemas.openxmlformats.org/drawingml/2006/chart" xmlns:dgm="http://schemas.openxmlformats.org/drawingml/2006/diagram" xmlns:o="urn:schemas-microsoft-com:office:office" xmlns:v="urn:schemas-microsoft-com:vml" xmlns:pvml="urn:schemas-microsoft-com:office:powerpoint" xmlns:com="http://schemas.openxmlformats.org/drawingml/2006/compatibility" xmlns:p14="http://schemas.microsoft.com/office/powerpoint/2010/main" xmlns:p15="http://schemas.microsoft.com/office/powerpoint/2012/main" xmlns:ahyp="http://schemas.microsoft.com/office/drawing/2018/hyperlinkcolor">
-  <p:cSld>
-    <p:spTree>
-      <p:nvGrpSpPr>
-        <p:cNvPr id="80" name="Shape 80"/>
-        <p:cNvGrpSpPr/>
-        <p:nvPr/>
-      </p:nvGrpSpPr>
-      <p:grpSpPr>
-        <a:xfrm>
-          <a:off x="0" y="0"/>
-          <a:ext cx="0" cy="0"/>
-          <a:chOff x="0" y="0"/>
-          <a:chExt cx="0" cy="0"/>
-        </a:xfrm>
-      </p:grpSpPr>
-      <p:pic>
-        <p:nvPicPr>
-          <p:cNvPr id="81" name="Google Shape;81;p17"/>
-          <p:cNvPicPr preferRelativeResize="0"/>
-          <p:nvPr/>
-        </p:nvPicPr>
-        <p:blipFill rotWithShape="1">
-          <a:blip r:embed="rId3">
-            <a:alphaModFix/>
-          </a:blip>
-          <a:srcRect b="7596" l="6120" r="2262" t="987"/>
-          <a:stretch/>
-        </p:blipFill>
-        <p:spPr>
-          <a:xfrm>
-            <a:off x="1022225" y="11675"/>
-            <a:ext cx="8121775" cy="5131826"/>
-          </a:xfrm>
-          <a:prstGeom prst="rect">
-            <a:avLst/>
-          </a:prstGeom>
-          <a:noFill/>
-          <a:ln>
-            <a:noFill/>
-          </a:ln>
-        </p:spPr>
-      </p:pic>
-      <p:sp>
-        <p:nvSpPr>
-          <p:cNvPr id="82" name="Google Shape;82;p17"/>
-          <p:cNvSpPr/>
-          <p:nvPr/>
-        </p:nvSpPr>
-        <p:spPr>
-          <a:xfrm>
-            <a:off x="0" y="2975"/>
-            <a:ext cx="1016400" cy="5149200"/>
-          </a:xfrm>
-          <a:prstGeom prst="rect">
-            <a:avLst/>
-          </a:prstGeom>
-          <a:solidFill>
-            <a:srgbClr val="CFE2F3"/>
-          </a:solidFill>
-          <a:ln>
-            <a:noFill/>
-          </a:ln>
-        </p:spPr>
-        <p:txBody>
-          <a:bodyPr anchorCtr="0" anchor="ctr" bIns="91425" lIns="91425" spcFirstLastPara="1" rIns="91425" wrap="square" tIns="91425">
-            <a:noAutofit/>
-          </a:bodyPr>
-          <a:lstStyle/>
-          <a:p>
-            <a:pPr indent="0" lvl="0" marL="0" marR="0" rtl="0" algn="l">
-              <a:lnSpc>
-                <a:spcPct val="100000"/>
-              </a:lnSpc>
-              <a:spcBef>
-                <a:spcPts val="0"/>
-              </a:spcBef>
-              <a:spcAft>
-                <a:spcPts val="0"/>
-              </a:spcAft>
-              <a:buNone/>
-            </a:pPr>
-            <a:r>
-              <a:t/>
-            </a:r>
-            <a:endParaRPr/>
-          </a:p>
-        </p:txBody>
-      </p:sp>
-    </p:spTree>
-  </p:cSld>
-  <p:clrMapOvr>
-    <a:masterClrMapping/>
-  </p:clrMapOvr>
-</p:sld>
-</file>
-
-<file path=ppt/slides/slide6.xml><?xml version="1.0" encoding="utf-8"?>
-<p:sld xmlns:a="http://schemas.openxmlformats.org/drawingml/2006/main" xmlns:r="http://schemas.openxmlformats.org/officeDocument/2006/relationships" xmlns:mc="http://schemas.openxmlformats.org/markup-compatibility/2006" xmlns:mv="urn:schemas-microsoft-com:mac:vml" xmlns:p="http://schemas.openxmlformats.org/presentationml/2006/main" xmlns:c="http://schemas.openxmlformats.org/drawingml/2006/chart" xmlns:dgm="http://schemas.openxmlformats.org/drawingml/2006/diagram" xmlns:o="urn:schemas-microsoft-com:office:office" xmlns:v="urn:schemas-microsoft-com:vml" xmlns:pvml="urn:schemas-microsoft-com:office:powerpoint" xmlns:com="http://schemas.openxmlformats.org/drawingml/2006/compatibility" xmlns:p14="http://schemas.microsoft.com/office/powerpoint/2010/main" xmlns:p15="http://schemas.microsoft.com/office/powerpoint/2012/main" xmlns:ahyp="http://schemas.microsoft.com/office/drawing/2018/hyperlinkcolor">
-  <p:cSld>
-    <p:spTree>
-      <p:nvGrpSpPr>
-        <p:cNvPr id="86" name="Shape 86"/>
-        <p:cNvGrpSpPr/>
-        <p:nvPr/>
-      </p:nvGrpSpPr>
-      <p:grpSpPr>
-        <a:xfrm>
-          <a:off x="0" y="0"/>
-          <a:ext cx="0" cy="0"/>
-          <a:chOff x="0" y="0"/>
-          <a:chExt cx="0" cy="0"/>
-        </a:xfrm>
-      </p:grpSpPr>
-      <p:pic>
-        <p:nvPicPr>
-          <p:cNvPr id="87" name="Google Shape;87;p18"/>
-          <p:cNvPicPr preferRelativeResize="0"/>
-          <p:nvPr/>
-        </p:nvPicPr>
-        <p:blipFill rotWithShape="1">
-          <a:blip r:embed="rId3">
-            <a:alphaModFix/>
-          </a:blip>
-          <a:srcRect b="7425" l="5684" r="1740" t="212"/>
-          <a:stretch/>
-        </p:blipFill>
-        <p:spPr>
-          <a:xfrm>
-            <a:off x="1022225" y="11675"/>
-            <a:ext cx="8121775" cy="5131826"/>
-          </a:xfrm>
-          <a:prstGeom prst="rect">
-            <a:avLst/>
-          </a:prstGeom>
-          <a:noFill/>
-          <a:ln>
-            <a:noFill/>
-          </a:ln>
-        </p:spPr>
-      </p:pic>
       <p:sp>
         <p:nvSpPr>
           <p:cNvPr id="88" name="Google Shape;88;p18"/>
@@ -6599,12 +6724,12 @@
           </a:ln>
         </p:spPr>
         <p:txBody>
-          <a:bodyPr anchorCtr="0" anchor="ctr" bIns="91425" lIns="91425" spcFirstLastPara="1" rIns="91425" wrap="square" tIns="91425">
+          <a:bodyPr spcFirstLastPara="1" wrap="square" lIns="91425" tIns="91425" rIns="91425" bIns="91425" anchor="ctr" anchorCtr="0">
             <a:noAutofit/>
           </a:bodyPr>
           <a:lstStyle/>
           <a:p>
-            <a:pPr indent="0" lvl="0" marL="0" marR="0" rtl="0" algn="l">
+            <a:pPr marL="0" marR="0" lvl="0" indent="0" algn="l" rtl="0">
               <a:lnSpc>
                 <a:spcPct val="100000"/>
               </a:lnSpc>
@@ -6616,13 +6741,40 @@
               </a:spcAft>
               <a:buNone/>
             </a:pPr>
-            <a:r>
-              <a:t/>
-            </a:r>
             <a:endParaRPr/>
           </a:p>
         </p:txBody>
       </p:sp>
+      <p:pic>
+        <p:nvPicPr>
+          <p:cNvPr id="3" name="Picture 2" descr="Chart, scatter chart&#10;&#10;Description automatically generated">
+            <a:extLst>
+              <a:ext uri="{FF2B5EF4-FFF2-40B4-BE49-F238E27FC236}">
+                <a16:creationId xmlns:a16="http://schemas.microsoft.com/office/drawing/2014/main" id="{E6275919-BC6F-4A1D-942A-7682AB0C5875}"/>
+              </a:ext>
+            </a:extLst>
+          </p:cNvPr>
+          <p:cNvPicPr>
+            <a:picLocks noChangeAspect="1"/>
+          </p:cNvPicPr>
+          <p:nvPr/>
+        </p:nvPicPr>
+        <p:blipFill>
+          <a:blip r:embed="rId3"/>
+          <a:stretch>
+            <a:fillRect/>
+          </a:stretch>
+        </p:blipFill>
+        <p:spPr>
+          <a:xfrm>
+            <a:off x="1016000" y="0"/>
+            <a:ext cx="7112000" cy="5143500"/>
+          </a:xfrm>
+          <a:prstGeom prst="rect">
+            <a:avLst/>
+          </a:prstGeom>
+        </p:spPr>
+      </p:pic>
     </p:spTree>
   </p:cSld>
   <p:clrMapOvr>
@@ -6632,7 +6784,288 @@
 </file>
 
 <file path=ppt/theme/theme1.xml><?xml version="1.0" encoding="utf-8"?>
-<a:theme xmlns:a="http://schemas.openxmlformats.org/drawingml/2006/main" xmlns:r="http://schemas.openxmlformats.org/officeDocument/2006/relationships">
+<a:theme xmlns:a="http://schemas.openxmlformats.org/drawingml/2006/main" name="Simple Light">
+  <a:themeElements>
+    <a:clrScheme name="Simple Light">
+      <a:dk1>
+        <a:srgbClr val="000000"/>
+      </a:dk1>
+      <a:lt1>
+        <a:srgbClr val="FFFFFF"/>
+      </a:lt1>
+      <a:dk2>
+        <a:srgbClr val="595959"/>
+      </a:dk2>
+      <a:lt2>
+        <a:srgbClr val="EEEEEE"/>
+      </a:lt2>
+      <a:accent1>
+        <a:srgbClr val="FFAB40"/>
+      </a:accent1>
+      <a:accent2>
+        <a:srgbClr val="212121"/>
+      </a:accent2>
+      <a:accent3>
+        <a:srgbClr val="78909C"/>
+      </a:accent3>
+      <a:accent4>
+        <a:srgbClr val="FFAB40"/>
+      </a:accent4>
+      <a:accent5>
+        <a:srgbClr val="0097A7"/>
+      </a:accent5>
+      <a:accent6>
+        <a:srgbClr val="EEFF41"/>
+      </a:accent6>
+      <a:hlink>
+        <a:srgbClr val="0097A7"/>
+      </a:hlink>
+      <a:folHlink>
+        <a:srgbClr val="0097A7"/>
+      </a:folHlink>
+    </a:clrScheme>
+    <a:fontScheme name="Office">
+      <a:majorFont>
+        <a:latin typeface="Arial"/>
+        <a:ea typeface=""/>
+        <a:cs typeface=""/>
+        <a:font script="Jpan" typeface="ＭＳ Ｐゴシック"/>
+        <a:font script="Hang" typeface="맑은 고딕"/>
+        <a:font script="Hans" typeface="宋体"/>
+        <a:font script="Hant" typeface="新細明體"/>
+        <a:font script="Arab" typeface="Times New Roman"/>
+        <a:font script="Hebr" typeface="Times New Roman"/>
+        <a:font script="Thai" typeface="Angsana New"/>
+        <a:font script="Ethi" typeface="Nyala"/>
+        <a:font script="Beng" typeface="Vrinda"/>
+        <a:font script="Gujr" typeface="Shruti"/>
+        <a:font script="Khmr" typeface="MoolBoran"/>
+        <a:font script="Knda" typeface="Tunga"/>
+        <a:font script="Guru" typeface="Raavi"/>
+        <a:font script="Cans" typeface="Euphemia"/>
+        <a:font script="Cher" typeface="Plantagenet Cherokee"/>
+        <a:font script="Yiii" typeface="Microsoft Yi Baiti"/>
+        <a:font script="Tibt" typeface="Microsoft Himalaya"/>
+        <a:font script="Thaa" typeface="MV Boli"/>
+        <a:font script="Deva" typeface="Mangal"/>
+        <a:font script="Telu" typeface="Gautami"/>
+        <a:font script="Taml" typeface="Latha"/>
+        <a:font script="Syrc" typeface="Estrangelo Edessa"/>
+        <a:font script="Orya" typeface="Kalinga"/>
+        <a:font script="Mlym" typeface="Kartika"/>
+        <a:font script="Laoo" typeface="DokChampa"/>
+        <a:font script="Sinh" typeface="Iskoola Pota"/>
+        <a:font script="Mong" typeface="Mongolian Baiti"/>
+        <a:font script="Viet" typeface="Times New Roman"/>
+        <a:font script="Uigh" typeface="Microsoft Uighur"/>
+        <a:font script="Geor" typeface="Sylfaen"/>
+      </a:majorFont>
+      <a:minorFont>
+        <a:latin typeface="Arial"/>
+        <a:ea typeface=""/>
+        <a:cs typeface=""/>
+        <a:font script="Jpan" typeface="ＭＳ Ｐゴシック"/>
+        <a:font script="Hang" typeface="맑은 고딕"/>
+        <a:font script="Hans" typeface="宋体"/>
+        <a:font script="Hant" typeface="新細明體"/>
+        <a:font script="Arab" typeface="Arial"/>
+        <a:font script="Hebr" typeface="Arial"/>
+        <a:font script="Thai" typeface="Cordia New"/>
+        <a:font script="Ethi" typeface="Nyala"/>
+        <a:font script="Beng" typeface="Vrinda"/>
+        <a:font script="Gujr" typeface="Shruti"/>
+        <a:font script="Khmr" typeface="DaunPenh"/>
+        <a:font script="Knda" typeface="Tunga"/>
+        <a:font script="Guru" typeface="Raavi"/>
+        <a:font script="Cans" typeface="Euphemia"/>
+        <a:font script="Cher" typeface="Plantagenet Cherokee"/>
+        <a:font script="Yiii" typeface="Microsoft Yi Baiti"/>
+        <a:font script="Tibt" typeface="Microsoft Himalaya"/>
+        <a:font script="Thaa" typeface="MV Boli"/>
+        <a:font script="Deva" typeface="Mangal"/>
+        <a:font script="Telu" typeface="Gautami"/>
+        <a:font script="Taml" typeface="Latha"/>
+        <a:font script="Syrc" typeface="Estrangelo Edessa"/>
+        <a:font script="Orya" typeface="Kalinga"/>
+        <a:font script="Mlym" typeface="Kartika"/>
+        <a:font script="Laoo" typeface="DokChampa"/>
+        <a:font script="Sinh" typeface="Iskoola Pota"/>
+        <a:font script="Mong" typeface="Mongolian Baiti"/>
+        <a:font script="Viet" typeface="Arial"/>
+        <a:font script="Uigh" typeface="Microsoft Uighur"/>
+        <a:font script="Geor" typeface="Sylfaen"/>
+      </a:minorFont>
+    </a:fontScheme>
+    <a:fmtScheme name="Office">
+      <a:fillStyleLst>
+        <a:solidFill>
+          <a:schemeClr val="phClr"/>
+        </a:solidFill>
+        <a:gradFill rotWithShape="1">
+          <a:gsLst>
+            <a:gs pos="0">
+              <a:schemeClr val="phClr">
+                <a:tint val="50000"/>
+                <a:satMod val="300000"/>
+              </a:schemeClr>
+            </a:gs>
+            <a:gs pos="35000">
+              <a:schemeClr val="phClr">
+                <a:tint val="37000"/>
+                <a:satMod val="300000"/>
+              </a:schemeClr>
+            </a:gs>
+            <a:gs pos="100000">
+              <a:schemeClr val="phClr">
+                <a:tint val="15000"/>
+                <a:satMod val="350000"/>
+              </a:schemeClr>
+            </a:gs>
+          </a:gsLst>
+          <a:lin ang="16200000" scaled="1"/>
+        </a:gradFill>
+        <a:gradFill rotWithShape="1">
+          <a:gsLst>
+            <a:gs pos="0">
+              <a:schemeClr val="phClr">
+                <a:tint val="100000"/>
+                <a:shade val="100000"/>
+                <a:satMod val="130000"/>
+              </a:schemeClr>
+            </a:gs>
+            <a:gs pos="100000">
+              <a:schemeClr val="phClr">
+                <a:tint val="50000"/>
+                <a:shade val="100000"/>
+                <a:satMod val="350000"/>
+              </a:schemeClr>
+            </a:gs>
+          </a:gsLst>
+          <a:lin ang="16200000" scaled="0"/>
+        </a:gradFill>
+      </a:fillStyleLst>
+      <a:lnStyleLst>
+        <a:ln w="9525" cap="flat" cmpd="sng" algn="ctr">
+          <a:solidFill>
+            <a:schemeClr val="phClr">
+              <a:shade val="95000"/>
+              <a:satMod val="105000"/>
+            </a:schemeClr>
+          </a:solidFill>
+          <a:prstDash val="solid"/>
+        </a:ln>
+        <a:ln w="25400" cap="flat" cmpd="sng" algn="ctr">
+          <a:solidFill>
+            <a:schemeClr val="phClr"/>
+          </a:solidFill>
+          <a:prstDash val="solid"/>
+        </a:ln>
+        <a:ln w="38100" cap="flat" cmpd="sng" algn="ctr">
+          <a:solidFill>
+            <a:schemeClr val="phClr"/>
+          </a:solidFill>
+          <a:prstDash val="solid"/>
+        </a:ln>
+      </a:lnStyleLst>
+      <a:effectStyleLst>
+        <a:effectStyle>
+          <a:effectLst>
+            <a:outerShdw blurRad="40000" dist="20000" dir="5400000" rotWithShape="0">
+              <a:srgbClr val="000000">
+                <a:alpha val="38000"/>
+              </a:srgbClr>
+            </a:outerShdw>
+          </a:effectLst>
+        </a:effectStyle>
+        <a:effectStyle>
+          <a:effectLst>
+            <a:outerShdw blurRad="40000" dist="23000" dir="5400000" rotWithShape="0">
+              <a:srgbClr val="000000">
+                <a:alpha val="35000"/>
+              </a:srgbClr>
+            </a:outerShdw>
+          </a:effectLst>
+        </a:effectStyle>
+        <a:effectStyle>
+          <a:effectLst>
+            <a:outerShdw blurRad="40000" dist="23000" dir="5400000" rotWithShape="0">
+              <a:srgbClr val="000000">
+                <a:alpha val="35000"/>
+              </a:srgbClr>
+            </a:outerShdw>
+          </a:effectLst>
+          <a:scene3d>
+            <a:camera prst="orthographicFront">
+              <a:rot lat="0" lon="0" rev="0"/>
+            </a:camera>
+            <a:lightRig rig="threePt" dir="t">
+              <a:rot lat="0" lon="0" rev="1200000"/>
+            </a:lightRig>
+          </a:scene3d>
+          <a:sp3d>
+            <a:bevelT w="63500" h="25400"/>
+          </a:sp3d>
+        </a:effectStyle>
+      </a:effectStyleLst>
+      <a:bgFillStyleLst>
+        <a:solidFill>
+          <a:schemeClr val="phClr"/>
+        </a:solidFill>
+        <a:gradFill rotWithShape="1">
+          <a:gsLst>
+            <a:gs pos="0">
+              <a:schemeClr val="phClr">
+                <a:tint val="40000"/>
+                <a:satMod val="350000"/>
+              </a:schemeClr>
+            </a:gs>
+            <a:gs pos="40000">
+              <a:schemeClr val="phClr">
+                <a:tint val="45000"/>
+                <a:shade val="99000"/>
+                <a:satMod val="350000"/>
+              </a:schemeClr>
+            </a:gs>
+            <a:gs pos="100000">
+              <a:schemeClr val="phClr">
+                <a:shade val="20000"/>
+                <a:satMod val="255000"/>
+              </a:schemeClr>
+            </a:gs>
+          </a:gsLst>
+          <a:path path="circle">
+            <a:fillToRect l="50000" t="-80000" r="50000" b="180000"/>
+          </a:path>
+        </a:gradFill>
+        <a:gradFill rotWithShape="1">
+          <a:gsLst>
+            <a:gs pos="0">
+              <a:schemeClr val="phClr">
+                <a:tint val="80000"/>
+                <a:satMod val="300000"/>
+              </a:schemeClr>
+            </a:gs>
+            <a:gs pos="100000">
+              <a:schemeClr val="phClr">
+                <a:shade val="30000"/>
+                <a:satMod val="200000"/>
+              </a:schemeClr>
+            </a:gs>
+          </a:gsLst>
+          <a:path path="circle">
+            <a:fillToRect l="50000" t="50000" r="50000" b="50000"/>
+          </a:path>
+        </a:gradFill>
+      </a:bgFillStyleLst>
+    </a:fmtScheme>
+  </a:themeElements>
+  <a:objectDefaults/>
+  <a:extraClrSchemeLst/>
+</a:theme>
+</file>
+
+<file path=ppt/theme/theme2.xml><?xml version="1.0" encoding="utf-8"?>
+<a:theme xmlns:a="http://schemas.openxmlformats.org/drawingml/2006/main">
   <a:themeElements>
     <a:clrScheme name="Default">
       <a:dk1>
@@ -6907,284 +7340,7 @@
       </a:bgFillStyleLst>
     </a:fmtScheme>
   </a:themeElements>
-</a:theme>
-</file>
-
-<file path=ppt/theme/theme2.xml><?xml version="1.0" encoding="utf-8"?>
-<a:theme xmlns:a="http://schemas.openxmlformats.org/drawingml/2006/main" xmlns:r="http://schemas.openxmlformats.org/officeDocument/2006/relationships" name="Simple Light">
-  <a:themeElements>
-    <a:clrScheme name="Simple Light">
-      <a:dk1>
-        <a:srgbClr val="000000"/>
-      </a:dk1>
-      <a:lt1>
-        <a:srgbClr val="FFFFFF"/>
-      </a:lt1>
-      <a:dk2>
-        <a:srgbClr val="595959"/>
-      </a:dk2>
-      <a:lt2>
-        <a:srgbClr val="EEEEEE"/>
-      </a:lt2>
-      <a:accent1>
-        <a:srgbClr val="FFAB40"/>
-      </a:accent1>
-      <a:accent2>
-        <a:srgbClr val="212121"/>
-      </a:accent2>
-      <a:accent3>
-        <a:srgbClr val="78909C"/>
-      </a:accent3>
-      <a:accent4>
-        <a:srgbClr val="FFAB40"/>
-      </a:accent4>
-      <a:accent5>
-        <a:srgbClr val="0097A7"/>
-      </a:accent5>
-      <a:accent6>
-        <a:srgbClr val="EEFF41"/>
-      </a:accent6>
-      <a:hlink>
-        <a:srgbClr val="0097A7"/>
-      </a:hlink>
-      <a:folHlink>
-        <a:srgbClr val="0097A7"/>
-      </a:folHlink>
-    </a:clrScheme>
-    <a:fontScheme name="Office">
-      <a:majorFont>
-        <a:latin typeface="Arial"/>
-        <a:ea typeface=""/>
-        <a:cs typeface=""/>
-        <a:font script="Jpan" typeface="ＭＳ Ｐゴシック"/>
-        <a:font script="Hang" typeface="맑은 고딕"/>
-        <a:font script="Hans" typeface="宋体"/>
-        <a:font script="Hant" typeface="新細明體"/>
-        <a:font script="Arab" typeface="Times New Roman"/>
-        <a:font script="Hebr" typeface="Times New Roman"/>
-        <a:font script="Thai" typeface="Angsana New"/>
-        <a:font script="Ethi" typeface="Nyala"/>
-        <a:font script="Beng" typeface="Vrinda"/>
-        <a:font script="Gujr" typeface="Shruti"/>
-        <a:font script="Khmr" typeface="MoolBoran"/>
-        <a:font script="Knda" typeface="Tunga"/>
-        <a:font script="Guru" typeface="Raavi"/>
-        <a:font script="Cans" typeface="Euphemia"/>
-        <a:font script="Cher" typeface="Plantagenet Cherokee"/>
-        <a:font script="Yiii" typeface="Microsoft Yi Baiti"/>
-        <a:font script="Tibt" typeface="Microsoft Himalaya"/>
-        <a:font script="Thaa" typeface="MV Boli"/>
-        <a:font script="Deva" typeface="Mangal"/>
-        <a:font script="Telu" typeface="Gautami"/>
-        <a:font script="Taml" typeface="Latha"/>
-        <a:font script="Syrc" typeface="Estrangelo Edessa"/>
-        <a:font script="Orya" typeface="Kalinga"/>
-        <a:font script="Mlym" typeface="Kartika"/>
-        <a:font script="Laoo" typeface="DokChampa"/>
-        <a:font script="Sinh" typeface="Iskoola Pota"/>
-        <a:font script="Mong" typeface="Mongolian Baiti"/>
-        <a:font script="Viet" typeface="Times New Roman"/>
-        <a:font script="Uigh" typeface="Microsoft Uighur"/>
-        <a:font script="Geor" typeface="Sylfaen"/>
-      </a:majorFont>
-      <a:minorFont>
-        <a:latin typeface="Arial"/>
-        <a:ea typeface=""/>
-        <a:cs typeface=""/>
-        <a:font script="Jpan" typeface="ＭＳ Ｐゴシック"/>
-        <a:font script="Hang" typeface="맑은 고딕"/>
-        <a:font script="Hans" typeface="宋体"/>
-        <a:font script="Hant" typeface="新細明體"/>
-        <a:font script="Arab" typeface="Arial"/>
-        <a:font script="Hebr" typeface="Arial"/>
-        <a:font script="Thai" typeface="Cordia New"/>
-        <a:font script="Ethi" typeface="Nyala"/>
-        <a:font script="Beng" typeface="Vrinda"/>
-        <a:font script="Gujr" typeface="Shruti"/>
-        <a:font script="Khmr" typeface="DaunPenh"/>
-        <a:font script="Knda" typeface="Tunga"/>
-        <a:font script="Guru" typeface="Raavi"/>
-        <a:font script="Cans" typeface="Euphemia"/>
-        <a:font script="Cher" typeface="Plantagenet Cherokee"/>
-        <a:font script="Yiii" typeface="Microsoft Yi Baiti"/>
-        <a:font script="Tibt" typeface="Microsoft Himalaya"/>
-        <a:font script="Thaa" typeface="MV Boli"/>
-        <a:font script="Deva" typeface="Mangal"/>
-        <a:font script="Telu" typeface="Gautami"/>
-        <a:font script="Taml" typeface="Latha"/>
-        <a:font script="Syrc" typeface="Estrangelo Edessa"/>
-        <a:font script="Orya" typeface="Kalinga"/>
-        <a:font script="Mlym" typeface="Kartika"/>
-        <a:font script="Laoo" typeface="DokChampa"/>
-        <a:font script="Sinh" typeface="Iskoola Pota"/>
-        <a:font script="Mong" typeface="Mongolian Baiti"/>
-        <a:font script="Viet" typeface="Arial"/>
-        <a:font script="Uigh" typeface="Microsoft Uighur"/>
-        <a:font script="Geor" typeface="Sylfaen"/>
-      </a:minorFont>
-    </a:fontScheme>
-    <a:fmtScheme name="Office">
-      <a:fillStyleLst>
-        <a:solidFill>
-          <a:schemeClr val="phClr"/>
-        </a:solidFill>
-        <a:gradFill rotWithShape="1">
-          <a:gsLst>
-            <a:gs pos="0">
-              <a:schemeClr val="phClr">
-                <a:tint val="50000"/>
-                <a:satMod val="300000"/>
-              </a:schemeClr>
-            </a:gs>
-            <a:gs pos="35000">
-              <a:schemeClr val="phClr">
-                <a:tint val="37000"/>
-                <a:satMod val="300000"/>
-              </a:schemeClr>
-            </a:gs>
-            <a:gs pos="100000">
-              <a:schemeClr val="phClr">
-                <a:tint val="15000"/>
-                <a:satMod val="350000"/>
-              </a:schemeClr>
-            </a:gs>
-          </a:gsLst>
-          <a:lin ang="16200000" scaled="1"/>
-        </a:gradFill>
-        <a:gradFill rotWithShape="1">
-          <a:gsLst>
-            <a:gs pos="0">
-              <a:schemeClr val="phClr">
-                <a:tint val="100000"/>
-                <a:shade val="100000"/>
-                <a:satMod val="130000"/>
-              </a:schemeClr>
-            </a:gs>
-            <a:gs pos="100000">
-              <a:schemeClr val="phClr">
-                <a:tint val="50000"/>
-                <a:shade val="100000"/>
-                <a:satMod val="350000"/>
-              </a:schemeClr>
-            </a:gs>
-          </a:gsLst>
-          <a:lin ang="16200000" scaled="0"/>
-        </a:gradFill>
-      </a:fillStyleLst>
-      <a:lnStyleLst>
-        <a:ln w="9525" cap="flat" cmpd="sng" algn="ctr">
-          <a:solidFill>
-            <a:schemeClr val="phClr">
-              <a:shade val="95000"/>
-              <a:satMod val="105000"/>
-            </a:schemeClr>
-          </a:solidFill>
-          <a:prstDash val="solid"/>
-        </a:ln>
-        <a:ln w="25400" cap="flat" cmpd="sng" algn="ctr">
-          <a:solidFill>
-            <a:schemeClr val="phClr"/>
-          </a:solidFill>
-          <a:prstDash val="solid"/>
-        </a:ln>
-        <a:ln w="38100" cap="flat" cmpd="sng" algn="ctr">
-          <a:solidFill>
-            <a:schemeClr val="phClr"/>
-          </a:solidFill>
-          <a:prstDash val="solid"/>
-        </a:ln>
-      </a:lnStyleLst>
-      <a:effectStyleLst>
-        <a:effectStyle>
-          <a:effectLst>
-            <a:outerShdw blurRad="40000" dist="20000" dir="5400000" rotWithShape="0">
-              <a:srgbClr val="000000">
-                <a:alpha val="38000"/>
-              </a:srgbClr>
-            </a:outerShdw>
-          </a:effectLst>
-        </a:effectStyle>
-        <a:effectStyle>
-          <a:effectLst>
-            <a:outerShdw blurRad="40000" dist="23000" dir="5400000" rotWithShape="0">
-              <a:srgbClr val="000000">
-                <a:alpha val="35000"/>
-              </a:srgbClr>
-            </a:outerShdw>
-          </a:effectLst>
-        </a:effectStyle>
-        <a:effectStyle>
-          <a:effectLst>
-            <a:outerShdw blurRad="40000" dist="23000" dir="5400000" rotWithShape="0">
-              <a:srgbClr val="000000">
-                <a:alpha val="35000"/>
-              </a:srgbClr>
-            </a:outerShdw>
-          </a:effectLst>
-          <a:scene3d>
-            <a:camera prst="orthographicFront">
-              <a:rot lat="0" lon="0" rev="0"/>
-            </a:camera>
-            <a:lightRig rig="threePt" dir="t">
-              <a:rot lat="0" lon="0" rev="1200000"/>
-            </a:lightRig>
-          </a:scene3d>
-          <a:sp3d>
-            <a:bevelT w="63500" h="25400"/>
-          </a:sp3d>
-        </a:effectStyle>
-      </a:effectStyleLst>
-      <a:bgFillStyleLst>
-        <a:solidFill>
-          <a:schemeClr val="phClr"/>
-        </a:solidFill>
-        <a:gradFill rotWithShape="1">
-          <a:gsLst>
-            <a:gs pos="0">
-              <a:schemeClr val="phClr">
-                <a:tint val="40000"/>
-                <a:satMod val="350000"/>
-              </a:schemeClr>
-            </a:gs>
-            <a:gs pos="40000">
-              <a:schemeClr val="phClr">
-                <a:tint val="45000"/>
-                <a:shade val="99000"/>
-                <a:satMod val="350000"/>
-              </a:schemeClr>
-            </a:gs>
-            <a:gs pos="100000">
-              <a:schemeClr val="phClr">
-                <a:shade val="20000"/>
-                <a:satMod val="255000"/>
-              </a:schemeClr>
-            </a:gs>
-          </a:gsLst>
-          <a:path path="circle">
-            <a:fillToRect l="50000" t="-80000" r="50000" b="180000"/>
-          </a:path>
-        </a:gradFill>
-        <a:gradFill rotWithShape="1">
-          <a:gsLst>
-            <a:gs pos="0">
-              <a:schemeClr val="phClr">
-                <a:tint val="80000"/>
-                <a:satMod val="300000"/>
-              </a:schemeClr>
-            </a:gs>
-            <a:gs pos="100000">
-              <a:schemeClr val="phClr">
-                <a:shade val="30000"/>
-                <a:satMod val="200000"/>
-              </a:schemeClr>
-            </a:gs>
-          </a:gsLst>
-          <a:path path="circle">
-            <a:fillToRect l="50000" t="50000" r="50000" b="50000"/>
-          </a:path>
-        </a:gradFill>
-      </a:bgFillStyleLst>
-    </a:fmtScheme>
-  </a:themeElements>
+  <a:objectDefaults/>
+  <a:extraClrSchemeLst/>
 </a:theme>
 </file>